--- a/test/HandInHand.pptx
+++ b/test/HandInHand.pptx
@@ -4,19 +4,27 @@
   <p:sldMasterIdLst>
     <p:sldMasterId id="2147483648" r:id="rId1"/>
   </p:sldMasterIdLst>
+  <p:notesMasterIdLst>
+    <p:notesMasterId r:id="rId19"/>
+  </p:notesMasterIdLst>
   <p:sldIdLst>
     <p:sldId id="257" r:id="rId2"/>
     <p:sldId id="256" r:id="rId3"/>
     <p:sldId id="259" r:id="rId4"/>
     <p:sldId id="258" r:id="rId5"/>
-    <p:sldId id="260" r:id="rId6"/>
-    <p:sldId id="261" r:id="rId7"/>
-    <p:sldId id="262" r:id="rId8"/>
-    <p:sldId id="263" r:id="rId9"/>
-    <p:sldId id="265" r:id="rId10"/>
-    <p:sldId id="266" r:id="rId11"/>
-    <p:sldId id="267" r:id="rId12"/>
-    <p:sldId id="264" r:id="rId13"/>
+    <p:sldId id="272" r:id="rId6"/>
+    <p:sldId id="273" r:id="rId7"/>
+    <p:sldId id="260" r:id="rId8"/>
+    <p:sldId id="262" r:id="rId9"/>
+    <p:sldId id="263" r:id="rId10"/>
+    <p:sldId id="265" r:id="rId11"/>
+    <p:sldId id="266" r:id="rId12"/>
+    <p:sldId id="267" r:id="rId13"/>
+    <p:sldId id="268" r:id="rId14"/>
+    <p:sldId id="269" r:id="rId15"/>
+    <p:sldId id="270" r:id="rId16"/>
+    <p:sldId id="271" r:id="rId17"/>
+    <p:sldId id="264" r:id="rId18"/>
   </p:sldIdLst>
   <p:sldSz cx="12192000" cy="6858000"/>
   <p:notesSz cx="6858000" cy="9144000"/>
@@ -115,7 +123,450 @@
       </a:defRPr>
     </a:lvl9pPr>
   </p:defaultTextStyle>
+  <p:extLst>
+    <p:ext uri="{EFAFB233-063F-42B5-8137-9DF3F51BA10A}">
+      <p15:sldGuideLst xmlns:p15="http://schemas.microsoft.com/office/powerpoint/2012/main"/>
+    </p:ext>
+  </p:extLst>
 </p:presentation>
+</file>
+
+<file path=ppt/notesMasters/notesMaster1.xml><?xml version="1.0" encoding="utf-8"?>
+<p:notesMaster xmlns:a="http://schemas.openxmlformats.org/drawingml/2006/main" xmlns:r="http://schemas.openxmlformats.org/officeDocument/2006/relationships" xmlns:p="http://schemas.openxmlformats.org/presentationml/2006/main">
+  <p:cSld>
+    <p:bg>
+      <p:bgRef idx="1001">
+        <a:schemeClr val="bg1"/>
+      </p:bgRef>
+    </p:bg>
+    <p:spTree>
+      <p:nvGrpSpPr>
+        <p:cNvPr id="1" name=""/>
+        <p:cNvGrpSpPr/>
+        <p:nvPr/>
+      </p:nvGrpSpPr>
+      <p:grpSpPr>
+        <a:xfrm>
+          <a:off x="0" y="0"/>
+          <a:ext cx="0" cy="0"/>
+          <a:chOff x="0" y="0"/>
+          <a:chExt cx="0" cy="0"/>
+        </a:xfrm>
+      </p:grpSpPr>
+      <p:sp>
+        <p:nvSpPr>
+          <p:cNvPr id="2" name="页眉占位符 1"/>
+          <p:cNvSpPr>
+            <a:spLocks noGrp="1"/>
+          </p:cNvSpPr>
+          <p:nvPr>
+            <p:ph type="hdr" sz="quarter"/>
+          </p:nvPr>
+        </p:nvSpPr>
+        <p:spPr>
+          <a:xfrm>
+            <a:off x="0" y="0"/>
+            <a:ext cx="2971800" cy="458788"/>
+          </a:xfrm>
+          <a:prstGeom prst="rect">
+            <a:avLst/>
+          </a:prstGeom>
+        </p:spPr>
+        <p:txBody>
+          <a:bodyPr vert="horz" lIns="91440" tIns="45720" rIns="91440" bIns="45720" rtlCol="0"/>
+          <a:lstStyle>
+            <a:lvl1pPr algn="l">
+              <a:defRPr sz="1200"/>
+            </a:lvl1pPr>
+          </a:lstStyle>
+          <a:p>
+            <a:endParaRPr lang="zh-CN" altLang="en-US"/>
+          </a:p>
+        </p:txBody>
+      </p:sp>
+      <p:sp>
+        <p:nvSpPr>
+          <p:cNvPr id="3" name="日期占位符 2"/>
+          <p:cNvSpPr>
+            <a:spLocks noGrp="1"/>
+          </p:cNvSpPr>
+          <p:nvPr>
+            <p:ph type="dt" idx="1"/>
+          </p:nvPr>
+        </p:nvSpPr>
+        <p:spPr>
+          <a:xfrm>
+            <a:off x="3884613" y="0"/>
+            <a:ext cx="2971800" cy="458788"/>
+          </a:xfrm>
+          <a:prstGeom prst="rect">
+            <a:avLst/>
+          </a:prstGeom>
+        </p:spPr>
+        <p:txBody>
+          <a:bodyPr vert="horz" lIns="91440" tIns="45720" rIns="91440" bIns="45720" rtlCol="0"/>
+          <a:lstStyle>
+            <a:lvl1pPr algn="r">
+              <a:defRPr sz="1200"/>
+            </a:lvl1pPr>
+          </a:lstStyle>
+          <a:p>
+            <a:fld id="{81C2841E-C230-47BB-811E-13A21288F5D9}" type="datetimeFigureOut">
+              <a:rPr lang="zh-CN" altLang="en-US" smtClean="0"/>
+              <a:t>2015/3/6</a:t>
+            </a:fld>
+            <a:endParaRPr lang="zh-CN" altLang="en-US"/>
+          </a:p>
+        </p:txBody>
+      </p:sp>
+      <p:sp>
+        <p:nvSpPr>
+          <p:cNvPr id="4" name="幻灯片图像占位符 3"/>
+          <p:cNvSpPr>
+            <a:spLocks noGrp="1" noRot="1" noChangeAspect="1"/>
+          </p:cNvSpPr>
+          <p:nvPr>
+            <p:ph type="sldImg" idx="2"/>
+          </p:nvPr>
+        </p:nvSpPr>
+        <p:spPr>
+          <a:xfrm>
+            <a:off x="685800" y="1143000"/>
+            <a:ext cx="5486400" cy="3086100"/>
+          </a:xfrm>
+          <a:prstGeom prst="rect">
+            <a:avLst/>
+          </a:prstGeom>
+          <a:noFill/>
+          <a:ln w="12700">
+            <a:solidFill>
+              <a:prstClr val="black"/>
+            </a:solidFill>
+          </a:ln>
+        </p:spPr>
+        <p:txBody>
+          <a:bodyPr vert="horz" lIns="91440" tIns="45720" rIns="91440" bIns="45720" rtlCol="0" anchor="ctr"/>
+          <a:lstStyle/>
+          <a:p>
+            <a:endParaRPr lang="zh-CN" altLang="en-US"/>
+          </a:p>
+        </p:txBody>
+      </p:sp>
+      <p:sp>
+        <p:nvSpPr>
+          <p:cNvPr id="5" name="备注占位符 4"/>
+          <p:cNvSpPr>
+            <a:spLocks noGrp="1"/>
+          </p:cNvSpPr>
+          <p:nvPr>
+            <p:ph type="body" sz="quarter" idx="3"/>
+          </p:nvPr>
+        </p:nvSpPr>
+        <p:spPr>
+          <a:xfrm>
+            <a:off x="685800" y="4400550"/>
+            <a:ext cx="5486400" cy="3600450"/>
+          </a:xfrm>
+          <a:prstGeom prst="rect">
+            <a:avLst/>
+          </a:prstGeom>
+        </p:spPr>
+        <p:txBody>
+          <a:bodyPr vert="horz" lIns="91440" tIns="45720" rIns="91440" bIns="45720" rtlCol="0"/>
+          <a:lstStyle/>
+          <a:p>
+            <a:pPr lvl="0"/>
+            <a:r>
+              <a:rPr lang="zh-CN" altLang="en-US" smtClean="0"/>
+              <a:t>单击此处编辑母版文本样式</a:t>
+            </a:r>
+          </a:p>
+          <a:p>
+            <a:pPr lvl="1"/>
+            <a:r>
+              <a:rPr lang="zh-CN" altLang="en-US" smtClean="0"/>
+              <a:t>第二级</a:t>
+            </a:r>
+          </a:p>
+          <a:p>
+            <a:pPr lvl="2"/>
+            <a:r>
+              <a:rPr lang="zh-CN" altLang="en-US" smtClean="0"/>
+              <a:t>第三级</a:t>
+            </a:r>
+          </a:p>
+          <a:p>
+            <a:pPr lvl="3"/>
+            <a:r>
+              <a:rPr lang="zh-CN" altLang="en-US" smtClean="0"/>
+              <a:t>第四级</a:t>
+            </a:r>
+          </a:p>
+          <a:p>
+            <a:pPr lvl="4"/>
+            <a:r>
+              <a:rPr lang="zh-CN" altLang="en-US" smtClean="0"/>
+              <a:t>第五级</a:t>
+            </a:r>
+            <a:endParaRPr lang="zh-CN" altLang="en-US"/>
+          </a:p>
+        </p:txBody>
+      </p:sp>
+      <p:sp>
+        <p:nvSpPr>
+          <p:cNvPr id="6" name="页脚占位符 5"/>
+          <p:cNvSpPr>
+            <a:spLocks noGrp="1"/>
+          </p:cNvSpPr>
+          <p:nvPr>
+            <p:ph type="ftr" sz="quarter" idx="4"/>
+          </p:nvPr>
+        </p:nvSpPr>
+        <p:spPr>
+          <a:xfrm>
+            <a:off x="0" y="8685213"/>
+            <a:ext cx="2971800" cy="458787"/>
+          </a:xfrm>
+          <a:prstGeom prst="rect">
+            <a:avLst/>
+          </a:prstGeom>
+        </p:spPr>
+        <p:txBody>
+          <a:bodyPr vert="horz" lIns="91440" tIns="45720" rIns="91440" bIns="45720" rtlCol="0" anchor="b"/>
+          <a:lstStyle>
+            <a:lvl1pPr algn="l">
+              <a:defRPr sz="1200"/>
+            </a:lvl1pPr>
+          </a:lstStyle>
+          <a:p>
+            <a:endParaRPr lang="zh-CN" altLang="en-US"/>
+          </a:p>
+        </p:txBody>
+      </p:sp>
+      <p:sp>
+        <p:nvSpPr>
+          <p:cNvPr id="7" name="灯片编号占位符 6"/>
+          <p:cNvSpPr>
+            <a:spLocks noGrp="1"/>
+          </p:cNvSpPr>
+          <p:nvPr>
+            <p:ph type="sldNum" sz="quarter" idx="5"/>
+          </p:nvPr>
+        </p:nvSpPr>
+        <p:spPr>
+          <a:xfrm>
+            <a:off x="3884613" y="8685213"/>
+            <a:ext cx="2971800" cy="458787"/>
+          </a:xfrm>
+          <a:prstGeom prst="rect">
+            <a:avLst/>
+          </a:prstGeom>
+        </p:spPr>
+        <p:txBody>
+          <a:bodyPr vert="horz" lIns="91440" tIns="45720" rIns="91440" bIns="45720" rtlCol="0" anchor="b"/>
+          <a:lstStyle>
+            <a:lvl1pPr algn="r">
+              <a:defRPr sz="1200"/>
+            </a:lvl1pPr>
+          </a:lstStyle>
+          <a:p>
+            <a:fld id="{DE9D39BB-B76D-43A9-91D2-66710ADE068F}" type="slidenum">
+              <a:rPr lang="zh-CN" altLang="en-US" smtClean="0"/>
+              <a:t>‹#›</a:t>
+            </a:fld>
+            <a:endParaRPr lang="zh-CN" altLang="en-US"/>
+          </a:p>
+        </p:txBody>
+      </p:sp>
+    </p:spTree>
+    <p:extLst>
+      <p:ext uri="{BB962C8B-B14F-4D97-AF65-F5344CB8AC3E}">
+        <p14:creationId xmlns:p14="http://schemas.microsoft.com/office/powerpoint/2010/main" val="336863624"/>
+      </p:ext>
+    </p:extLst>
+  </p:cSld>
+  <p:clrMap bg1="lt1" tx1="dk1" bg2="lt2" tx2="dk2" accent1="accent1" accent2="accent2" accent3="accent3" accent4="accent4" accent5="accent5" accent6="accent6" hlink="hlink" folHlink="folHlink"/>
+  <p:notesStyle>
+    <a:lvl1pPr marL="0" algn="l" defTabSz="914400" rtl="0" eaLnBrk="1" latinLnBrk="0" hangingPunct="1">
+      <a:defRPr sz="1200" kern="1200">
+        <a:solidFill>
+          <a:schemeClr val="tx1"/>
+        </a:solidFill>
+        <a:latin typeface="+mn-lt"/>
+        <a:ea typeface="+mn-ea"/>
+        <a:cs typeface="+mn-cs"/>
+      </a:defRPr>
+    </a:lvl1pPr>
+    <a:lvl2pPr marL="457200" algn="l" defTabSz="914400" rtl="0" eaLnBrk="1" latinLnBrk="0" hangingPunct="1">
+      <a:defRPr sz="1200" kern="1200">
+        <a:solidFill>
+          <a:schemeClr val="tx1"/>
+        </a:solidFill>
+        <a:latin typeface="+mn-lt"/>
+        <a:ea typeface="+mn-ea"/>
+        <a:cs typeface="+mn-cs"/>
+      </a:defRPr>
+    </a:lvl2pPr>
+    <a:lvl3pPr marL="914400" algn="l" defTabSz="914400" rtl="0" eaLnBrk="1" latinLnBrk="0" hangingPunct="1">
+      <a:defRPr sz="1200" kern="1200">
+        <a:solidFill>
+          <a:schemeClr val="tx1"/>
+        </a:solidFill>
+        <a:latin typeface="+mn-lt"/>
+        <a:ea typeface="+mn-ea"/>
+        <a:cs typeface="+mn-cs"/>
+      </a:defRPr>
+    </a:lvl3pPr>
+    <a:lvl4pPr marL="1371600" algn="l" defTabSz="914400" rtl="0" eaLnBrk="1" latinLnBrk="0" hangingPunct="1">
+      <a:defRPr sz="1200" kern="1200">
+        <a:solidFill>
+          <a:schemeClr val="tx1"/>
+        </a:solidFill>
+        <a:latin typeface="+mn-lt"/>
+        <a:ea typeface="+mn-ea"/>
+        <a:cs typeface="+mn-cs"/>
+      </a:defRPr>
+    </a:lvl4pPr>
+    <a:lvl5pPr marL="1828800" algn="l" defTabSz="914400" rtl="0" eaLnBrk="1" latinLnBrk="0" hangingPunct="1">
+      <a:defRPr sz="1200" kern="1200">
+        <a:solidFill>
+          <a:schemeClr val="tx1"/>
+        </a:solidFill>
+        <a:latin typeface="+mn-lt"/>
+        <a:ea typeface="+mn-ea"/>
+        <a:cs typeface="+mn-cs"/>
+      </a:defRPr>
+    </a:lvl5pPr>
+    <a:lvl6pPr marL="2286000" algn="l" defTabSz="914400" rtl="0" eaLnBrk="1" latinLnBrk="0" hangingPunct="1">
+      <a:defRPr sz="1200" kern="1200">
+        <a:solidFill>
+          <a:schemeClr val="tx1"/>
+        </a:solidFill>
+        <a:latin typeface="+mn-lt"/>
+        <a:ea typeface="+mn-ea"/>
+        <a:cs typeface="+mn-cs"/>
+      </a:defRPr>
+    </a:lvl6pPr>
+    <a:lvl7pPr marL="2743200" algn="l" defTabSz="914400" rtl="0" eaLnBrk="1" latinLnBrk="0" hangingPunct="1">
+      <a:defRPr sz="1200" kern="1200">
+        <a:solidFill>
+          <a:schemeClr val="tx1"/>
+        </a:solidFill>
+        <a:latin typeface="+mn-lt"/>
+        <a:ea typeface="+mn-ea"/>
+        <a:cs typeface="+mn-cs"/>
+      </a:defRPr>
+    </a:lvl7pPr>
+    <a:lvl8pPr marL="3200400" algn="l" defTabSz="914400" rtl="0" eaLnBrk="1" latinLnBrk="0" hangingPunct="1">
+      <a:defRPr sz="1200" kern="1200">
+        <a:solidFill>
+          <a:schemeClr val="tx1"/>
+        </a:solidFill>
+        <a:latin typeface="+mn-lt"/>
+        <a:ea typeface="+mn-ea"/>
+        <a:cs typeface="+mn-cs"/>
+      </a:defRPr>
+    </a:lvl8pPr>
+    <a:lvl9pPr marL="3657600" algn="l" defTabSz="914400" rtl="0" eaLnBrk="1" latinLnBrk="0" hangingPunct="1">
+      <a:defRPr sz="1200" kern="1200">
+        <a:solidFill>
+          <a:schemeClr val="tx1"/>
+        </a:solidFill>
+        <a:latin typeface="+mn-lt"/>
+        <a:ea typeface="+mn-ea"/>
+        <a:cs typeface="+mn-cs"/>
+      </a:defRPr>
+    </a:lvl9pPr>
+  </p:notesStyle>
+</p:notesMaster>
+</file>
+
+<file path=ppt/notesSlides/notesSlide1.xml><?xml version="1.0" encoding="utf-8"?>
+<p:notes xmlns:a="http://schemas.openxmlformats.org/drawingml/2006/main" xmlns:r="http://schemas.openxmlformats.org/officeDocument/2006/relationships" xmlns:p="http://schemas.openxmlformats.org/presentationml/2006/main">
+  <p:cSld>
+    <p:spTree>
+      <p:nvGrpSpPr>
+        <p:cNvPr id="1" name=""/>
+        <p:cNvGrpSpPr/>
+        <p:nvPr/>
+      </p:nvGrpSpPr>
+      <p:grpSpPr>
+        <a:xfrm>
+          <a:off x="0" y="0"/>
+          <a:ext cx="0" cy="0"/>
+          <a:chOff x="0" y="0"/>
+          <a:chExt cx="0" cy="0"/>
+        </a:xfrm>
+      </p:grpSpPr>
+      <p:sp>
+        <p:nvSpPr>
+          <p:cNvPr id="2" name="幻灯片图像占位符 1"/>
+          <p:cNvSpPr>
+            <a:spLocks noGrp="1" noRot="1" noChangeAspect="1"/>
+          </p:cNvSpPr>
+          <p:nvPr>
+            <p:ph type="sldImg"/>
+          </p:nvPr>
+        </p:nvSpPr>
+        <p:spPr/>
+      </p:sp>
+      <p:sp>
+        <p:nvSpPr>
+          <p:cNvPr id="3" name="备注占位符 2"/>
+          <p:cNvSpPr>
+            <a:spLocks noGrp="1"/>
+          </p:cNvSpPr>
+          <p:nvPr>
+            <p:ph type="body" idx="1"/>
+          </p:nvPr>
+        </p:nvSpPr>
+        <p:spPr/>
+        <p:txBody>
+          <a:bodyPr/>
+          <a:lstStyle/>
+          <a:p>
+            <a:r>
+              <a:rPr lang="zh-CN" altLang="en-US" dirty="0" smtClean="0"/>
+              <a:t>调的好看一些。。。</a:t>
+            </a:r>
+            <a:endParaRPr lang="zh-CN" altLang="en-US" dirty="0"/>
+          </a:p>
+        </p:txBody>
+      </p:sp>
+      <p:sp>
+        <p:nvSpPr>
+          <p:cNvPr id="4" name="灯片编号占位符 3"/>
+          <p:cNvSpPr>
+            <a:spLocks noGrp="1"/>
+          </p:cNvSpPr>
+          <p:nvPr>
+            <p:ph type="sldNum" sz="quarter" idx="10"/>
+          </p:nvPr>
+        </p:nvSpPr>
+        <p:spPr/>
+        <p:txBody>
+          <a:bodyPr/>
+          <a:lstStyle/>
+          <a:p>
+            <a:fld id="{DE9D39BB-B76D-43A9-91D2-66710ADE068F}" type="slidenum">
+              <a:rPr lang="zh-CN" altLang="en-US" smtClean="0"/>
+              <a:t>3</a:t>
+            </a:fld>
+            <a:endParaRPr lang="zh-CN" altLang="en-US"/>
+          </a:p>
+        </p:txBody>
+      </p:sp>
+    </p:spTree>
+    <p:extLst>
+      <p:ext uri="{BB962C8B-B14F-4D97-AF65-F5344CB8AC3E}">
+        <p14:creationId xmlns:p14="http://schemas.microsoft.com/office/powerpoint/2010/main" val="3655134712"/>
+      </p:ext>
+    </p:extLst>
+  </p:cSld>
+  <p:clrMapOvr>
+    <a:masterClrMapping/>
+  </p:clrMapOvr>
+</p:notes>
 </file>
 
 <file path=ppt/slideLayouts/slideLayout1.xml><?xml version="1.0" encoding="utf-8"?>
@@ -249,7 +700,7 @@
           <a:p>
             <a:fld id="{9420C028-B17C-4F9E-8148-3B20F25F37F8}" type="datetimeFigureOut">
               <a:rPr lang="zh-CN" altLang="en-US" smtClean="0"/>
-              <a:t>2015/3/5</a:t>
+              <a:t>2015/3/6</a:t>
             </a:fld>
             <a:endParaRPr lang="zh-CN" altLang="en-US"/>
           </a:p>
@@ -419,7 +870,7 @@
           <a:p>
             <a:fld id="{9420C028-B17C-4F9E-8148-3B20F25F37F8}" type="datetimeFigureOut">
               <a:rPr lang="zh-CN" altLang="en-US" smtClean="0"/>
-              <a:t>2015/3/5</a:t>
+              <a:t>2015/3/6</a:t>
             </a:fld>
             <a:endParaRPr lang="zh-CN" altLang="en-US"/>
           </a:p>
@@ -599,7 +1050,7 @@
           <a:p>
             <a:fld id="{9420C028-B17C-4F9E-8148-3B20F25F37F8}" type="datetimeFigureOut">
               <a:rPr lang="zh-CN" altLang="en-US" smtClean="0"/>
-              <a:t>2015/3/5</a:t>
+              <a:t>2015/3/6</a:t>
             </a:fld>
             <a:endParaRPr lang="zh-CN" altLang="en-US"/>
           </a:p>
@@ -769,7 +1220,7 @@
           <a:p>
             <a:fld id="{9420C028-B17C-4F9E-8148-3B20F25F37F8}" type="datetimeFigureOut">
               <a:rPr lang="zh-CN" altLang="en-US" smtClean="0"/>
-              <a:t>2015/3/5</a:t>
+              <a:t>2015/3/6</a:t>
             </a:fld>
             <a:endParaRPr lang="zh-CN" altLang="en-US"/>
           </a:p>
@@ -1015,7 +1466,7 @@
           <a:p>
             <a:fld id="{9420C028-B17C-4F9E-8148-3B20F25F37F8}" type="datetimeFigureOut">
               <a:rPr lang="zh-CN" altLang="en-US" smtClean="0"/>
-              <a:t>2015/3/5</a:t>
+              <a:t>2015/3/6</a:t>
             </a:fld>
             <a:endParaRPr lang="zh-CN" altLang="en-US"/>
           </a:p>
@@ -1247,7 +1698,7 @@
           <a:p>
             <a:fld id="{9420C028-B17C-4F9E-8148-3B20F25F37F8}" type="datetimeFigureOut">
               <a:rPr lang="zh-CN" altLang="en-US" smtClean="0"/>
-              <a:t>2015/3/5</a:t>
+              <a:t>2015/3/6</a:t>
             </a:fld>
             <a:endParaRPr lang="zh-CN" altLang="en-US"/>
           </a:p>
@@ -1614,7 +2065,7 @@
           <a:p>
             <a:fld id="{9420C028-B17C-4F9E-8148-3B20F25F37F8}" type="datetimeFigureOut">
               <a:rPr lang="zh-CN" altLang="en-US" smtClean="0"/>
-              <a:t>2015/3/5</a:t>
+              <a:t>2015/3/6</a:t>
             </a:fld>
             <a:endParaRPr lang="zh-CN" altLang="en-US"/>
           </a:p>
@@ -1732,7 +2183,7 @@
           <a:p>
             <a:fld id="{9420C028-B17C-4F9E-8148-3B20F25F37F8}" type="datetimeFigureOut">
               <a:rPr lang="zh-CN" altLang="en-US" smtClean="0"/>
-              <a:t>2015/3/5</a:t>
+              <a:t>2015/3/6</a:t>
             </a:fld>
             <a:endParaRPr lang="zh-CN" altLang="en-US"/>
           </a:p>
@@ -1827,7 +2278,7 @@
           <a:p>
             <a:fld id="{9420C028-B17C-4F9E-8148-3B20F25F37F8}" type="datetimeFigureOut">
               <a:rPr lang="zh-CN" altLang="en-US" smtClean="0"/>
-              <a:t>2015/3/5</a:t>
+              <a:t>2015/3/6</a:t>
             </a:fld>
             <a:endParaRPr lang="zh-CN" altLang="en-US"/>
           </a:p>
@@ -2104,7 +2555,7 @@
           <a:p>
             <a:fld id="{9420C028-B17C-4F9E-8148-3B20F25F37F8}" type="datetimeFigureOut">
               <a:rPr lang="zh-CN" altLang="en-US" smtClean="0"/>
-              <a:t>2015/3/5</a:t>
+              <a:t>2015/3/6</a:t>
             </a:fld>
             <a:endParaRPr lang="zh-CN" altLang="en-US"/>
           </a:p>
@@ -2357,7 +2808,7 @@
           <a:p>
             <a:fld id="{9420C028-B17C-4F9E-8148-3B20F25F37F8}" type="datetimeFigureOut">
               <a:rPr lang="zh-CN" altLang="en-US" smtClean="0"/>
-              <a:t>2015/3/5</a:t>
+              <a:t>2015/3/6</a:t>
             </a:fld>
             <a:endParaRPr lang="zh-CN" altLang="en-US"/>
           </a:p>
@@ -2579,7 +3030,7 @@
           <a:p>
             <a:fld id="{9420C028-B17C-4F9E-8148-3B20F25F37F8}" type="datetimeFigureOut">
               <a:rPr lang="zh-CN" altLang="en-US" smtClean="0"/>
-              <a:t>2015/3/5</a:t>
+              <a:t>2015/3/6</a:t>
             </a:fld>
             <a:endParaRPr lang="zh-CN" altLang="en-US"/>
           </a:p>
@@ -3079,11 +3530,11 @@
   <p:clrMapOvr>
     <a:masterClrMapping/>
   </p:clrMapOvr>
-  <mc:AlternateContent xmlns:mc="http://schemas.openxmlformats.org/markup-compatibility/2006">
-    <mc:Choice xmlns:p14="http://schemas.microsoft.com/office/powerpoint/2010/main" Requires="p14">
+  <mc:AlternateContent xmlns:mc="http://schemas.openxmlformats.org/markup-compatibility/2006" xmlns:p14="http://schemas.microsoft.com/office/powerpoint/2010/main">
+    <mc:Choice Requires="p14">
       <p:transition spd="slow" p14:dur="2000"/>
     </mc:Choice>
-    <mc:Fallback>
+    <mc:Fallback xmlns="">
       <p:transition spd="slow"/>
     </mc:Fallback>
   </mc:AlternateContent>
@@ -3291,6 +3742,376 @@
           <a:p>
             <a:pPr algn="ctr"/>
             <a:r>
+              <a:rPr lang="zh-CN" altLang="en-US" sz="4400" b="1" dirty="0" smtClean="0">
+                <a:latin typeface="SimSun-ExtB" panose="02010609060101010101" pitchFamily="49" charset="-122"/>
+                <a:ea typeface="SimSun-ExtB" panose="02010609060101010101" pitchFamily="49" charset="-122"/>
+              </a:rPr>
+              <a:t>时效性</a:t>
+            </a:r>
+            <a:endParaRPr lang="zh-CN" altLang="en-US" sz="4400" b="1" dirty="0">
+              <a:latin typeface="SimSun-ExtB" panose="02010609060101010101" pitchFamily="49" charset="-122"/>
+              <a:ea typeface="SimSun-ExtB" panose="02010609060101010101" pitchFamily="49" charset="-122"/>
+            </a:endParaRPr>
+          </a:p>
+        </p:txBody>
+      </p:sp>
+      <p:sp>
+        <p:nvSpPr>
+          <p:cNvPr id="5" name="椭圆 4"/>
+          <p:cNvSpPr/>
+          <p:nvPr/>
+        </p:nvSpPr>
+        <p:spPr>
+          <a:xfrm>
+            <a:off x="7883237" y="2424545"/>
+            <a:ext cx="2784763" cy="2854037"/>
+          </a:xfrm>
+          <a:prstGeom prst="ellipse">
+            <a:avLst/>
+          </a:prstGeom>
+          <a:solidFill>
+            <a:schemeClr val="accent2"/>
+          </a:solidFill>
+          <a:ln>
+            <a:noFill/>
+          </a:ln>
+          <a:effectLst>
+            <a:outerShdw blurRad="44450" dist="27940" dir="5400000" algn="ctr">
+              <a:srgbClr val="000000">
+                <a:alpha val="32000"/>
+              </a:srgbClr>
+            </a:outerShdw>
+          </a:effectLst>
+          <a:scene3d>
+            <a:camera prst="orthographicFront">
+              <a:rot lat="0" lon="0" rev="0"/>
+            </a:camera>
+            <a:lightRig rig="balanced" dir="t">
+              <a:rot lat="0" lon="0" rev="8700000"/>
+            </a:lightRig>
+          </a:scene3d>
+          <a:sp3d>
+            <a:bevelT w="190500" h="38100"/>
+          </a:sp3d>
+        </p:spPr>
+        <p:style>
+          <a:lnRef idx="2">
+            <a:schemeClr val="accent1">
+              <a:shade val="50000"/>
+            </a:schemeClr>
+          </a:lnRef>
+          <a:fillRef idx="1">
+            <a:schemeClr val="accent1"/>
+          </a:fillRef>
+          <a:effectRef idx="0">
+            <a:schemeClr val="accent1"/>
+          </a:effectRef>
+          <a:fontRef idx="minor">
+            <a:schemeClr val="lt1"/>
+          </a:fontRef>
+        </p:style>
+        <p:txBody>
+          <a:bodyPr rtlCol="0" anchor="ctr"/>
+          <a:lstStyle/>
+          <a:p>
+            <a:pPr algn="ctr"/>
+            <a:r>
+              <a:rPr lang="zh-CN" altLang="en-US" sz="4400" b="1" dirty="0">
+                <a:latin typeface="SimSun-ExtB" panose="02010609060101010101" pitchFamily="49" charset="-122"/>
+                <a:ea typeface="SimSun-ExtB" panose="02010609060101010101" pitchFamily="49" charset="-122"/>
+              </a:rPr>
+              <a:t>社交性</a:t>
+            </a:r>
+          </a:p>
+        </p:txBody>
+      </p:sp>
+      <p:sp>
+        <p:nvSpPr>
+          <p:cNvPr id="3" name="椭圆 2"/>
+          <p:cNvSpPr/>
+          <p:nvPr/>
+        </p:nvSpPr>
+        <p:spPr>
+          <a:xfrm>
+            <a:off x="983673" y="2424545"/>
+            <a:ext cx="2784763" cy="2854037"/>
+          </a:xfrm>
+          <a:prstGeom prst="ellipse">
+            <a:avLst/>
+          </a:prstGeom>
+          <a:solidFill>
+            <a:schemeClr val="accent2"/>
+          </a:solidFill>
+          <a:ln>
+            <a:noFill/>
+          </a:ln>
+          <a:effectLst>
+            <a:outerShdw blurRad="44450" dist="27940" dir="5400000" algn="ctr">
+              <a:srgbClr val="000000">
+                <a:alpha val="32000"/>
+              </a:srgbClr>
+            </a:outerShdw>
+          </a:effectLst>
+          <a:scene3d>
+            <a:camera prst="orthographicFront">
+              <a:rot lat="0" lon="0" rev="0"/>
+            </a:camera>
+            <a:lightRig rig="balanced" dir="t">
+              <a:rot lat="0" lon="0" rev="8700000"/>
+            </a:lightRig>
+          </a:scene3d>
+          <a:sp3d>
+            <a:bevelT w="190500" h="38100"/>
+          </a:sp3d>
+        </p:spPr>
+        <p:style>
+          <a:lnRef idx="2">
+            <a:schemeClr val="accent1">
+              <a:shade val="50000"/>
+            </a:schemeClr>
+          </a:lnRef>
+          <a:fillRef idx="1">
+            <a:schemeClr val="accent1"/>
+          </a:fillRef>
+          <a:effectRef idx="0">
+            <a:schemeClr val="accent1"/>
+          </a:effectRef>
+          <a:fontRef idx="minor">
+            <a:schemeClr val="lt1"/>
+          </a:fontRef>
+        </p:style>
+        <p:txBody>
+          <a:bodyPr rtlCol="0" anchor="ctr"/>
+          <a:lstStyle/>
+          <a:p>
+            <a:pPr algn="ctr"/>
+            <a:r>
+              <a:rPr lang="zh-CN" altLang="en-US" sz="4400" b="1" dirty="0" smtClean="0">
+                <a:latin typeface="SimSun-ExtB" panose="02010609060101010101" pitchFamily="49" charset="-122"/>
+                <a:ea typeface="SimSun-ExtB" panose="02010609060101010101" pitchFamily="49" charset="-122"/>
+              </a:rPr>
+              <a:t>针对性</a:t>
+            </a:r>
+            <a:endParaRPr lang="zh-CN" altLang="en-US" sz="4400" b="1" dirty="0">
+              <a:latin typeface="SimSun-ExtB" panose="02010609060101010101" pitchFamily="49" charset="-122"/>
+              <a:ea typeface="SimSun-ExtB" panose="02010609060101010101" pitchFamily="49" charset="-122"/>
+            </a:endParaRPr>
+          </a:p>
+        </p:txBody>
+      </p:sp>
+    </p:spTree>
+    <p:extLst>
+      <p:ext uri="{BB962C8B-B14F-4D97-AF65-F5344CB8AC3E}">
+        <p14:creationId xmlns:p14="http://schemas.microsoft.com/office/powerpoint/2010/main" val="3227861306"/>
+      </p:ext>
+    </p:extLst>
+  </p:cSld>
+  <p:clrMapOvr>
+    <a:masterClrMapping/>
+  </p:clrMapOvr>
+  <mc:AlternateContent xmlns:mc="http://schemas.openxmlformats.org/markup-compatibility/2006" xmlns:p14="http://schemas.microsoft.com/office/powerpoint/2010/main">
+    <mc:Choice Requires="p14">
+      <p:transition spd="slow" p14:dur="2000"/>
+    </mc:Choice>
+    <mc:Fallback xmlns="">
+      <p:transition spd="slow"/>
+    </mc:Fallback>
+  </mc:AlternateContent>
+  <p:timing>
+    <p:tnLst>
+      <p:par>
+        <p:cTn id="1" dur="indefinite" restart="never" nodeType="tmRoot">
+          <p:childTnLst>
+            <p:seq concurrent="1" nextAc="seek">
+              <p:cTn id="2" dur="indefinite" nodeType="mainSeq">
+                <p:childTnLst>
+                  <p:par>
+                    <p:cTn id="3" fill="hold">
+                      <p:stCondLst>
+                        <p:cond delay="indefinite"/>
+                      </p:stCondLst>
+                      <p:childTnLst>
+                        <p:par>
+                          <p:cTn id="4" fill="hold">
+                            <p:stCondLst>
+                              <p:cond delay="0"/>
+                            </p:stCondLst>
+                            <p:childTnLst>
+                              <p:par>
+                                <p:cTn id="5" presetID="35" presetClass="path" presetSubtype="0" accel="50000" decel="50000" fill="hold" grpId="0" nodeType="clickEffect">
+                                  <p:stCondLst>
+                                    <p:cond delay="0"/>
+                                  </p:stCondLst>
+                                  <p:childTnLst>
+                                    <p:animMotion origin="layout" path="M -0.03295 -0.00393 L -0.28295 -0.00393 " pathEditMode="relative" rAng="0" ptsTypes="AA">
+                                      <p:cBhvr>
+                                        <p:cTn id="6" dur="500" fill="hold"/>
+                                        <p:tgtEl>
+                                          <p:spTgt spid="5"/>
+                                        </p:tgtEl>
+                                        <p:attrNameLst>
+                                          <p:attrName>ppt_x</p:attrName>
+                                          <p:attrName>ppt_y</p:attrName>
+                                        </p:attrNameLst>
+                                      </p:cBhvr>
+                                      <p:rCtr x="-12500" y="0"/>
+                                    </p:animMotion>
+                                  </p:childTnLst>
+                                </p:cTn>
+                              </p:par>
+                            </p:childTnLst>
+                          </p:cTn>
+                        </p:par>
+                      </p:childTnLst>
+                    </p:cTn>
+                  </p:par>
+                  <p:par>
+                    <p:cTn id="7" fill="hold">
+                      <p:stCondLst>
+                        <p:cond delay="indefinite"/>
+                      </p:stCondLst>
+                      <p:childTnLst>
+                        <p:par>
+                          <p:cTn id="8" fill="hold">
+                            <p:stCondLst>
+                              <p:cond delay="0"/>
+                            </p:stCondLst>
+                            <p:childTnLst>
+                              <p:par>
+                                <p:cTn id="9" presetID="63" presetClass="path" presetSubtype="0" accel="50000" decel="50000" fill="hold" grpId="0" nodeType="clickEffect">
+                                  <p:stCondLst>
+                                    <p:cond delay="0"/>
+                                  </p:stCondLst>
+                                  <p:childTnLst>
+                                    <p:animMotion origin="layout" path="M 0.03294 0.00209 L 0.28294 0.00209 " pathEditMode="relative" rAng="0" ptsTypes="AA">
+                                      <p:cBhvr>
+                                        <p:cTn id="10" dur="500" fill="hold"/>
+                                        <p:tgtEl>
+                                          <p:spTgt spid="3"/>
+                                        </p:tgtEl>
+                                        <p:attrNameLst>
+                                          <p:attrName>ppt_x</p:attrName>
+                                          <p:attrName>ppt_y</p:attrName>
+                                        </p:attrNameLst>
+                                      </p:cBhvr>
+                                      <p:rCtr x="12500" y="0"/>
+                                    </p:animMotion>
+                                  </p:childTnLst>
+                                </p:cTn>
+                              </p:par>
+                            </p:childTnLst>
+                          </p:cTn>
+                        </p:par>
+                      </p:childTnLst>
+                    </p:cTn>
+                  </p:par>
+                </p:childTnLst>
+              </p:cTn>
+              <p:prevCondLst>
+                <p:cond evt="onPrev" delay="0">
+                  <p:tgtEl>
+                    <p:sldTgt/>
+                  </p:tgtEl>
+                </p:cond>
+              </p:prevCondLst>
+              <p:nextCondLst>
+                <p:cond evt="onNext" delay="0">
+                  <p:tgtEl>
+                    <p:sldTgt/>
+                  </p:tgtEl>
+                </p:cond>
+              </p:nextCondLst>
+            </p:seq>
+          </p:childTnLst>
+        </p:cTn>
+      </p:par>
+    </p:tnLst>
+    <p:bldLst>
+      <p:bldP spid="5" grpId="0" animBg="1"/>
+      <p:bldP spid="3" grpId="0" animBg="1"/>
+    </p:bldLst>
+  </p:timing>
+</p:sld>
+</file>
+
+<file path=ppt/slides/slide11.xml><?xml version="1.0" encoding="utf-8"?>
+<p:sld xmlns:a="http://schemas.openxmlformats.org/drawingml/2006/main" xmlns:r="http://schemas.openxmlformats.org/officeDocument/2006/relationships" xmlns:p="http://schemas.openxmlformats.org/presentationml/2006/main">
+  <p:cSld>
+    <p:spTree>
+      <p:nvGrpSpPr>
+        <p:cNvPr id="1" name=""/>
+        <p:cNvGrpSpPr/>
+        <p:nvPr/>
+      </p:nvGrpSpPr>
+      <p:grpSpPr>
+        <a:xfrm>
+          <a:off x="0" y="0"/>
+          <a:ext cx="0" cy="0"/>
+          <a:chOff x="0" y="0"/>
+          <a:chExt cx="0" cy="0"/>
+        </a:xfrm>
+      </p:grpSpPr>
+      <p:sp>
+        <p:nvSpPr>
+          <p:cNvPr id="4" name="椭圆 3"/>
+          <p:cNvSpPr/>
+          <p:nvPr/>
+        </p:nvSpPr>
+        <p:spPr>
+          <a:xfrm>
+            <a:off x="4433455" y="2424545"/>
+            <a:ext cx="2784763" cy="2854037"/>
+          </a:xfrm>
+          <a:prstGeom prst="ellipse">
+            <a:avLst/>
+          </a:prstGeom>
+          <a:solidFill>
+            <a:schemeClr val="accent2"/>
+          </a:solidFill>
+          <a:ln>
+            <a:noFill/>
+          </a:ln>
+          <a:effectLst>
+            <a:outerShdw blurRad="44450" dist="27940" dir="5400000" algn="ctr">
+              <a:srgbClr val="000000">
+                <a:alpha val="32000"/>
+              </a:srgbClr>
+            </a:outerShdw>
+          </a:effectLst>
+          <a:scene3d>
+            <a:camera prst="orthographicFront">
+              <a:rot lat="0" lon="0" rev="0"/>
+            </a:camera>
+            <a:lightRig rig="balanced" dir="t">
+              <a:rot lat="0" lon="0" rev="8700000"/>
+            </a:lightRig>
+          </a:scene3d>
+          <a:sp3d>
+            <a:bevelT w="190500" h="38100"/>
+          </a:sp3d>
+        </p:spPr>
+        <p:style>
+          <a:lnRef idx="2">
+            <a:schemeClr val="accent1">
+              <a:shade val="50000"/>
+            </a:schemeClr>
+          </a:lnRef>
+          <a:fillRef idx="1">
+            <a:schemeClr val="accent1"/>
+          </a:fillRef>
+          <a:effectRef idx="0">
+            <a:schemeClr val="accent1"/>
+          </a:effectRef>
+          <a:fontRef idx="minor">
+            <a:schemeClr val="lt1"/>
+          </a:fontRef>
+        </p:style>
+        <p:txBody>
+          <a:bodyPr rtlCol="0" anchor="ctr"/>
+          <a:lstStyle/>
+          <a:p>
+            <a:pPr algn="ctr"/>
+            <a:r>
               <a:rPr lang="zh-CN" altLang="en-US" sz="4400" b="1" dirty="0">
                 <a:latin typeface="SimSun-ExtB" panose="02010609060101010101" pitchFamily="49" charset="-122"/>
                 <a:ea typeface="SimSun-ExtB" panose="02010609060101010101" pitchFamily="49" charset="-122"/>
@@ -3327,56 +4148,8 @@
         </p:blipFill>
         <p:spPr>
           <a:xfrm>
-            <a:off x="6389791" y="3860423"/>
+            <a:off x="6368483" y="3791476"/>
             <a:ext cx="3292549" cy="961143"/>
-          </a:xfrm>
-          <a:prstGeom prst="rect">
-            <a:avLst/>
-          </a:prstGeom>
-        </p:spPr>
-      </p:pic>
-      <p:pic>
-        <p:nvPicPr>
-          <p:cNvPr id="7" name="图片 6"/>
-          <p:cNvPicPr>
-            <a:picLocks noChangeAspect="1"/>
-          </p:cNvPicPr>
-          <p:nvPr/>
-        </p:nvPicPr>
-        <p:blipFill>
-          <a:blip r:embed="rId3"/>
-          <a:stretch>
-            <a:fillRect/>
-          </a:stretch>
-        </p:blipFill>
-        <p:spPr>
-          <a:xfrm>
-            <a:off x="6389791" y="448040"/>
-            <a:ext cx="3292548" cy="1028700"/>
-          </a:xfrm>
-          <a:prstGeom prst="rect">
-            <a:avLst/>
-          </a:prstGeom>
-        </p:spPr>
-      </p:pic>
-      <p:pic>
-        <p:nvPicPr>
-          <p:cNvPr id="8" name="图片 7"/>
-          <p:cNvPicPr>
-            <a:picLocks noChangeAspect="1"/>
-          </p:cNvPicPr>
-          <p:nvPr/>
-        </p:nvPicPr>
-        <p:blipFill>
-          <a:blip r:embed="rId4"/>
-          <a:stretch>
-            <a:fillRect/>
-          </a:stretch>
-        </p:blipFill>
-        <p:spPr>
-          <a:xfrm>
-            <a:off x="6389791" y="5277767"/>
-            <a:ext cx="3292549" cy="1302327"/>
           </a:xfrm>
           <a:prstGeom prst="rect">
             <a:avLst/>
@@ -3392,6 +4165,54 @@
           <p:nvPr/>
         </p:nvPicPr>
         <p:blipFill>
+          <a:blip r:embed="rId3"/>
+          <a:stretch>
+            <a:fillRect/>
+          </a:stretch>
+        </p:blipFill>
+        <p:spPr>
+          <a:xfrm>
+            <a:off x="6389791" y="2191261"/>
+            <a:ext cx="3292549" cy="916749"/>
+          </a:xfrm>
+          <a:prstGeom prst="rect">
+            <a:avLst/>
+          </a:prstGeom>
+        </p:spPr>
+      </p:pic>
+      <p:pic>
+        <p:nvPicPr>
+          <p:cNvPr id="5" name="图片 4"/>
+          <p:cNvPicPr>
+            <a:picLocks noChangeAspect="1"/>
+          </p:cNvPicPr>
+          <p:nvPr/>
+        </p:nvPicPr>
+        <p:blipFill>
+          <a:blip r:embed="rId4"/>
+          <a:stretch>
+            <a:fillRect/>
+          </a:stretch>
+        </p:blipFill>
+        <p:spPr>
+          <a:xfrm>
+            <a:off x="6389791" y="128989"/>
+            <a:ext cx="3249935" cy="1359064"/>
+          </a:xfrm>
+          <a:prstGeom prst="rect">
+            <a:avLst/>
+          </a:prstGeom>
+        </p:spPr>
+      </p:pic>
+      <p:pic>
+        <p:nvPicPr>
+          <p:cNvPr id="6" name="图片 5"/>
+          <p:cNvPicPr>
+            <a:picLocks noChangeAspect="1"/>
+          </p:cNvPicPr>
+          <p:nvPr/>
+        </p:nvPicPr>
+        <p:blipFill>
           <a:blip r:embed="rId5"/>
           <a:stretch>
             <a:fillRect/>
@@ -3399,8 +4220,8 @@
         </p:blipFill>
         <p:spPr>
           <a:xfrm>
-            <a:off x="6389791" y="1995869"/>
-            <a:ext cx="3292549" cy="916749"/>
+            <a:off x="6389791" y="5278582"/>
+            <a:ext cx="3305367" cy="1342351"/>
           </a:xfrm>
           <a:prstGeom prst="rect">
             <a:avLst/>
@@ -3417,11 +4238,11 @@
   <p:clrMapOvr>
     <a:masterClrMapping/>
   </p:clrMapOvr>
-  <mc:AlternateContent xmlns:mc="http://schemas.openxmlformats.org/markup-compatibility/2006">
-    <mc:Choice xmlns:p14="http://schemas.microsoft.com/office/powerpoint/2010/main" Requires="p14">
+  <mc:AlternateContent xmlns:mc="http://schemas.openxmlformats.org/markup-compatibility/2006" xmlns:p14="http://schemas.microsoft.com/office/powerpoint/2010/main">
+    <mc:Choice Requires="p14">
       <p:transition spd="slow" p14:dur="2000"/>
     </mc:Choice>
-    <mc:Fallback>
+    <mc:Fallback xmlns="">
       <p:transition spd="slow"/>
     </mc:Fallback>
   </mc:AlternateContent>
@@ -3485,7 +4306,7 @@
                             </p:stCondLst>
                             <p:childTnLst>
                               <p:par>
-                                <p:cTn id="9" presetID="10" presetClass="entr" presetSubtype="0" fill="hold" nodeType="clickEffect">
+                                <p:cTn id="9" presetID="1" presetClass="entr" presetSubtype="0" fill="hold" nodeType="clickEffect">
                                   <p:stCondLst>
                                     <p:cond delay="0"/>
                                   </p:stCondLst>
@@ -3498,60 +4319,7 @@
                                           </p:stCondLst>
                                         </p:cTn>
                                         <p:tgtEl>
-                                          <p:spTgt spid="7"/>
-                                        </p:tgtEl>
-                                        <p:attrNameLst>
-                                          <p:attrName>style.visibility</p:attrName>
-                                        </p:attrNameLst>
-                                      </p:cBhvr>
-                                      <p:to>
-                                        <p:strVal val="visible"/>
-                                      </p:to>
-                                    </p:set>
-                                    <p:animEffect transition="in" filter="fade">
-                                      <p:cBhvr>
-                                        <p:cTn id="11" dur="500"/>
-                                        <p:tgtEl>
-                                          <p:spTgt spid="7"/>
-                                        </p:tgtEl>
-                                      </p:cBhvr>
-                                    </p:animEffect>
-                                  </p:childTnLst>
-                                </p:cTn>
-                              </p:par>
-                            </p:childTnLst>
-                          </p:cTn>
-                        </p:par>
-                      </p:childTnLst>
-                    </p:cTn>
-                  </p:par>
-                  <p:par>
-                    <p:cTn id="12" fill="hold">
-                      <p:stCondLst>
-                        <p:cond delay="indefinite"/>
-                      </p:stCondLst>
-                      <p:childTnLst>
-                        <p:par>
-                          <p:cTn id="13" fill="hold">
-                            <p:stCondLst>
-                              <p:cond delay="0"/>
-                            </p:stCondLst>
-                            <p:childTnLst>
-                              <p:par>
-                                <p:cTn id="14" presetID="1" presetClass="entr" presetSubtype="0" fill="hold" nodeType="clickEffect">
-                                  <p:stCondLst>
-                                    <p:cond delay="0"/>
-                                  </p:stCondLst>
-                                  <p:childTnLst>
-                                    <p:set>
-                                      <p:cBhvr>
-                                        <p:cTn id="15" dur="1" fill="hold">
-                                          <p:stCondLst>
-                                            <p:cond delay="0"/>
-                                          </p:stCondLst>
-                                        </p:cTn>
-                                        <p:tgtEl>
-                                          <p:spTgt spid="8"/>
+                                          <p:spTgt spid="5"/>
                                         </p:tgtEl>
                                         <p:attrNameLst>
                                           <p:attrName>style.visibility</p:attrName>
@@ -3571,26 +4339,71 @@
                     </p:cTn>
                   </p:par>
                   <p:par>
-                    <p:cTn id="16" fill="hold">
+                    <p:cTn id="11" fill="hold">
                       <p:stCondLst>
                         <p:cond delay="indefinite"/>
                       </p:stCondLst>
                       <p:childTnLst>
                         <p:par>
-                          <p:cTn id="17" fill="hold">
+                          <p:cTn id="12" fill="hold">
                             <p:stCondLst>
                               <p:cond delay="0"/>
                             </p:stCondLst>
                             <p:childTnLst>
                               <p:par>
-                                <p:cTn id="18" presetID="1" presetClass="entr" presetSubtype="0" fill="hold" nodeType="clickEffect">
+                                <p:cTn id="13" presetID="1" presetClass="entr" presetSubtype="0" fill="hold" nodeType="clickEffect">
                                   <p:stCondLst>
                                     <p:cond delay="0"/>
                                   </p:stCondLst>
                                   <p:childTnLst>
                                     <p:set>
                                       <p:cBhvr>
-                                        <p:cTn id="19" dur="1" fill="hold">
+                                        <p:cTn id="14" dur="1" fill="hold">
+                                          <p:stCondLst>
+                                            <p:cond delay="0"/>
+                                          </p:stCondLst>
+                                        </p:cTn>
+                                        <p:tgtEl>
+                                          <p:spTgt spid="6"/>
+                                        </p:tgtEl>
+                                        <p:attrNameLst>
+                                          <p:attrName>style.visibility</p:attrName>
+                                        </p:attrNameLst>
+                                      </p:cBhvr>
+                                      <p:to>
+                                        <p:strVal val="visible"/>
+                                      </p:to>
+                                    </p:set>
+                                  </p:childTnLst>
+                                </p:cTn>
+                              </p:par>
+                            </p:childTnLst>
+                          </p:cTn>
+                        </p:par>
+                      </p:childTnLst>
+                    </p:cTn>
+                  </p:par>
+                  <p:par>
+                    <p:cTn id="15" fill="hold">
+                      <p:stCondLst>
+                        <p:cond delay="indefinite"/>
+                      </p:stCondLst>
+                      <p:childTnLst>
+                        <p:par>
+                          <p:cTn id="16" fill="hold">
+                            <p:stCondLst>
+                              <p:cond delay="0"/>
+                            </p:stCondLst>
+                            <p:childTnLst>
+                              <p:par>
+                                <p:cTn id="17" presetID="1" presetClass="entr" presetSubtype="0" fill="hold" nodeType="clickEffect">
+                                  <p:stCondLst>
+                                    <p:cond delay="0"/>
+                                  </p:stCondLst>
+                                  <p:childTnLst>
+                                    <p:set>
+                                      <p:cBhvr>
+                                        <p:cTn id="18" dur="1" fill="hold">
                                           <p:stCondLst>
                                             <p:cond delay="0"/>
                                           </p:stCondLst>
@@ -3616,26 +4429,26 @@
                     </p:cTn>
                   </p:par>
                   <p:par>
-                    <p:cTn id="20" fill="hold">
+                    <p:cTn id="19" fill="hold">
                       <p:stCondLst>
                         <p:cond delay="indefinite"/>
                       </p:stCondLst>
                       <p:childTnLst>
                         <p:par>
-                          <p:cTn id="21" fill="hold">
+                          <p:cTn id="20" fill="hold">
                             <p:stCondLst>
                               <p:cond delay="0"/>
                             </p:stCondLst>
                             <p:childTnLst>
                               <p:par>
-                                <p:cTn id="22" presetID="1" presetClass="entr" presetSubtype="0" fill="hold" nodeType="clickEffect">
+                                <p:cTn id="21" presetID="1" presetClass="entr" presetSubtype="0" fill="hold" nodeType="clickEffect">
                                   <p:stCondLst>
                                     <p:cond delay="0"/>
                                   </p:stCondLst>
                                   <p:childTnLst>
                                     <p:set>
                                       <p:cBhvr>
-                                        <p:cTn id="23" dur="1" fill="hold">
+                                        <p:cTn id="22" dur="1" fill="hold">
                                           <p:stCondLst>
                                             <p:cond delay="0"/>
                                           </p:stCondLst>
@@ -3688,7 +4501,7 @@
 </p:sld>
 </file>
 
-<file path=ppt/slides/slide11.xml><?xml version="1.0" encoding="utf-8"?>
+<file path=ppt/slides/slide12.xml><?xml version="1.0" encoding="utf-8"?>
 <p:sld xmlns:a="http://schemas.openxmlformats.org/drawingml/2006/main" xmlns:r="http://schemas.openxmlformats.org/officeDocument/2006/relationships" xmlns:p="http://schemas.openxmlformats.org/presentationml/2006/main">
   <p:cSld>
     <p:spTree>
@@ -3944,11 +4757,11 @@
   <p:clrMapOvr>
     <a:masterClrMapping/>
   </p:clrMapOvr>
-  <mc:AlternateContent xmlns:mc="http://schemas.openxmlformats.org/markup-compatibility/2006">
-    <mc:Choice xmlns:p14="http://schemas.microsoft.com/office/powerpoint/2010/main" Requires="p14">
+  <mc:AlternateContent xmlns:mc="http://schemas.openxmlformats.org/markup-compatibility/2006" xmlns:p14="http://schemas.microsoft.com/office/powerpoint/2010/main">
+    <mc:Choice Requires="p14">
       <p:transition spd="slow" p14:dur="2000"/>
     </mc:Choice>
-    <mc:Fallback>
+    <mc:Fallback xmlns="">
       <p:transition spd="slow"/>
     </mc:Fallback>
   </mc:AlternateContent>
@@ -4140,7 +4953,7 @@
 </p:sld>
 </file>
 
-<file path=ppt/slides/slide12.xml><?xml version="1.0" encoding="utf-8"?>
+<file path=ppt/slides/slide13.xml><?xml version="1.0" encoding="utf-8"?>
 <p:sld xmlns:a="http://schemas.openxmlformats.org/drawingml/2006/main" xmlns:r="http://schemas.openxmlformats.org/officeDocument/2006/relationships" xmlns:p="http://schemas.openxmlformats.org/presentationml/2006/main">
   <p:cSld>
     <p:spTree>
@@ -4157,1518 +4970,76 @@
           <a:chExt cx="0" cy="0"/>
         </a:xfrm>
       </p:grpSpPr>
-    </p:spTree>
-    <p:extLst>
-      <p:ext uri="{BB962C8B-B14F-4D97-AF65-F5344CB8AC3E}">
-        <p14:creationId xmlns:p14="http://schemas.microsoft.com/office/powerpoint/2010/main" val="2281719646"/>
-      </p:ext>
-    </p:extLst>
-  </p:cSld>
-  <p:clrMapOvr>
-    <a:masterClrMapping/>
-  </p:clrMapOvr>
-  <mc:AlternateContent xmlns:mc="http://schemas.openxmlformats.org/markup-compatibility/2006">
-    <mc:Choice xmlns:p14="http://schemas.microsoft.com/office/powerpoint/2010/main" Requires="p14">
-      <p:transition spd="slow" p14:dur="2000"/>
-    </mc:Choice>
-    <mc:Fallback>
-      <p:transition spd="slow"/>
-    </mc:Fallback>
-  </mc:AlternateContent>
-  <p:timing>
-    <p:tnLst>
-      <p:par>
-        <p:cTn id="1" dur="indefinite" restart="never" nodeType="tmRoot"/>
-      </p:par>
-    </p:tnLst>
-  </p:timing>
-</p:sld>
-</file>
-
-<file path=ppt/slides/slide2.xml><?xml version="1.0" encoding="utf-8"?>
-<p:sld xmlns:a="http://schemas.openxmlformats.org/drawingml/2006/main" xmlns:r="http://schemas.openxmlformats.org/officeDocument/2006/relationships" xmlns:p="http://schemas.openxmlformats.org/presentationml/2006/main">
-  <p:cSld>
-    <p:spTree>
-      <p:nvGrpSpPr>
-        <p:cNvPr id="1" name=""/>
-        <p:cNvGrpSpPr/>
-        <p:nvPr/>
-      </p:nvGrpSpPr>
-      <p:grpSpPr>
-        <a:xfrm>
-          <a:off x="0" y="0"/>
-          <a:ext cx="0" cy="0"/>
-          <a:chOff x="0" y="0"/>
-          <a:chExt cx="0" cy="0"/>
-        </a:xfrm>
-      </p:grpSpPr>
-      <p:sp>
-        <p:nvSpPr>
-          <p:cNvPr id="6" name="矩形 5"/>
+      <p:sp>
+        <p:nvSpPr>
+          <p:cNvPr id="5" name="椭圆 4"/>
           <p:cNvSpPr/>
           <p:nvPr/>
         </p:nvSpPr>
         <p:spPr>
           <a:xfrm>
-            <a:off x="3717328" y="2787226"/>
-            <a:ext cx="4507965" cy="1569660"/>
+            <a:off x="7883237" y="2424545"/>
+            <a:ext cx="2784763" cy="2854037"/>
           </a:xfrm>
-          <a:prstGeom prst="rect">
+          <a:prstGeom prst="ellipse">
             <a:avLst/>
           </a:prstGeom>
-          <a:noFill/>
+          <a:solidFill>
+            <a:schemeClr val="accent2"/>
+          </a:solidFill>
+          <a:ln>
+            <a:noFill/>
+          </a:ln>
+          <a:effectLst>
+            <a:outerShdw blurRad="44450" dist="27940" dir="5400000" algn="ctr">
+              <a:srgbClr val="000000">
+                <a:alpha val="32000"/>
+              </a:srgbClr>
+            </a:outerShdw>
+          </a:effectLst>
+          <a:scene3d>
+            <a:camera prst="orthographicFront">
+              <a:rot lat="0" lon="0" rev="0"/>
+            </a:camera>
+            <a:lightRig rig="balanced" dir="t">
+              <a:rot lat="0" lon="0" rev="8700000"/>
+            </a:lightRig>
+          </a:scene3d>
+          <a:sp3d>
+            <a:bevelT w="190500" h="38100"/>
+          </a:sp3d>
         </p:spPr>
-        <p:txBody>
-          <a:bodyPr wrap="none" lIns="91440" tIns="45720" rIns="91440" bIns="45720">
-            <a:spAutoFit/>
-          </a:bodyPr>
+        <p:style>
+          <a:lnRef idx="2">
+            <a:schemeClr val="accent1">
+              <a:shade val="50000"/>
+            </a:schemeClr>
+          </a:lnRef>
+          <a:fillRef idx="1">
+            <a:schemeClr val="accent1"/>
+          </a:fillRef>
+          <a:effectRef idx="0">
+            <a:schemeClr val="accent1"/>
+          </a:effectRef>
+          <a:fontRef idx="minor">
+            <a:schemeClr val="lt1"/>
+          </a:fontRef>
+        </p:style>
+        <p:txBody>
+          <a:bodyPr rtlCol="0" anchor="ctr"/>
           <a:lstStyle/>
           <a:p>
             <a:pPr algn="ctr"/>
             <a:r>
-              <a:rPr lang="zh-CN" altLang="en-US" sz="9600" b="1" cap="none" spc="0" dirty="0" smtClean="0">
-                <a:ln w="0"/>
-                <a:solidFill>
-                  <a:schemeClr val="bg1"/>
-                </a:solidFill>
-                <a:effectLst>
-                  <a:outerShdw blurRad="38100" dist="19050" dir="2700000" algn="tl" rotWithShape="0">
-                    <a:schemeClr val="dk1">
-                      <a:alpha val="40000"/>
-                    </a:schemeClr>
-                  </a:outerShdw>
-                </a:effectLst>
+              <a:rPr lang="zh-CN" altLang="en-US" sz="4400" b="1" dirty="0">
                 <a:latin typeface="SimSun-ExtB" panose="02010609060101010101" pitchFamily="49" charset="-122"/>
                 <a:ea typeface="SimSun-ExtB" panose="02010609060101010101" pitchFamily="49" charset="-122"/>
               </a:rPr>
-              <a:t>校   园</a:t>
-            </a:r>
-            <a:endParaRPr lang="zh-CN" altLang="en-US" sz="9600" b="1" cap="none" spc="0" dirty="0">
-              <a:ln w="0"/>
-              <a:solidFill>
-                <a:schemeClr val="bg1"/>
-              </a:solidFill>
-              <a:effectLst>
-                <a:outerShdw blurRad="38100" dist="19050" dir="2700000" algn="tl" rotWithShape="0">
-                  <a:schemeClr val="dk1">
-                    <a:alpha val="40000"/>
-                  </a:schemeClr>
-                </a:outerShdw>
-              </a:effectLst>
-              <a:latin typeface="SimSun-ExtB" panose="02010609060101010101" pitchFamily="49" charset="-122"/>
-              <a:ea typeface="SimSun-ExtB" panose="02010609060101010101" pitchFamily="49" charset="-122"/>
-            </a:endParaRPr>
-          </a:p>
-        </p:txBody>
-      </p:sp>
-      <p:sp>
-        <p:nvSpPr>
-          <p:cNvPr id="9" name="矩形 8"/>
-          <p:cNvSpPr/>
-          <p:nvPr/>
-        </p:nvSpPr>
-        <p:spPr>
-          <a:xfrm>
-            <a:off x="8670152" y="806025"/>
-            <a:ext cx="1579278" cy="1200329"/>
-          </a:xfrm>
-          <a:prstGeom prst="rect">
-            <a:avLst/>
-          </a:prstGeom>
-          <a:noFill/>
-        </p:spPr>
-        <p:txBody>
-          <a:bodyPr wrap="none" lIns="91440" tIns="45720" rIns="91440" bIns="45720">
-            <a:spAutoFit/>
-          </a:bodyPr>
-          <a:lstStyle/>
-          <a:p>
-            <a:pPr algn="ctr"/>
-            <a:r>
-              <a:rPr lang="en-US" altLang="zh-CN" sz="7200" b="1" dirty="0">
-                <a:ln w="0"/>
-                <a:solidFill>
-                  <a:schemeClr val="bg1"/>
-                </a:solidFill>
-                <a:effectLst>
-                  <a:outerShdw blurRad="38100" dist="19050" dir="2700000" algn="tl" rotWithShape="0">
-                    <a:schemeClr val="dk1">
-                      <a:alpha val="40000"/>
-                    </a:schemeClr>
-                  </a:outerShdw>
-                </a:effectLst>
-                <a:latin typeface="SimSun-ExtB" panose="02010609060101010101" pitchFamily="49" charset="-122"/>
-                <a:ea typeface="SimSun-ExtB" panose="02010609060101010101" pitchFamily="49" charset="-122"/>
-              </a:rPr>
-              <a:t>BBS</a:t>
-            </a:r>
-            <a:endParaRPr lang="zh-CN" altLang="en-US" sz="7200" b="1" cap="none" spc="0" dirty="0">
-              <a:ln w="0"/>
-              <a:solidFill>
-                <a:schemeClr val="bg1"/>
-              </a:solidFill>
-              <a:effectLst>
-                <a:outerShdw blurRad="38100" dist="19050" dir="2700000" algn="tl" rotWithShape="0">
-                  <a:schemeClr val="dk1">
-                    <a:alpha val="40000"/>
-                  </a:schemeClr>
-                </a:outerShdw>
-              </a:effectLst>
-              <a:latin typeface="SimSun-ExtB" panose="02010609060101010101" pitchFamily="49" charset="-122"/>
-              <a:ea typeface="SimSun-ExtB" panose="02010609060101010101" pitchFamily="49" charset="-122"/>
-            </a:endParaRPr>
-          </a:p>
-        </p:txBody>
-      </p:sp>
-      <p:sp>
-        <p:nvSpPr>
-          <p:cNvPr id="10" name="矩形 9"/>
-          <p:cNvSpPr/>
-          <p:nvPr/>
-        </p:nvSpPr>
-        <p:spPr>
-          <a:xfrm>
-            <a:off x="8525881" y="2556393"/>
-            <a:ext cx="1723549" cy="1015663"/>
-          </a:xfrm>
-          <a:prstGeom prst="rect">
-            <a:avLst/>
-          </a:prstGeom>
-          <a:noFill/>
-        </p:spPr>
-        <p:txBody>
-          <a:bodyPr wrap="none" lIns="91440" tIns="45720" rIns="91440" bIns="45720">
-            <a:spAutoFit/>
-          </a:bodyPr>
-          <a:lstStyle/>
-          <a:p>
-            <a:pPr algn="ctr"/>
-            <a:r>
-              <a:rPr lang="zh-CN" altLang="en-US" sz="6000" b="1" dirty="0">
-                <a:ln w="0"/>
-                <a:solidFill>
-                  <a:schemeClr val="bg1"/>
-                </a:solidFill>
-                <a:effectLst>
-                  <a:outerShdw blurRad="38100" dist="19050" dir="2700000" algn="tl" rotWithShape="0">
-                    <a:schemeClr val="dk1">
-                      <a:alpha val="40000"/>
-                    </a:schemeClr>
-                  </a:outerShdw>
-                </a:effectLst>
-                <a:latin typeface="SimSun-ExtB" panose="02010609060101010101" pitchFamily="49" charset="-122"/>
-                <a:ea typeface="SimSun-ExtB" panose="02010609060101010101" pitchFamily="49" charset="-122"/>
-              </a:rPr>
-              <a:t>人人</a:t>
-            </a:r>
-            <a:endParaRPr lang="zh-CN" altLang="en-US" sz="6000" b="1" cap="none" spc="0" dirty="0">
-              <a:ln w="0"/>
-              <a:solidFill>
-                <a:schemeClr val="bg1"/>
-              </a:solidFill>
-              <a:effectLst>
-                <a:outerShdw blurRad="38100" dist="19050" dir="2700000" algn="tl" rotWithShape="0">
-                  <a:schemeClr val="dk1">
-                    <a:alpha val="40000"/>
-                  </a:schemeClr>
-                </a:outerShdw>
-              </a:effectLst>
-              <a:latin typeface="SimSun-ExtB" panose="02010609060101010101" pitchFamily="49" charset="-122"/>
-              <a:ea typeface="SimSun-ExtB" panose="02010609060101010101" pitchFamily="49" charset="-122"/>
-            </a:endParaRPr>
-          </a:p>
-        </p:txBody>
-      </p:sp>
-      <p:sp>
-        <p:nvSpPr>
-          <p:cNvPr id="11" name="矩形 10"/>
-          <p:cNvSpPr/>
-          <p:nvPr/>
-        </p:nvSpPr>
-        <p:spPr>
-          <a:xfrm>
-            <a:off x="7928421" y="4122095"/>
-            <a:ext cx="3262432" cy="1015663"/>
-          </a:xfrm>
-          <a:prstGeom prst="rect">
-            <a:avLst/>
-          </a:prstGeom>
-          <a:noFill/>
-        </p:spPr>
-        <p:txBody>
-          <a:bodyPr wrap="none" lIns="91440" tIns="45720" rIns="91440" bIns="45720">
-            <a:spAutoFit/>
-          </a:bodyPr>
-          <a:lstStyle/>
-          <a:p>
-            <a:pPr algn="ctr"/>
-            <a:r>
-              <a:rPr lang="zh-CN" altLang="en-US" sz="6000" b="1" dirty="0" smtClean="0">
-                <a:ln w="0"/>
-                <a:solidFill>
-                  <a:schemeClr val="bg1"/>
-                </a:solidFill>
-                <a:effectLst>
-                  <a:outerShdw blurRad="38100" dist="19050" dir="2700000" algn="tl" rotWithShape="0">
-                    <a:schemeClr val="dk1">
-                      <a:alpha val="40000"/>
-                    </a:schemeClr>
-                  </a:outerShdw>
-                </a:effectLst>
-                <a:latin typeface="SimSun-ExtB" panose="02010609060101010101" pitchFamily="49" charset="-122"/>
-                <a:ea typeface="SimSun-ExtB" panose="02010609060101010101" pitchFamily="49" charset="-122"/>
-              </a:rPr>
-              <a:t>校园司令</a:t>
-            </a:r>
-            <a:endParaRPr lang="zh-CN" altLang="en-US" sz="6000" b="1" cap="none" spc="0" dirty="0">
-              <a:ln w="0"/>
-              <a:solidFill>
-                <a:schemeClr val="bg1"/>
-              </a:solidFill>
-              <a:effectLst>
-                <a:outerShdw blurRad="38100" dist="19050" dir="2700000" algn="tl" rotWithShape="0">
-                  <a:schemeClr val="dk1">
-                    <a:alpha val="40000"/>
-                  </a:schemeClr>
-                </a:outerShdw>
-              </a:effectLst>
-              <a:latin typeface="SimSun-ExtB" panose="02010609060101010101" pitchFamily="49" charset="-122"/>
-              <a:ea typeface="SimSun-ExtB" panose="02010609060101010101" pitchFamily="49" charset="-122"/>
-            </a:endParaRPr>
-          </a:p>
-        </p:txBody>
-      </p:sp>
-    </p:spTree>
-    <p:extLst>
-      <p:ext uri="{BB962C8B-B14F-4D97-AF65-F5344CB8AC3E}">
-        <p14:creationId xmlns:p14="http://schemas.microsoft.com/office/powerpoint/2010/main" val="2193470617"/>
-      </p:ext>
-    </p:extLst>
-  </p:cSld>
-  <p:clrMapOvr>
-    <a:masterClrMapping/>
-  </p:clrMapOvr>
-  <p:timing>
-    <p:tnLst>
-      <p:par>
-        <p:cTn id="1" dur="indefinite" restart="never" nodeType="tmRoot">
-          <p:childTnLst>
-            <p:seq concurrent="1" nextAc="seek">
-              <p:cTn id="2" dur="indefinite" nodeType="mainSeq">
-                <p:childTnLst>
-                  <p:par>
-                    <p:cTn id="3" fill="hold">
-                      <p:stCondLst>
-                        <p:cond delay="indefinite"/>
-                      </p:stCondLst>
-                      <p:childTnLst>
-                        <p:par>
-                          <p:cTn id="4" fill="hold">
-                            <p:stCondLst>
-                              <p:cond delay="0"/>
-                            </p:stCondLst>
-                            <p:childTnLst>
-                              <p:par>
-                                <p:cTn id="5" presetID="35" presetClass="path" presetSubtype="0" accel="50000" decel="50000" fill="hold" grpId="0" nodeType="clickEffect">
-                                  <p:stCondLst>
-                                    <p:cond delay="0"/>
-                                  </p:stCondLst>
-                                  <p:childTnLst>
-                                    <p:animMotion origin="layout" path="M -3.54167E-6 -3.33333E-6 L -0.25 -3.33333E-6 " pathEditMode="relative" rAng="0" ptsTypes="AA">
-                                      <p:cBhvr>
-                                        <p:cTn id="6" dur="2000" fill="hold"/>
-                                        <p:tgtEl>
-                                          <p:spTgt spid="6"/>
-                                        </p:tgtEl>
-                                        <p:attrNameLst>
-                                          <p:attrName>ppt_x</p:attrName>
-                                          <p:attrName>ppt_y</p:attrName>
-                                        </p:attrNameLst>
-                                      </p:cBhvr>
-                                      <p:rCtr x="-12500" y="0"/>
-                                    </p:animMotion>
-                                  </p:childTnLst>
-                                </p:cTn>
-                              </p:par>
-                            </p:childTnLst>
-                          </p:cTn>
-                        </p:par>
-                      </p:childTnLst>
-                    </p:cTn>
-                  </p:par>
-                  <p:par>
-                    <p:cTn id="7" fill="hold">
-                      <p:stCondLst>
-                        <p:cond delay="indefinite"/>
-                      </p:stCondLst>
-                      <p:childTnLst>
-                        <p:par>
-                          <p:cTn id="8" fill="hold">
-                            <p:stCondLst>
-                              <p:cond delay="0"/>
-                            </p:stCondLst>
-                            <p:childTnLst>
-                              <p:par>
-                                <p:cTn id="9" presetID="10" presetClass="entr" presetSubtype="0" fill="hold" grpId="0" nodeType="clickEffect">
-                                  <p:stCondLst>
-                                    <p:cond delay="0"/>
-                                  </p:stCondLst>
-                                  <p:childTnLst>
-                                    <p:set>
-                                      <p:cBhvr>
-                                        <p:cTn id="10" dur="1" fill="hold">
-                                          <p:stCondLst>
-                                            <p:cond delay="0"/>
-                                          </p:stCondLst>
-                                        </p:cTn>
-                                        <p:tgtEl>
-                                          <p:spTgt spid="9"/>
-                                        </p:tgtEl>
-                                        <p:attrNameLst>
-                                          <p:attrName>style.visibility</p:attrName>
-                                        </p:attrNameLst>
-                                      </p:cBhvr>
-                                      <p:to>
-                                        <p:strVal val="visible"/>
-                                      </p:to>
-                                    </p:set>
-                                    <p:animEffect transition="in" filter="fade">
-                                      <p:cBhvr>
-                                        <p:cTn id="11" dur="500"/>
-                                        <p:tgtEl>
-                                          <p:spTgt spid="9"/>
-                                        </p:tgtEl>
-                                      </p:cBhvr>
-                                    </p:animEffect>
-                                  </p:childTnLst>
-                                </p:cTn>
-                              </p:par>
-                            </p:childTnLst>
-                          </p:cTn>
-                        </p:par>
-                      </p:childTnLst>
-                    </p:cTn>
-                  </p:par>
-                  <p:par>
-                    <p:cTn id="12" fill="hold">
-                      <p:stCondLst>
-                        <p:cond delay="indefinite"/>
-                      </p:stCondLst>
-                      <p:childTnLst>
-                        <p:par>
-                          <p:cTn id="13" fill="hold">
-                            <p:stCondLst>
-                              <p:cond delay="0"/>
-                            </p:stCondLst>
-                            <p:childTnLst>
-                              <p:par>
-                                <p:cTn id="14" presetID="10" presetClass="entr" presetSubtype="0" fill="hold" grpId="0" nodeType="clickEffect">
-                                  <p:stCondLst>
-                                    <p:cond delay="0"/>
-                                  </p:stCondLst>
-                                  <p:childTnLst>
-                                    <p:set>
-                                      <p:cBhvr>
-                                        <p:cTn id="15" dur="1" fill="hold">
-                                          <p:stCondLst>
-                                            <p:cond delay="0"/>
-                                          </p:stCondLst>
-                                        </p:cTn>
-                                        <p:tgtEl>
-                                          <p:spTgt spid="10"/>
-                                        </p:tgtEl>
-                                        <p:attrNameLst>
-                                          <p:attrName>style.visibility</p:attrName>
-                                        </p:attrNameLst>
-                                      </p:cBhvr>
-                                      <p:to>
-                                        <p:strVal val="visible"/>
-                                      </p:to>
-                                    </p:set>
-                                    <p:animEffect transition="in" filter="fade">
-                                      <p:cBhvr>
-                                        <p:cTn id="16" dur="500"/>
-                                        <p:tgtEl>
-                                          <p:spTgt spid="10"/>
-                                        </p:tgtEl>
-                                      </p:cBhvr>
-                                    </p:animEffect>
-                                  </p:childTnLst>
-                                </p:cTn>
-                              </p:par>
-                            </p:childTnLst>
-                          </p:cTn>
-                        </p:par>
-                      </p:childTnLst>
-                    </p:cTn>
-                  </p:par>
-                  <p:par>
-                    <p:cTn id="17" fill="hold">
-                      <p:stCondLst>
-                        <p:cond delay="indefinite"/>
-                      </p:stCondLst>
-                      <p:childTnLst>
-                        <p:par>
-                          <p:cTn id="18" fill="hold">
-                            <p:stCondLst>
-                              <p:cond delay="0"/>
-                            </p:stCondLst>
-                            <p:childTnLst>
-                              <p:par>
-                                <p:cTn id="19" presetID="10" presetClass="entr" presetSubtype="0" fill="hold" grpId="0" nodeType="clickEffect">
-                                  <p:stCondLst>
-                                    <p:cond delay="0"/>
-                                  </p:stCondLst>
-                                  <p:childTnLst>
-                                    <p:set>
-                                      <p:cBhvr>
-                                        <p:cTn id="20" dur="1" fill="hold">
-                                          <p:stCondLst>
-                                            <p:cond delay="0"/>
-                                          </p:stCondLst>
-                                        </p:cTn>
-                                        <p:tgtEl>
-                                          <p:spTgt spid="11"/>
-                                        </p:tgtEl>
-                                        <p:attrNameLst>
-                                          <p:attrName>style.visibility</p:attrName>
-                                        </p:attrNameLst>
-                                      </p:cBhvr>
-                                      <p:to>
-                                        <p:strVal val="visible"/>
-                                      </p:to>
-                                    </p:set>
-                                    <p:animEffect transition="in" filter="fade">
-                                      <p:cBhvr>
-                                        <p:cTn id="21" dur="500"/>
-                                        <p:tgtEl>
-                                          <p:spTgt spid="11"/>
-                                        </p:tgtEl>
-                                      </p:cBhvr>
-                                    </p:animEffect>
-                                  </p:childTnLst>
-                                </p:cTn>
-                              </p:par>
-                            </p:childTnLst>
-                          </p:cTn>
-                        </p:par>
-                      </p:childTnLst>
-                    </p:cTn>
-                  </p:par>
-                </p:childTnLst>
-              </p:cTn>
-              <p:prevCondLst>
-                <p:cond evt="onPrev" delay="0">
-                  <p:tgtEl>
-                    <p:sldTgt/>
-                  </p:tgtEl>
-                </p:cond>
-              </p:prevCondLst>
-              <p:nextCondLst>
-                <p:cond evt="onNext" delay="0">
-                  <p:tgtEl>
-                    <p:sldTgt/>
-                  </p:tgtEl>
-                </p:cond>
-              </p:nextCondLst>
-            </p:seq>
-          </p:childTnLst>
-        </p:cTn>
-      </p:par>
-    </p:tnLst>
-    <p:bldLst>
-      <p:bldP spid="6" grpId="0"/>
-      <p:bldP spid="9" grpId="0"/>
-      <p:bldP spid="10" grpId="0"/>
-      <p:bldP spid="11" grpId="0"/>
-    </p:bldLst>
-  </p:timing>
-</p:sld>
-</file>
-
-<file path=ppt/slides/slide3.xml><?xml version="1.0" encoding="utf-8"?>
-<p:sld xmlns:a="http://schemas.openxmlformats.org/drawingml/2006/main" xmlns:r="http://schemas.openxmlformats.org/officeDocument/2006/relationships" xmlns:p="http://schemas.openxmlformats.org/presentationml/2006/main">
-  <p:cSld>
-    <p:spTree>
-      <p:nvGrpSpPr>
-        <p:cNvPr id="1" name=""/>
-        <p:cNvGrpSpPr/>
-        <p:nvPr/>
-      </p:nvGrpSpPr>
-      <p:grpSpPr>
-        <a:xfrm>
-          <a:off x="0" y="0"/>
-          <a:ext cx="0" cy="0"/>
-          <a:chOff x="0" y="0"/>
-          <a:chExt cx="0" cy="0"/>
-        </a:xfrm>
-      </p:grpSpPr>
-      <p:sp>
-        <p:nvSpPr>
-          <p:cNvPr id="6" name="矩形 5"/>
-          <p:cNvSpPr/>
-          <p:nvPr/>
-        </p:nvSpPr>
-        <p:spPr>
-          <a:xfrm>
-            <a:off x="3717328" y="2787226"/>
-            <a:ext cx="4507965" cy="1569660"/>
-          </a:xfrm>
-          <a:prstGeom prst="rect">
-            <a:avLst/>
-          </a:prstGeom>
-          <a:noFill/>
-        </p:spPr>
-        <p:txBody>
-          <a:bodyPr wrap="none" lIns="91440" tIns="45720" rIns="91440" bIns="45720">
-            <a:spAutoFit/>
-          </a:bodyPr>
-          <a:lstStyle/>
-          <a:p>
-            <a:pPr algn="ctr"/>
-            <a:r>
-              <a:rPr lang="zh-CN" altLang="en-US" sz="9600" b="1" dirty="0" smtClean="0">
-                <a:ln w="0"/>
-                <a:solidFill>
-                  <a:schemeClr val="bg1"/>
-                </a:solidFill>
-                <a:effectLst>
-                  <a:outerShdw blurRad="38100" dist="19050" dir="2700000" algn="tl" rotWithShape="0">
-                    <a:schemeClr val="dk1">
-                      <a:alpha val="40000"/>
-                    </a:schemeClr>
-                  </a:outerShdw>
-                </a:effectLst>
-                <a:latin typeface="SimSun-ExtB" panose="02010609060101010101" pitchFamily="49" charset="-122"/>
-                <a:ea typeface="SimSun-ExtB" panose="02010609060101010101" pitchFamily="49" charset="-122"/>
-              </a:rPr>
-              <a:t>问</a:t>
-            </a:r>
-            <a:r>
-              <a:rPr lang="zh-CN" altLang="en-US" sz="9600" b="1" cap="none" spc="0" dirty="0" smtClean="0">
-                <a:ln w="0"/>
-                <a:solidFill>
-                  <a:schemeClr val="bg1"/>
-                </a:solidFill>
-                <a:effectLst>
-                  <a:outerShdw blurRad="38100" dist="19050" dir="2700000" algn="tl" rotWithShape="0">
-                    <a:schemeClr val="dk1">
-                      <a:alpha val="40000"/>
-                    </a:schemeClr>
-                  </a:outerShdw>
-                </a:effectLst>
-                <a:latin typeface="SimSun-ExtB" panose="02010609060101010101" pitchFamily="49" charset="-122"/>
-                <a:ea typeface="SimSun-ExtB" panose="02010609060101010101" pitchFamily="49" charset="-122"/>
-              </a:rPr>
-              <a:t>   </a:t>
-            </a:r>
-            <a:r>
-              <a:rPr lang="zh-CN" altLang="en-US" sz="9600" b="1" dirty="0">
-                <a:ln w="0"/>
-                <a:solidFill>
-                  <a:schemeClr val="bg1"/>
-                </a:solidFill>
-                <a:effectLst>
-                  <a:outerShdw blurRad="38100" dist="19050" dir="2700000" algn="tl" rotWithShape="0">
-                    <a:schemeClr val="dk1">
-                      <a:alpha val="40000"/>
-                    </a:schemeClr>
-                  </a:outerShdw>
-                </a:effectLst>
-                <a:latin typeface="SimSun-ExtB" panose="02010609060101010101" pitchFamily="49" charset="-122"/>
-                <a:ea typeface="SimSun-ExtB" panose="02010609060101010101" pitchFamily="49" charset="-122"/>
-              </a:rPr>
-              <a:t>答</a:t>
-            </a:r>
-            <a:endParaRPr lang="zh-CN" altLang="en-US" sz="9600" b="1" cap="none" spc="0" dirty="0">
-              <a:ln w="0"/>
-              <a:solidFill>
-                <a:schemeClr val="bg1"/>
-              </a:solidFill>
-              <a:effectLst>
-                <a:outerShdw blurRad="38100" dist="19050" dir="2700000" algn="tl" rotWithShape="0">
-                  <a:schemeClr val="dk1">
-                    <a:alpha val="40000"/>
-                  </a:schemeClr>
-                </a:outerShdw>
-              </a:effectLst>
-              <a:latin typeface="SimSun-ExtB" panose="02010609060101010101" pitchFamily="49" charset="-122"/>
-              <a:ea typeface="SimSun-ExtB" panose="02010609060101010101" pitchFamily="49" charset="-122"/>
-            </a:endParaRPr>
-          </a:p>
-        </p:txBody>
-      </p:sp>
-      <p:sp>
-        <p:nvSpPr>
-          <p:cNvPr id="9" name="矩形 8"/>
-          <p:cNvSpPr/>
-          <p:nvPr/>
-        </p:nvSpPr>
-        <p:spPr>
-          <a:xfrm>
-            <a:off x="8016126" y="1821688"/>
-            <a:ext cx="3262432" cy="1015663"/>
-          </a:xfrm>
-          <a:prstGeom prst="rect">
-            <a:avLst/>
-          </a:prstGeom>
-          <a:noFill/>
-        </p:spPr>
-        <p:txBody>
-          <a:bodyPr wrap="none" lIns="91440" tIns="45720" rIns="91440" bIns="45720">
-            <a:spAutoFit/>
-          </a:bodyPr>
-          <a:lstStyle/>
-          <a:p>
-            <a:pPr algn="ctr"/>
-            <a:r>
-              <a:rPr lang="zh-CN" altLang="en-US" sz="6000" b="1" dirty="0">
-                <a:ln w="0"/>
-                <a:solidFill>
-                  <a:schemeClr val="bg1"/>
-                </a:solidFill>
-                <a:effectLst>
-                  <a:outerShdw blurRad="38100" dist="19050" dir="2700000" algn="tl" rotWithShape="0">
-                    <a:schemeClr val="dk1">
-                      <a:alpha val="40000"/>
-                    </a:schemeClr>
-                  </a:outerShdw>
-                </a:effectLst>
-                <a:latin typeface="SimSun-ExtB" panose="02010609060101010101" pitchFamily="49" charset="-122"/>
-                <a:ea typeface="SimSun-ExtB" panose="02010609060101010101" pitchFamily="49" charset="-122"/>
-              </a:rPr>
-              <a:t>百</a:t>
-            </a:r>
-            <a:r>
-              <a:rPr lang="zh-CN" altLang="en-US" sz="6000" b="1" dirty="0" smtClean="0">
-                <a:ln w="0"/>
-                <a:solidFill>
-                  <a:schemeClr val="bg1"/>
-                </a:solidFill>
-                <a:effectLst>
-                  <a:outerShdw blurRad="38100" dist="19050" dir="2700000" algn="tl" rotWithShape="0">
-                    <a:schemeClr val="dk1">
-                      <a:alpha val="40000"/>
-                    </a:schemeClr>
-                  </a:outerShdw>
-                </a:effectLst>
-                <a:latin typeface="SimSun-ExtB" panose="02010609060101010101" pitchFamily="49" charset="-122"/>
-                <a:ea typeface="SimSun-ExtB" panose="02010609060101010101" pitchFamily="49" charset="-122"/>
-              </a:rPr>
-              <a:t>度知道</a:t>
-            </a:r>
-            <a:endParaRPr lang="zh-CN" altLang="en-US" sz="6000" b="1" cap="none" spc="0" dirty="0">
-              <a:ln w="0"/>
-              <a:solidFill>
-                <a:schemeClr val="bg1"/>
-              </a:solidFill>
-              <a:effectLst>
-                <a:outerShdw blurRad="38100" dist="19050" dir="2700000" algn="tl" rotWithShape="0">
-                  <a:schemeClr val="dk1">
-                    <a:alpha val="40000"/>
-                  </a:schemeClr>
-                </a:outerShdw>
-              </a:effectLst>
-              <a:latin typeface="SimSun-ExtB" panose="02010609060101010101" pitchFamily="49" charset="-122"/>
-              <a:ea typeface="SimSun-ExtB" panose="02010609060101010101" pitchFamily="49" charset="-122"/>
-            </a:endParaRPr>
-          </a:p>
-        </p:txBody>
-      </p:sp>
-      <p:sp>
-        <p:nvSpPr>
-          <p:cNvPr id="10" name="矩形 9"/>
-          <p:cNvSpPr/>
-          <p:nvPr/>
-        </p:nvSpPr>
-        <p:spPr>
-          <a:xfrm>
-            <a:off x="8016126" y="4356886"/>
-            <a:ext cx="2887330" cy="1015663"/>
-          </a:xfrm>
-          <a:prstGeom prst="rect">
-            <a:avLst/>
-          </a:prstGeom>
-          <a:noFill/>
-        </p:spPr>
-        <p:txBody>
-          <a:bodyPr wrap="none" lIns="91440" tIns="45720" rIns="91440" bIns="45720">
-            <a:spAutoFit/>
-          </a:bodyPr>
-          <a:lstStyle/>
-          <a:p>
-            <a:pPr algn="ctr"/>
-            <a:r>
-              <a:rPr lang="zh-CN" altLang="en-US" sz="6000" b="1" dirty="0" smtClean="0">
-                <a:ln w="0"/>
-                <a:solidFill>
-                  <a:schemeClr val="bg1"/>
-                </a:solidFill>
-                <a:effectLst>
-                  <a:outerShdw blurRad="38100" dist="19050" dir="2700000" algn="tl" rotWithShape="0">
-                    <a:schemeClr val="dk1">
-                      <a:alpha val="40000"/>
-                    </a:schemeClr>
-                  </a:outerShdw>
-                </a:effectLst>
-                <a:latin typeface="SimSun-ExtB" panose="02010609060101010101" pitchFamily="49" charset="-122"/>
-                <a:ea typeface="SimSun-ExtB" panose="02010609060101010101" pitchFamily="49" charset="-122"/>
-              </a:rPr>
-              <a:t>知   乎</a:t>
-            </a:r>
-            <a:endParaRPr lang="zh-CN" altLang="en-US" sz="6000" b="1" cap="none" spc="0" dirty="0">
-              <a:ln w="0"/>
-              <a:solidFill>
-                <a:schemeClr val="bg1"/>
-              </a:solidFill>
-              <a:effectLst>
-                <a:outerShdw blurRad="38100" dist="19050" dir="2700000" algn="tl" rotWithShape="0">
-                  <a:schemeClr val="dk1">
-                    <a:alpha val="40000"/>
-                  </a:schemeClr>
-                </a:outerShdw>
-              </a:effectLst>
-              <a:latin typeface="SimSun-ExtB" panose="02010609060101010101" pitchFamily="49" charset="-122"/>
-              <a:ea typeface="SimSun-ExtB" panose="02010609060101010101" pitchFamily="49" charset="-122"/>
-            </a:endParaRPr>
-          </a:p>
-        </p:txBody>
-      </p:sp>
-    </p:spTree>
-    <p:extLst>
-      <p:ext uri="{BB962C8B-B14F-4D97-AF65-F5344CB8AC3E}">
-        <p14:creationId xmlns:p14="http://schemas.microsoft.com/office/powerpoint/2010/main" val="1314094932"/>
-      </p:ext>
-    </p:extLst>
-  </p:cSld>
-  <p:clrMapOvr>
-    <a:masterClrMapping/>
-  </p:clrMapOvr>
-  <p:timing>
-    <p:tnLst>
-      <p:par>
-        <p:cTn id="1" dur="indefinite" restart="never" nodeType="tmRoot">
-          <p:childTnLst>
-            <p:seq concurrent="1" nextAc="seek">
-              <p:cTn id="2" dur="indefinite" nodeType="mainSeq">
-                <p:childTnLst>
-                  <p:par>
-                    <p:cTn id="3" fill="hold">
-                      <p:stCondLst>
-                        <p:cond delay="indefinite"/>
-                      </p:stCondLst>
-                      <p:childTnLst>
-                        <p:par>
-                          <p:cTn id="4" fill="hold">
-                            <p:stCondLst>
-                              <p:cond delay="0"/>
-                            </p:stCondLst>
-                            <p:childTnLst>
-                              <p:par>
-                                <p:cTn id="5" presetID="35" presetClass="path" presetSubtype="0" accel="50000" decel="50000" fill="hold" grpId="0" nodeType="clickEffect">
-                                  <p:stCondLst>
-                                    <p:cond delay="0"/>
-                                  </p:stCondLst>
-                                  <p:childTnLst>
-                                    <p:animMotion origin="layout" path="M -3.54167E-6 -3.33333E-6 L -0.25 -3.33333E-6 " pathEditMode="relative" rAng="0" ptsTypes="AA">
-                                      <p:cBhvr>
-                                        <p:cTn id="6" dur="2000" fill="hold"/>
-                                        <p:tgtEl>
-                                          <p:spTgt spid="6"/>
-                                        </p:tgtEl>
-                                        <p:attrNameLst>
-                                          <p:attrName>ppt_x</p:attrName>
-                                          <p:attrName>ppt_y</p:attrName>
-                                        </p:attrNameLst>
-                                      </p:cBhvr>
-                                      <p:rCtr x="-12500" y="0"/>
-                                    </p:animMotion>
-                                  </p:childTnLst>
-                                </p:cTn>
-                              </p:par>
-                            </p:childTnLst>
-                          </p:cTn>
-                        </p:par>
-                      </p:childTnLst>
-                    </p:cTn>
-                  </p:par>
-                  <p:par>
-                    <p:cTn id="7" fill="hold">
-                      <p:stCondLst>
-                        <p:cond delay="indefinite"/>
-                      </p:stCondLst>
-                      <p:childTnLst>
-                        <p:par>
-                          <p:cTn id="8" fill="hold">
-                            <p:stCondLst>
-                              <p:cond delay="0"/>
-                            </p:stCondLst>
-                            <p:childTnLst>
-                              <p:par>
-                                <p:cTn id="9" presetID="10" presetClass="entr" presetSubtype="0" fill="hold" grpId="0" nodeType="clickEffect">
-                                  <p:stCondLst>
-                                    <p:cond delay="0"/>
-                                  </p:stCondLst>
-                                  <p:childTnLst>
-                                    <p:set>
-                                      <p:cBhvr>
-                                        <p:cTn id="10" dur="1" fill="hold">
-                                          <p:stCondLst>
-                                            <p:cond delay="0"/>
-                                          </p:stCondLst>
-                                        </p:cTn>
-                                        <p:tgtEl>
-                                          <p:spTgt spid="9"/>
-                                        </p:tgtEl>
-                                        <p:attrNameLst>
-                                          <p:attrName>style.visibility</p:attrName>
-                                        </p:attrNameLst>
-                                      </p:cBhvr>
-                                      <p:to>
-                                        <p:strVal val="visible"/>
-                                      </p:to>
-                                    </p:set>
-                                    <p:animEffect transition="in" filter="fade">
-                                      <p:cBhvr>
-                                        <p:cTn id="11" dur="500"/>
-                                        <p:tgtEl>
-                                          <p:spTgt spid="9"/>
-                                        </p:tgtEl>
-                                      </p:cBhvr>
-                                    </p:animEffect>
-                                  </p:childTnLst>
-                                </p:cTn>
-                              </p:par>
-                            </p:childTnLst>
-                          </p:cTn>
-                        </p:par>
-                      </p:childTnLst>
-                    </p:cTn>
-                  </p:par>
-                  <p:par>
-                    <p:cTn id="12" fill="hold">
-                      <p:stCondLst>
-                        <p:cond delay="indefinite"/>
-                      </p:stCondLst>
-                      <p:childTnLst>
-                        <p:par>
-                          <p:cTn id="13" fill="hold">
-                            <p:stCondLst>
-                              <p:cond delay="0"/>
-                            </p:stCondLst>
-                            <p:childTnLst>
-                              <p:par>
-                                <p:cTn id="14" presetID="10" presetClass="entr" presetSubtype="0" fill="hold" grpId="0" nodeType="clickEffect">
-                                  <p:stCondLst>
-                                    <p:cond delay="0"/>
-                                  </p:stCondLst>
-                                  <p:childTnLst>
-                                    <p:set>
-                                      <p:cBhvr>
-                                        <p:cTn id="15" dur="1" fill="hold">
-                                          <p:stCondLst>
-                                            <p:cond delay="0"/>
-                                          </p:stCondLst>
-                                        </p:cTn>
-                                        <p:tgtEl>
-                                          <p:spTgt spid="10"/>
-                                        </p:tgtEl>
-                                        <p:attrNameLst>
-                                          <p:attrName>style.visibility</p:attrName>
-                                        </p:attrNameLst>
-                                      </p:cBhvr>
-                                      <p:to>
-                                        <p:strVal val="visible"/>
-                                      </p:to>
-                                    </p:set>
-                                    <p:animEffect transition="in" filter="fade">
-                                      <p:cBhvr>
-                                        <p:cTn id="16" dur="500"/>
-                                        <p:tgtEl>
-                                          <p:spTgt spid="10"/>
-                                        </p:tgtEl>
-                                      </p:cBhvr>
-                                    </p:animEffect>
-                                  </p:childTnLst>
-                                </p:cTn>
-                              </p:par>
-                            </p:childTnLst>
-                          </p:cTn>
-                        </p:par>
-                      </p:childTnLst>
-                    </p:cTn>
-                  </p:par>
-                </p:childTnLst>
-              </p:cTn>
-              <p:prevCondLst>
-                <p:cond evt="onPrev" delay="0">
-                  <p:tgtEl>
-                    <p:sldTgt/>
-                  </p:tgtEl>
-                </p:cond>
-              </p:prevCondLst>
-              <p:nextCondLst>
-                <p:cond evt="onNext" delay="0">
-                  <p:tgtEl>
-                    <p:sldTgt/>
-                  </p:tgtEl>
-                </p:cond>
-              </p:nextCondLst>
-            </p:seq>
-          </p:childTnLst>
-        </p:cTn>
-      </p:par>
-    </p:tnLst>
-    <p:bldLst>
-      <p:bldP spid="6" grpId="0"/>
-      <p:bldP spid="9" grpId="0"/>
-      <p:bldP spid="10" grpId="0"/>
-    </p:bldLst>
-  </p:timing>
-</p:sld>
-</file>
-
-<file path=ppt/slides/slide4.xml><?xml version="1.0" encoding="utf-8"?>
-<p:sld xmlns:a="http://schemas.openxmlformats.org/drawingml/2006/main" xmlns:r="http://schemas.openxmlformats.org/officeDocument/2006/relationships" xmlns:p="http://schemas.openxmlformats.org/presentationml/2006/main">
-  <p:cSld>
-    <p:spTree>
-      <p:nvGrpSpPr>
-        <p:cNvPr id="1" name=""/>
-        <p:cNvGrpSpPr/>
-        <p:nvPr/>
-      </p:nvGrpSpPr>
-      <p:grpSpPr>
-        <a:xfrm>
-          <a:off x="0" y="0"/>
-          <a:ext cx="0" cy="0"/>
-          <a:chOff x="0" y="0"/>
-          <a:chExt cx="0" cy="0"/>
-        </a:xfrm>
-      </p:grpSpPr>
-      <p:sp>
-        <p:nvSpPr>
-          <p:cNvPr id="2" name="矩形 1"/>
-          <p:cNvSpPr/>
-          <p:nvPr/>
-        </p:nvSpPr>
-        <p:spPr>
-          <a:xfrm>
-            <a:off x="809939" y="2967335"/>
-            <a:ext cx="10572125" cy="923330"/>
-          </a:xfrm>
-          <a:prstGeom prst="rect">
-            <a:avLst/>
-          </a:prstGeom>
-          <a:noFill/>
-        </p:spPr>
-        <p:txBody>
-          <a:bodyPr wrap="none" lIns="91440" tIns="45720" rIns="91440" bIns="45720">
-            <a:spAutoFit/>
-          </a:bodyPr>
-          <a:lstStyle/>
-          <a:p>
-            <a:pPr algn="ctr"/>
-            <a:r>
-              <a:rPr lang="zh-CN" altLang="en-US" sz="5400" dirty="0" smtClean="0">
-                <a:ln w="0"/>
-                <a:solidFill>
-                  <a:schemeClr val="bg1"/>
-                </a:solidFill>
-                <a:effectLst>
-                  <a:outerShdw blurRad="38100" dist="19050" dir="2700000" algn="tl" rotWithShape="0">
-                    <a:schemeClr val="dk1">
-                      <a:alpha val="40000"/>
-                    </a:schemeClr>
-                  </a:outerShdw>
-                </a:effectLst>
-                <a:latin typeface="SimSun-ExtB" panose="02010609060101010101" pitchFamily="49" charset="-122"/>
-                <a:ea typeface="SimSun-ExtB" panose="02010609060101010101" pitchFamily="49" charset="-122"/>
-              </a:rPr>
-              <a:t>复旦谁的数学分析课上的比较好？</a:t>
-            </a:r>
-            <a:endParaRPr lang="zh-CN" altLang="en-US" sz="5400" b="0" cap="none" spc="0" dirty="0">
-              <a:ln w="0"/>
-              <a:solidFill>
-                <a:schemeClr val="bg1"/>
-              </a:solidFill>
-              <a:effectLst>
-                <a:outerShdw blurRad="38100" dist="19050" dir="2700000" algn="tl" rotWithShape="0">
-                  <a:schemeClr val="dk1">
-                    <a:alpha val="40000"/>
-                  </a:schemeClr>
-                </a:outerShdw>
-              </a:effectLst>
-              <a:latin typeface="SimSun-ExtB" panose="02010609060101010101" pitchFamily="49" charset="-122"/>
-              <a:ea typeface="SimSun-ExtB" panose="02010609060101010101" pitchFamily="49" charset="-122"/>
-            </a:endParaRPr>
-          </a:p>
-        </p:txBody>
-      </p:sp>
-    </p:spTree>
-    <p:extLst>
-      <p:ext uri="{BB962C8B-B14F-4D97-AF65-F5344CB8AC3E}">
-        <p14:creationId xmlns:p14="http://schemas.microsoft.com/office/powerpoint/2010/main" val="574435360"/>
-      </p:ext>
-    </p:extLst>
-  </p:cSld>
-  <p:clrMapOvr>
-    <a:masterClrMapping/>
-  </p:clrMapOvr>
-  <mc:AlternateContent xmlns:mc="http://schemas.openxmlformats.org/markup-compatibility/2006">
-    <mc:Choice xmlns:p14="http://schemas.microsoft.com/office/powerpoint/2010/main" Requires="p14">
-      <p:transition spd="slow" p14:dur="2000"/>
-    </mc:Choice>
-    <mc:Fallback>
-      <p:transition spd="slow"/>
-    </mc:Fallback>
-  </mc:AlternateContent>
-  <p:timing>
-    <p:tnLst>
-      <p:par>
-        <p:cTn id="1" dur="indefinite" restart="never" nodeType="tmRoot"/>
-      </p:par>
-    </p:tnLst>
-  </p:timing>
-</p:sld>
-</file>
-
-<file path=ppt/slides/slide5.xml><?xml version="1.0" encoding="utf-8"?>
-<p:sld xmlns:a="http://schemas.openxmlformats.org/drawingml/2006/main" xmlns:r="http://schemas.openxmlformats.org/officeDocument/2006/relationships" xmlns:p="http://schemas.openxmlformats.org/presentationml/2006/main">
-  <p:cSld>
-    <p:spTree>
-      <p:nvGrpSpPr>
-        <p:cNvPr id="1" name=""/>
-        <p:cNvGrpSpPr/>
-        <p:nvPr/>
-      </p:nvGrpSpPr>
-      <p:grpSpPr>
-        <a:xfrm>
-          <a:off x="0" y="0"/>
-          <a:ext cx="0" cy="0"/>
-          <a:chOff x="0" y="0"/>
-          <a:chExt cx="0" cy="0"/>
-        </a:xfrm>
-      </p:grpSpPr>
-      <p:sp>
-        <p:nvSpPr>
-          <p:cNvPr id="2" name="矩形 1"/>
-          <p:cNvSpPr/>
-          <p:nvPr/>
-        </p:nvSpPr>
-        <p:spPr>
-          <a:xfrm>
-            <a:off x="2194927" y="2967335"/>
-            <a:ext cx="7802136" cy="923330"/>
-          </a:xfrm>
-          <a:prstGeom prst="rect">
-            <a:avLst/>
-          </a:prstGeom>
-          <a:noFill/>
-        </p:spPr>
-        <p:txBody>
-          <a:bodyPr wrap="none" lIns="91440" tIns="45720" rIns="91440" bIns="45720">
-            <a:spAutoFit/>
-          </a:bodyPr>
-          <a:lstStyle/>
-          <a:p>
-            <a:pPr algn="ctr"/>
-            <a:r>
-              <a:rPr lang="zh-CN" altLang="en-US" sz="5400" dirty="0" smtClean="0">
-                <a:ln w="0"/>
-                <a:solidFill>
-                  <a:schemeClr val="bg1"/>
-                </a:solidFill>
-                <a:effectLst>
-                  <a:outerShdw blurRad="38100" dist="19050" dir="2700000" algn="tl" rotWithShape="0">
-                    <a:schemeClr val="dk1">
-                      <a:alpha val="40000"/>
-                    </a:schemeClr>
-                  </a:outerShdw>
-                </a:effectLst>
-                <a:latin typeface="SimSun-ExtB" panose="02010609060101010101" pitchFamily="49" charset="-122"/>
-                <a:ea typeface="SimSun-ExtB" panose="02010609060101010101" pitchFamily="49" charset="-122"/>
-              </a:rPr>
-              <a:t>现在校车排队的人多吗？</a:t>
-            </a:r>
-            <a:endParaRPr lang="zh-CN" altLang="en-US" sz="5400" b="0" cap="none" spc="0" dirty="0">
-              <a:ln w="0"/>
-              <a:solidFill>
-                <a:schemeClr val="bg1"/>
-              </a:solidFill>
-              <a:effectLst>
-                <a:outerShdw blurRad="38100" dist="19050" dir="2700000" algn="tl" rotWithShape="0">
-                  <a:schemeClr val="dk1">
-                    <a:alpha val="40000"/>
-                  </a:schemeClr>
-                </a:outerShdw>
-              </a:effectLst>
-              <a:latin typeface="SimSun-ExtB" panose="02010609060101010101" pitchFamily="49" charset="-122"/>
-              <a:ea typeface="SimSun-ExtB" panose="02010609060101010101" pitchFamily="49" charset="-122"/>
-            </a:endParaRPr>
-          </a:p>
-        </p:txBody>
-      </p:sp>
-    </p:spTree>
-    <p:extLst>
-      <p:ext uri="{BB962C8B-B14F-4D97-AF65-F5344CB8AC3E}">
-        <p14:creationId xmlns:p14="http://schemas.microsoft.com/office/powerpoint/2010/main" val="903503202"/>
-      </p:ext>
-    </p:extLst>
-  </p:cSld>
-  <p:clrMapOvr>
-    <a:masterClrMapping/>
-  </p:clrMapOvr>
-  <mc:AlternateContent xmlns:mc="http://schemas.openxmlformats.org/markup-compatibility/2006">
-    <mc:Choice xmlns:p14="http://schemas.microsoft.com/office/powerpoint/2010/main" Requires="p14">
-      <p:transition spd="slow" p14:dur="2000"/>
-    </mc:Choice>
-    <mc:Fallback>
-      <p:transition spd="slow"/>
-    </mc:Fallback>
-  </mc:AlternateContent>
-  <p:timing>
-    <p:tnLst>
-      <p:par>
-        <p:cTn id="1" dur="indefinite" restart="never" nodeType="tmRoot"/>
-      </p:par>
-    </p:tnLst>
-  </p:timing>
-</p:sld>
-</file>
-
-<file path=ppt/slides/slide6.xml><?xml version="1.0" encoding="utf-8"?>
-<p:sld xmlns:a="http://schemas.openxmlformats.org/drawingml/2006/main" xmlns:r="http://schemas.openxmlformats.org/officeDocument/2006/relationships" xmlns:p="http://schemas.openxmlformats.org/presentationml/2006/main">
-  <p:cSld>
-    <p:spTree>
-      <p:nvGrpSpPr>
-        <p:cNvPr id="1" name=""/>
-        <p:cNvGrpSpPr/>
-        <p:nvPr/>
-      </p:nvGrpSpPr>
-      <p:grpSpPr>
-        <a:xfrm>
-          <a:off x="0" y="0"/>
-          <a:ext cx="0" cy="0"/>
-          <a:chOff x="0" y="0"/>
-          <a:chExt cx="0" cy="0"/>
-        </a:xfrm>
-      </p:grpSpPr>
-      <p:sp>
-        <p:nvSpPr>
-          <p:cNvPr id="2" name="矩形 1"/>
-          <p:cNvSpPr/>
-          <p:nvPr/>
-        </p:nvSpPr>
-        <p:spPr>
-          <a:xfrm>
-            <a:off x="463684" y="2967335"/>
-            <a:ext cx="11264622" cy="1754326"/>
-          </a:xfrm>
-          <a:prstGeom prst="rect">
-            <a:avLst/>
-          </a:prstGeom>
-          <a:noFill/>
-        </p:spPr>
-        <p:txBody>
-          <a:bodyPr wrap="none" lIns="91440" tIns="45720" rIns="91440" bIns="45720">
-            <a:spAutoFit/>
-          </a:bodyPr>
-          <a:lstStyle/>
-          <a:p>
-            <a:pPr algn="ctr"/>
-            <a:r>
-              <a:rPr lang="zh-CN" altLang="en-US" sz="5400" dirty="0" smtClean="0">
-                <a:ln w="0"/>
-                <a:solidFill>
-                  <a:schemeClr val="bg1"/>
-                </a:solidFill>
-                <a:effectLst>
-                  <a:outerShdw blurRad="38100" dist="19050" dir="2700000" algn="tl" rotWithShape="0">
-                    <a:schemeClr val="dk1">
-                      <a:alpha val="40000"/>
-                    </a:schemeClr>
-                  </a:outerShdw>
-                </a:effectLst>
-                <a:latin typeface="SimSun-ExtB" panose="02010609060101010101" pitchFamily="49" charset="-122"/>
-                <a:ea typeface="SimSun-ExtB" panose="02010609060101010101" pitchFamily="49" charset="-122"/>
-              </a:rPr>
-              <a:t>今天下午三点到四点，</a:t>
-            </a:r>
-            <a:endParaRPr lang="en-US" altLang="zh-CN" sz="5400" dirty="0" smtClean="0">
-              <a:ln w="0"/>
-              <a:solidFill>
-                <a:schemeClr val="bg1"/>
-              </a:solidFill>
-              <a:effectLst>
-                <a:outerShdw blurRad="38100" dist="19050" dir="2700000" algn="tl" rotWithShape="0">
-                  <a:schemeClr val="dk1">
-                    <a:alpha val="40000"/>
-                  </a:schemeClr>
-                </a:outerShdw>
-              </a:effectLst>
-              <a:latin typeface="SimSun-ExtB" panose="02010609060101010101" pitchFamily="49" charset="-122"/>
-              <a:ea typeface="SimSun-ExtB" panose="02010609060101010101" pitchFamily="49" charset="-122"/>
-            </a:endParaRPr>
-          </a:p>
-          <a:p>
-            <a:pPr algn="ctr"/>
-            <a:r>
-              <a:rPr lang="zh-CN" altLang="en-US" sz="5400" dirty="0" smtClean="0">
-                <a:ln w="0"/>
-                <a:solidFill>
-                  <a:schemeClr val="bg1"/>
-                </a:solidFill>
-                <a:effectLst>
-                  <a:outerShdw blurRad="38100" dist="19050" dir="2700000" algn="tl" rotWithShape="0">
-                    <a:schemeClr val="dk1">
-                      <a:alpha val="40000"/>
-                    </a:schemeClr>
-                  </a:outerShdw>
-                </a:effectLst>
-                <a:latin typeface="SimSun-ExtB" panose="02010609060101010101" pitchFamily="49" charset="-122"/>
-                <a:ea typeface="SimSun-ExtB" panose="02010609060101010101" pitchFamily="49" charset="-122"/>
-              </a:rPr>
-              <a:t>有人愿意一起去体育馆打羽毛球吗？</a:t>
-            </a:r>
-            <a:endParaRPr lang="zh-CN" altLang="en-US" sz="5400" b="0" cap="none" spc="0" dirty="0">
-              <a:ln w="0"/>
-              <a:solidFill>
-                <a:schemeClr val="bg1"/>
-              </a:solidFill>
-              <a:effectLst>
-                <a:outerShdw blurRad="38100" dist="19050" dir="2700000" algn="tl" rotWithShape="0">
-                  <a:schemeClr val="dk1">
-                    <a:alpha val="40000"/>
-                  </a:schemeClr>
-                </a:outerShdw>
-              </a:effectLst>
-              <a:latin typeface="SimSun-ExtB" panose="02010609060101010101" pitchFamily="49" charset="-122"/>
-              <a:ea typeface="SimSun-ExtB" panose="02010609060101010101" pitchFamily="49" charset="-122"/>
-            </a:endParaRPr>
-          </a:p>
-        </p:txBody>
-      </p:sp>
-    </p:spTree>
-    <p:extLst>
-      <p:ext uri="{BB962C8B-B14F-4D97-AF65-F5344CB8AC3E}">
-        <p14:creationId xmlns:p14="http://schemas.microsoft.com/office/powerpoint/2010/main" val="3331645189"/>
-      </p:ext>
-    </p:extLst>
-  </p:cSld>
-  <p:clrMapOvr>
-    <a:masterClrMapping/>
-  </p:clrMapOvr>
-  <mc:AlternateContent xmlns:mc="http://schemas.openxmlformats.org/markup-compatibility/2006">
-    <mc:Choice xmlns:p14="http://schemas.microsoft.com/office/powerpoint/2010/main" Requires="p14">
-      <p:transition spd="slow" p14:dur="2000"/>
-    </mc:Choice>
-    <mc:Fallback>
-      <p:transition spd="slow"/>
-    </mc:Fallback>
-  </mc:AlternateContent>
-  <p:timing>
-    <p:tnLst>
-      <p:par>
-        <p:cTn id="1" dur="indefinite" restart="never" nodeType="tmRoot"/>
-      </p:par>
-    </p:tnLst>
-  </p:timing>
-</p:sld>
-</file>
-
-<file path=ppt/slides/slide7.xml><?xml version="1.0" encoding="utf-8"?>
-<p:sld xmlns:a="http://schemas.openxmlformats.org/drawingml/2006/main" xmlns:r="http://schemas.openxmlformats.org/officeDocument/2006/relationships" xmlns:p="http://schemas.openxmlformats.org/presentationml/2006/main">
-  <p:cSld>
-    <p:spTree>
-      <p:nvGrpSpPr>
-        <p:cNvPr id="1" name=""/>
-        <p:cNvGrpSpPr/>
-        <p:nvPr/>
-      </p:nvGrpSpPr>
-      <p:grpSpPr>
-        <a:xfrm>
-          <a:off x="0" y="0"/>
-          <a:ext cx="0" cy="0"/>
-          <a:chOff x="0" y="0"/>
-          <a:chExt cx="0" cy="0"/>
-        </a:xfrm>
-      </p:grpSpPr>
-      <p:sp>
-        <p:nvSpPr>
-          <p:cNvPr id="2" name="矩形 1"/>
-          <p:cNvSpPr/>
-          <p:nvPr/>
-        </p:nvSpPr>
-        <p:spPr>
-          <a:xfrm>
-            <a:off x="1675551" y="2967335"/>
-            <a:ext cx="8840882" cy="1754326"/>
-          </a:xfrm>
-          <a:prstGeom prst="rect">
-            <a:avLst/>
-          </a:prstGeom>
-          <a:noFill/>
-        </p:spPr>
-        <p:txBody>
-          <a:bodyPr wrap="none" lIns="91440" tIns="45720" rIns="91440" bIns="45720">
-            <a:spAutoFit/>
-          </a:bodyPr>
-          <a:lstStyle/>
-          <a:p>
-            <a:pPr algn="ctr"/>
-            <a:r>
-              <a:rPr lang="zh-CN" altLang="en-US" sz="5400" dirty="0" smtClean="0">
-                <a:ln w="0"/>
-                <a:solidFill>
-                  <a:schemeClr val="bg1"/>
-                </a:solidFill>
-                <a:effectLst>
-                  <a:outerShdw blurRad="38100" dist="19050" dir="2700000" algn="tl" rotWithShape="0">
-                    <a:schemeClr val="dk1">
-                      <a:alpha val="40000"/>
-                    </a:schemeClr>
-                  </a:outerShdw>
-                </a:effectLst>
-                <a:latin typeface="SimSun-ExtB" panose="02010609060101010101" pitchFamily="49" charset="-122"/>
-                <a:ea typeface="SimSun-ExtB" panose="02010609060101010101" pitchFamily="49" charset="-122"/>
-              </a:rPr>
-              <a:t>现在有在</a:t>
-            </a:r>
-            <a:r>
-              <a:rPr lang="en-US" altLang="zh-CN" sz="5400" dirty="0" smtClean="0">
-                <a:ln w="0"/>
-                <a:solidFill>
-                  <a:schemeClr val="bg1"/>
-                </a:solidFill>
-                <a:effectLst>
-                  <a:outerShdw blurRad="38100" dist="19050" dir="2700000" algn="tl" rotWithShape="0">
-                    <a:schemeClr val="dk1">
-                      <a:alpha val="40000"/>
-                    </a:schemeClr>
-                  </a:outerShdw>
-                </a:effectLst>
-                <a:latin typeface="SimSun-ExtB" panose="02010609060101010101" pitchFamily="49" charset="-122"/>
-                <a:ea typeface="SimSun-ExtB" panose="02010609060101010101" pitchFamily="49" charset="-122"/>
-              </a:rPr>
-              <a:t>BAT</a:t>
-            </a:r>
-            <a:r>
-              <a:rPr lang="zh-CN" altLang="en-US" sz="5400" dirty="0" smtClean="0">
-                <a:ln w="0"/>
-                <a:solidFill>
-                  <a:schemeClr val="bg1"/>
-                </a:solidFill>
-                <a:effectLst>
-                  <a:outerShdw blurRad="38100" dist="19050" dir="2700000" algn="tl" rotWithShape="0">
-                    <a:schemeClr val="dk1">
-                      <a:alpha val="40000"/>
-                    </a:schemeClr>
-                  </a:outerShdw>
-                </a:effectLst>
-                <a:latin typeface="SimSun-ExtB" panose="02010609060101010101" pitchFamily="49" charset="-122"/>
-                <a:ea typeface="SimSun-ExtB" panose="02010609060101010101" pitchFamily="49" charset="-122"/>
-              </a:rPr>
-              <a:t>实习的师兄师姐</a:t>
-            </a:r>
-            <a:endParaRPr lang="en-US" altLang="zh-CN" sz="5400" dirty="0" smtClean="0">
-              <a:ln w="0"/>
-              <a:solidFill>
-                <a:schemeClr val="bg1"/>
-              </a:solidFill>
-              <a:effectLst>
-                <a:outerShdw blurRad="38100" dist="19050" dir="2700000" algn="tl" rotWithShape="0">
-                  <a:schemeClr val="dk1">
-                    <a:alpha val="40000"/>
-                  </a:schemeClr>
-                </a:outerShdw>
-              </a:effectLst>
-              <a:latin typeface="SimSun-ExtB" panose="02010609060101010101" pitchFamily="49" charset="-122"/>
-              <a:ea typeface="SimSun-ExtB" panose="02010609060101010101" pitchFamily="49" charset="-122"/>
-            </a:endParaRPr>
-          </a:p>
-          <a:p>
-            <a:pPr algn="ctr"/>
-            <a:r>
-              <a:rPr lang="zh-CN" altLang="en-US" sz="5400" dirty="0" smtClean="0">
-                <a:ln w="0"/>
-                <a:solidFill>
-                  <a:schemeClr val="bg1"/>
-                </a:solidFill>
-                <a:effectLst>
-                  <a:outerShdw blurRad="38100" dist="19050" dir="2700000" algn="tl" rotWithShape="0">
-                    <a:schemeClr val="dk1">
-                      <a:alpha val="40000"/>
-                    </a:schemeClr>
-                  </a:outerShdw>
-                </a:effectLst>
-                <a:latin typeface="SimSun-ExtB" panose="02010609060101010101" pitchFamily="49" charset="-122"/>
-                <a:ea typeface="SimSun-ExtB" panose="02010609060101010101" pitchFamily="49" charset="-122"/>
-              </a:rPr>
-              <a:t>可以帮忙内推吗？</a:t>
-            </a:r>
-            <a:endParaRPr lang="zh-CN" altLang="en-US" sz="5400" b="0" cap="none" spc="0" dirty="0">
-              <a:ln w="0"/>
-              <a:solidFill>
-                <a:schemeClr val="bg1"/>
-              </a:solidFill>
-              <a:effectLst>
-                <a:outerShdw blurRad="38100" dist="19050" dir="2700000" algn="tl" rotWithShape="0">
-                  <a:schemeClr val="dk1">
-                    <a:alpha val="40000"/>
-                  </a:schemeClr>
-                </a:outerShdw>
-              </a:effectLst>
-              <a:latin typeface="SimSun-ExtB" panose="02010609060101010101" pitchFamily="49" charset="-122"/>
-              <a:ea typeface="SimSun-ExtB" panose="02010609060101010101" pitchFamily="49" charset="-122"/>
-            </a:endParaRPr>
-          </a:p>
-        </p:txBody>
-      </p:sp>
-    </p:spTree>
-    <p:extLst>
-      <p:ext uri="{BB962C8B-B14F-4D97-AF65-F5344CB8AC3E}">
-        <p14:creationId xmlns:p14="http://schemas.microsoft.com/office/powerpoint/2010/main" val="2917770510"/>
-      </p:ext>
-    </p:extLst>
-  </p:cSld>
-  <p:clrMapOvr>
-    <a:masterClrMapping/>
-  </p:clrMapOvr>
-  <mc:AlternateContent xmlns:mc="http://schemas.openxmlformats.org/markup-compatibility/2006">
-    <mc:Choice xmlns:p14="http://schemas.microsoft.com/office/powerpoint/2010/main" Requires="p14">
-      <p:transition spd="slow" p14:dur="2000"/>
-    </mc:Choice>
-    <mc:Fallback>
-      <p:transition spd="slow"/>
-    </mc:Fallback>
-  </mc:AlternateContent>
-  <p:timing>
-    <p:tnLst>
-      <p:par>
-        <p:cTn id="1" dur="indefinite" restart="never" nodeType="tmRoot"/>
-      </p:par>
-    </p:tnLst>
-  </p:timing>
-</p:sld>
-</file>
-
-<file path=ppt/slides/slide8.xml><?xml version="1.0" encoding="utf-8"?>
-<p:sld xmlns:a="http://schemas.openxmlformats.org/drawingml/2006/main" xmlns:r="http://schemas.openxmlformats.org/officeDocument/2006/relationships" xmlns:p="http://schemas.openxmlformats.org/presentationml/2006/main">
-  <p:cSld>
-    <p:spTree>
-      <p:nvGrpSpPr>
-        <p:cNvPr id="1" name=""/>
-        <p:cNvGrpSpPr/>
-        <p:nvPr/>
-      </p:nvGrpSpPr>
-      <p:grpSpPr>
-        <a:xfrm>
-          <a:off x="0" y="0"/>
-          <a:ext cx="0" cy="0"/>
-          <a:chOff x="0" y="0"/>
-          <a:chExt cx="0" cy="0"/>
-        </a:xfrm>
-      </p:grpSpPr>
+              <a:t>社交性</a:t>
+            </a:r>
+          </a:p>
+        </p:txBody>
+      </p:sp>
       <p:sp>
         <p:nvSpPr>
           <p:cNvPr id="3" name="椭圆 2"/>
@@ -5817,6 +5188,867 @@
           </a:p>
         </p:txBody>
       </p:sp>
+    </p:spTree>
+    <p:extLst>
+      <p:ext uri="{BB962C8B-B14F-4D97-AF65-F5344CB8AC3E}">
+        <p14:creationId xmlns:p14="http://schemas.microsoft.com/office/powerpoint/2010/main" val="134168197"/>
+      </p:ext>
+    </p:extLst>
+  </p:cSld>
+  <p:clrMapOvr>
+    <a:masterClrMapping/>
+  </p:clrMapOvr>
+  <mc:AlternateContent xmlns:mc="http://schemas.openxmlformats.org/markup-compatibility/2006" xmlns:p14="http://schemas.microsoft.com/office/powerpoint/2010/main">
+    <mc:Choice Requires="p14">
+      <p:transition spd="slow" p14:dur="2000"/>
+    </mc:Choice>
+    <mc:Fallback xmlns="">
+      <p:transition spd="slow"/>
+    </mc:Fallback>
+  </mc:AlternateContent>
+  <p:timing>
+    <p:tnLst>
+      <p:par>
+        <p:cTn id="1" dur="indefinite" restart="never" nodeType="tmRoot">
+          <p:childTnLst>
+            <p:seq concurrent="1" nextAc="seek">
+              <p:cTn id="2" dur="indefinite" nodeType="mainSeq">
+                <p:childTnLst>
+                  <p:par>
+                    <p:cTn id="3" fill="hold">
+                      <p:stCondLst>
+                        <p:cond delay="indefinite"/>
+                      </p:stCondLst>
+                      <p:childTnLst>
+                        <p:par>
+                          <p:cTn id="4" fill="hold">
+                            <p:stCondLst>
+                              <p:cond delay="0"/>
+                            </p:stCondLst>
+                            <p:childTnLst>
+                              <p:par>
+                                <p:cTn id="5" presetID="35" presetClass="path" presetSubtype="0" accel="50000" decel="50000" fill="hold" grpId="0" nodeType="clickEffect">
+                                  <p:stCondLst>
+                                    <p:cond delay="0"/>
+                                  </p:stCondLst>
+                                  <p:childTnLst>
+                                    <p:animMotion origin="layout" path="M -0.03295 -0.00393 L -0.28295 -0.00393 " pathEditMode="relative" rAng="0" ptsTypes="AA">
+                                      <p:cBhvr>
+                                        <p:cTn id="6" dur="500" fill="hold"/>
+                                        <p:tgtEl>
+                                          <p:spTgt spid="5"/>
+                                        </p:tgtEl>
+                                        <p:attrNameLst>
+                                          <p:attrName>ppt_x</p:attrName>
+                                          <p:attrName>ppt_y</p:attrName>
+                                        </p:attrNameLst>
+                                      </p:cBhvr>
+                                      <p:rCtr x="-12500" y="0"/>
+                                    </p:animMotion>
+                                  </p:childTnLst>
+                                </p:cTn>
+                              </p:par>
+                            </p:childTnLst>
+                          </p:cTn>
+                        </p:par>
+                      </p:childTnLst>
+                    </p:cTn>
+                  </p:par>
+                  <p:par>
+                    <p:cTn id="7" fill="hold">
+                      <p:stCondLst>
+                        <p:cond delay="indefinite"/>
+                      </p:stCondLst>
+                      <p:childTnLst>
+                        <p:par>
+                          <p:cTn id="8" fill="hold">
+                            <p:stCondLst>
+                              <p:cond delay="0"/>
+                            </p:stCondLst>
+                            <p:childTnLst>
+                              <p:par>
+                                <p:cTn id="9" presetID="63" presetClass="path" presetSubtype="0" accel="50000" decel="50000" fill="hold" grpId="0" nodeType="clickEffect">
+                                  <p:stCondLst>
+                                    <p:cond delay="0"/>
+                                  </p:stCondLst>
+                                  <p:childTnLst>
+                                    <p:animMotion origin="layout" path="M 0.03294 0.00209 L 0.28294 0.00209 " pathEditMode="relative" rAng="0" ptsTypes="AA">
+                                      <p:cBhvr>
+                                        <p:cTn id="10" dur="500" fill="hold"/>
+                                        <p:tgtEl>
+                                          <p:spTgt spid="3"/>
+                                        </p:tgtEl>
+                                        <p:attrNameLst>
+                                          <p:attrName>ppt_x</p:attrName>
+                                          <p:attrName>ppt_y</p:attrName>
+                                        </p:attrNameLst>
+                                      </p:cBhvr>
+                                      <p:rCtr x="12500" y="0"/>
+                                    </p:animMotion>
+                                  </p:childTnLst>
+                                </p:cTn>
+                              </p:par>
+                            </p:childTnLst>
+                          </p:cTn>
+                        </p:par>
+                      </p:childTnLst>
+                    </p:cTn>
+                  </p:par>
+                </p:childTnLst>
+              </p:cTn>
+              <p:prevCondLst>
+                <p:cond evt="onPrev" delay="0">
+                  <p:tgtEl>
+                    <p:sldTgt/>
+                  </p:tgtEl>
+                </p:cond>
+              </p:prevCondLst>
+              <p:nextCondLst>
+                <p:cond evt="onNext" delay="0">
+                  <p:tgtEl>
+                    <p:sldTgt/>
+                  </p:tgtEl>
+                </p:cond>
+              </p:nextCondLst>
+            </p:seq>
+          </p:childTnLst>
+        </p:cTn>
+      </p:par>
+    </p:tnLst>
+    <p:bldLst>
+      <p:bldP spid="5" grpId="0" animBg="1"/>
+      <p:bldP spid="3" grpId="0" animBg="1"/>
+    </p:bldLst>
+  </p:timing>
+</p:sld>
+</file>
+
+<file path=ppt/slides/slide14.xml><?xml version="1.0" encoding="utf-8"?>
+<p:sld xmlns:a="http://schemas.openxmlformats.org/drawingml/2006/main" xmlns:r="http://schemas.openxmlformats.org/officeDocument/2006/relationships" xmlns:p="http://schemas.openxmlformats.org/presentationml/2006/main">
+  <p:cSld>
+    <p:spTree>
+      <p:nvGrpSpPr>
+        <p:cNvPr id="1" name=""/>
+        <p:cNvGrpSpPr/>
+        <p:nvPr/>
+      </p:nvGrpSpPr>
+      <p:grpSpPr>
+        <a:xfrm>
+          <a:off x="0" y="0"/>
+          <a:ext cx="0" cy="0"/>
+          <a:chOff x="0" y="0"/>
+          <a:chExt cx="0" cy="0"/>
+        </a:xfrm>
+      </p:grpSpPr>
+      <p:sp>
+        <p:nvSpPr>
+          <p:cNvPr id="4" name="椭圆 3"/>
+          <p:cNvSpPr/>
+          <p:nvPr/>
+        </p:nvSpPr>
+        <p:spPr>
+          <a:xfrm>
+            <a:off x="4433455" y="2424545"/>
+            <a:ext cx="2784763" cy="2854037"/>
+          </a:xfrm>
+          <a:prstGeom prst="ellipse">
+            <a:avLst/>
+          </a:prstGeom>
+          <a:solidFill>
+            <a:schemeClr val="accent2"/>
+          </a:solidFill>
+          <a:ln>
+            <a:noFill/>
+          </a:ln>
+          <a:effectLst>
+            <a:outerShdw blurRad="44450" dist="27940" dir="5400000" algn="ctr">
+              <a:srgbClr val="000000">
+                <a:alpha val="32000"/>
+              </a:srgbClr>
+            </a:outerShdw>
+          </a:effectLst>
+          <a:scene3d>
+            <a:camera prst="orthographicFront">
+              <a:rot lat="0" lon="0" rev="0"/>
+            </a:camera>
+            <a:lightRig rig="balanced" dir="t">
+              <a:rot lat="0" lon="0" rev="8700000"/>
+            </a:lightRig>
+          </a:scene3d>
+          <a:sp3d>
+            <a:bevelT w="190500" h="38100"/>
+          </a:sp3d>
+        </p:spPr>
+        <p:style>
+          <a:lnRef idx="2">
+            <a:schemeClr val="accent1">
+              <a:shade val="50000"/>
+            </a:schemeClr>
+          </a:lnRef>
+          <a:fillRef idx="1">
+            <a:schemeClr val="accent1"/>
+          </a:fillRef>
+          <a:effectRef idx="0">
+            <a:schemeClr val="accent1"/>
+          </a:effectRef>
+          <a:fontRef idx="minor">
+            <a:schemeClr val="lt1"/>
+          </a:fontRef>
+        </p:style>
+        <p:txBody>
+          <a:bodyPr rtlCol="0" anchor="ctr"/>
+          <a:lstStyle/>
+          <a:p>
+            <a:pPr algn="ctr"/>
+            <a:r>
+              <a:rPr lang="zh-CN" altLang="en-US" sz="4400" b="1" dirty="0" smtClean="0">
+                <a:latin typeface="SimSun-ExtB" panose="02010609060101010101" pitchFamily="49" charset="-122"/>
+                <a:ea typeface="SimSun-ExtB" panose="02010609060101010101" pitchFamily="49" charset="-122"/>
+              </a:rPr>
+              <a:t>时效性</a:t>
+            </a:r>
+            <a:endParaRPr lang="zh-CN" altLang="en-US" sz="4400" b="1" dirty="0">
+              <a:latin typeface="SimSun-ExtB" panose="02010609060101010101" pitchFamily="49" charset="-122"/>
+              <a:ea typeface="SimSun-ExtB" panose="02010609060101010101" pitchFamily="49" charset="-122"/>
+            </a:endParaRPr>
+          </a:p>
+        </p:txBody>
+      </p:sp>
+      <p:sp>
+        <p:nvSpPr>
+          <p:cNvPr id="3" name="矩形 2"/>
+          <p:cNvSpPr/>
+          <p:nvPr/>
+        </p:nvSpPr>
+        <p:spPr>
+          <a:xfrm>
+            <a:off x="7349067" y="2009046"/>
+            <a:ext cx="2770497" cy="1107996"/>
+          </a:xfrm>
+          <a:prstGeom prst="rect">
+            <a:avLst/>
+          </a:prstGeom>
+          <a:noFill/>
+        </p:spPr>
+        <p:txBody>
+          <a:bodyPr wrap="square" lIns="91440" tIns="45720" rIns="91440" bIns="45720">
+            <a:spAutoFit/>
+          </a:bodyPr>
+          <a:lstStyle/>
+          <a:p>
+            <a:pPr algn="ctr"/>
+            <a:r>
+              <a:rPr lang="zh-CN" altLang="en-US" sz="6600" b="1" dirty="0" smtClean="0">
+                <a:ln w="0"/>
+                <a:solidFill>
+                  <a:schemeClr val="bg1"/>
+                </a:solidFill>
+                <a:effectLst>
+                  <a:outerShdw blurRad="38100" dist="19050" dir="2700000" algn="tl" rotWithShape="0">
+                    <a:schemeClr val="dk1">
+                      <a:alpha val="40000"/>
+                    </a:schemeClr>
+                  </a:outerShdw>
+                </a:effectLst>
+                <a:latin typeface="SimSun-ExtB" panose="02010609060101010101" pitchFamily="49" charset="-122"/>
+                <a:ea typeface="SimSun-ExtB" panose="02010609060101010101" pitchFamily="49" charset="-122"/>
+              </a:rPr>
+              <a:t>内容性</a:t>
+            </a:r>
+            <a:endParaRPr lang="zh-CN" altLang="en-US" sz="6600" b="1" cap="none" spc="0" dirty="0">
+              <a:ln w="0"/>
+              <a:solidFill>
+                <a:schemeClr val="bg1"/>
+              </a:solidFill>
+              <a:effectLst>
+                <a:outerShdw blurRad="38100" dist="19050" dir="2700000" algn="tl" rotWithShape="0">
+                  <a:schemeClr val="dk1">
+                    <a:alpha val="40000"/>
+                  </a:schemeClr>
+                </a:outerShdw>
+              </a:effectLst>
+              <a:latin typeface="SimSun-ExtB" panose="02010609060101010101" pitchFamily="49" charset="-122"/>
+              <a:ea typeface="SimSun-ExtB" panose="02010609060101010101" pitchFamily="49" charset="-122"/>
+            </a:endParaRPr>
+          </a:p>
+        </p:txBody>
+      </p:sp>
+      <p:sp>
+        <p:nvSpPr>
+          <p:cNvPr id="5" name="矩形 4"/>
+          <p:cNvSpPr/>
+          <p:nvPr/>
+        </p:nvSpPr>
+        <p:spPr>
+          <a:xfrm>
+            <a:off x="7349067" y="4278453"/>
+            <a:ext cx="2770497" cy="1107996"/>
+          </a:xfrm>
+          <a:prstGeom prst="rect">
+            <a:avLst/>
+          </a:prstGeom>
+          <a:noFill/>
+        </p:spPr>
+        <p:txBody>
+          <a:bodyPr wrap="square" lIns="91440" tIns="45720" rIns="91440" bIns="45720">
+            <a:spAutoFit/>
+          </a:bodyPr>
+          <a:lstStyle/>
+          <a:p>
+            <a:pPr algn="ctr"/>
+            <a:r>
+              <a:rPr lang="zh-CN" altLang="en-US" sz="6600" b="1" dirty="0">
+                <a:ln w="0"/>
+                <a:solidFill>
+                  <a:schemeClr val="bg1"/>
+                </a:solidFill>
+                <a:effectLst>
+                  <a:outerShdw blurRad="38100" dist="19050" dir="2700000" algn="tl" rotWithShape="0">
+                    <a:schemeClr val="dk1">
+                      <a:alpha val="40000"/>
+                    </a:schemeClr>
+                  </a:outerShdw>
+                </a:effectLst>
+                <a:latin typeface="SimSun-ExtB" panose="02010609060101010101" pitchFamily="49" charset="-122"/>
+                <a:ea typeface="SimSun-ExtB" panose="02010609060101010101" pitchFamily="49" charset="-122"/>
+              </a:rPr>
+              <a:t>时效性</a:t>
+            </a:r>
+            <a:endParaRPr lang="zh-CN" altLang="en-US" sz="6600" b="1" cap="none" spc="0" dirty="0">
+              <a:ln w="0"/>
+              <a:solidFill>
+                <a:schemeClr val="bg1"/>
+              </a:solidFill>
+              <a:effectLst>
+                <a:outerShdw blurRad="38100" dist="19050" dir="2700000" algn="tl" rotWithShape="0">
+                  <a:schemeClr val="dk1">
+                    <a:alpha val="40000"/>
+                  </a:schemeClr>
+                </a:outerShdw>
+              </a:effectLst>
+              <a:latin typeface="SimSun-ExtB" panose="02010609060101010101" pitchFamily="49" charset="-122"/>
+              <a:ea typeface="SimSun-ExtB" panose="02010609060101010101" pitchFamily="49" charset="-122"/>
+            </a:endParaRPr>
+          </a:p>
+        </p:txBody>
+      </p:sp>
+      <p:pic>
+        <p:nvPicPr>
+          <p:cNvPr id="2" name="图片 1"/>
+          <p:cNvPicPr>
+            <a:picLocks noChangeAspect="1"/>
+          </p:cNvPicPr>
+          <p:nvPr/>
+        </p:nvPicPr>
+        <p:blipFill>
+          <a:blip r:embed="rId2">
+            <a:extLst>
+              <a:ext uri="{28A0092B-C50C-407E-A947-70E740481C1C}">
+                <a14:useLocalDpi xmlns:a14="http://schemas.microsoft.com/office/drawing/2010/main" val="0"/>
+              </a:ext>
+            </a:extLst>
+          </a:blip>
+          <a:stretch>
+            <a:fillRect/>
+          </a:stretch>
+        </p:blipFill>
+        <p:spPr>
+          <a:xfrm>
+            <a:off x="7349067" y="252118"/>
+            <a:ext cx="3572933" cy="6351881"/>
+          </a:xfrm>
+          <a:prstGeom prst="rect">
+            <a:avLst/>
+          </a:prstGeom>
+        </p:spPr>
+      </p:pic>
+      <p:sp>
+        <p:nvSpPr>
+          <p:cNvPr id="6" name="矩形 5"/>
+          <p:cNvSpPr/>
+          <p:nvPr/>
+        </p:nvSpPr>
+        <p:spPr>
+          <a:xfrm>
+            <a:off x="9719733" y="4278453"/>
+            <a:ext cx="1202267" cy="553998"/>
+          </a:xfrm>
+          <a:prstGeom prst="rect">
+            <a:avLst/>
+          </a:prstGeom>
+          <a:noFill/>
+          <a:ln w="76200">
+            <a:solidFill>
+              <a:srgbClr val="FF0000"/>
+            </a:solidFill>
+          </a:ln>
+        </p:spPr>
+        <p:style>
+          <a:lnRef idx="2">
+            <a:schemeClr val="accent1">
+              <a:shade val="50000"/>
+            </a:schemeClr>
+          </a:lnRef>
+          <a:fillRef idx="1">
+            <a:schemeClr val="accent1"/>
+          </a:fillRef>
+          <a:effectRef idx="0">
+            <a:schemeClr val="accent1"/>
+          </a:effectRef>
+          <a:fontRef idx="minor">
+            <a:schemeClr val="lt1"/>
+          </a:fontRef>
+        </p:style>
+        <p:txBody>
+          <a:bodyPr rtlCol="0" anchor="ctr"/>
+          <a:lstStyle/>
+          <a:p>
+            <a:pPr algn="ctr"/>
+            <a:endParaRPr lang="zh-CN" altLang="en-US"/>
+          </a:p>
+        </p:txBody>
+      </p:sp>
+    </p:spTree>
+    <p:extLst>
+      <p:ext uri="{BB962C8B-B14F-4D97-AF65-F5344CB8AC3E}">
+        <p14:creationId xmlns:p14="http://schemas.microsoft.com/office/powerpoint/2010/main" val="2314635447"/>
+      </p:ext>
+    </p:extLst>
+  </p:cSld>
+  <p:clrMapOvr>
+    <a:masterClrMapping/>
+  </p:clrMapOvr>
+  <mc:AlternateContent xmlns:mc="http://schemas.openxmlformats.org/markup-compatibility/2006" xmlns:p14="http://schemas.microsoft.com/office/powerpoint/2010/main">
+    <mc:Choice Requires="p14">
+      <p:transition spd="slow" p14:dur="2000"/>
+    </mc:Choice>
+    <mc:Fallback xmlns="">
+      <p:transition spd="slow"/>
+    </mc:Fallback>
+  </mc:AlternateContent>
+  <p:timing>
+    <p:tnLst>
+      <p:par>
+        <p:cTn id="1" dur="indefinite" restart="never" nodeType="tmRoot">
+          <p:childTnLst>
+            <p:seq concurrent="1" nextAc="seek">
+              <p:cTn id="2" dur="indefinite" nodeType="mainSeq">
+                <p:childTnLst>
+                  <p:par>
+                    <p:cTn id="3" fill="hold">
+                      <p:stCondLst>
+                        <p:cond delay="indefinite"/>
+                      </p:stCondLst>
+                      <p:childTnLst>
+                        <p:par>
+                          <p:cTn id="4" fill="hold">
+                            <p:stCondLst>
+                              <p:cond delay="0"/>
+                            </p:stCondLst>
+                            <p:childTnLst>
+                              <p:par>
+                                <p:cTn id="5" presetID="35" presetClass="path" presetSubtype="0" accel="50000" decel="50000" fill="hold" grpId="0" nodeType="clickEffect">
+                                  <p:stCondLst>
+                                    <p:cond delay="0"/>
+                                  </p:stCondLst>
+                                  <p:childTnLst>
+                                    <p:animMotion origin="layout" path="M 0 0 L -0.25 0 E" pathEditMode="relative" ptsTypes="">
+                                      <p:cBhvr>
+                                        <p:cTn id="6" dur="2000" fill="hold"/>
+                                        <p:tgtEl>
+                                          <p:spTgt spid="4"/>
+                                        </p:tgtEl>
+                                        <p:attrNameLst>
+                                          <p:attrName>ppt_x</p:attrName>
+                                          <p:attrName>ppt_y</p:attrName>
+                                        </p:attrNameLst>
+                                      </p:cBhvr>
+                                    </p:animMotion>
+                                  </p:childTnLst>
+                                </p:cTn>
+                              </p:par>
+                            </p:childTnLst>
+                          </p:cTn>
+                        </p:par>
+                      </p:childTnLst>
+                    </p:cTn>
+                  </p:par>
+                  <p:par>
+                    <p:cTn id="7" fill="hold">
+                      <p:stCondLst>
+                        <p:cond delay="indefinite"/>
+                      </p:stCondLst>
+                      <p:childTnLst>
+                        <p:par>
+                          <p:cTn id="8" fill="hold">
+                            <p:stCondLst>
+                              <p:cond delay="0"/>
+                            </p:stCondLst>
+                            <p:childTnLst>
+                              <p:par>
+                                <p:cTn id="9" presetID="1" presetClass="entr" presetSubtype="0" fill="hold" grpId="0" nodeType="clickEffect">
+                                  <p:stCondLst>
+                                    <p:cond delay="0"/>
+                                  </p:stCondLst>
+                                  <p:childTnLst>
+                                    <p:set>
+                                      <p:cBhvr>
+                                        <p:cTn id="10" dur="1" fill="hold">
+                                          <p:stCondLst>
+                                            <p:cond delay="0"/>
+                                          </p:stCondLst>
+                                        </p:cTn>
+                                        <p:tgtEl>
+                                          <p:spTgt spid="3"/>
+                                        </p:tgtEl>
+                                        <p:attrNameLst>
+                                          <p:attrName>style.visibility</p:attrName>
+                                        </p:attrNameLst>
+                                      </p:cBhvr>
+                                      <p:to>
+                                        <p:strVal val="visible"/>
+                                      </p:to>
+                                    </p:set>
+                                  </p:childTnLst>
+                                </p:cTn>
+                              </p:par>
+                            </p:childTnLst>
+                          </p:cTn>
+                        </p:par>
+                      </p:childTnLst>
+                    </p:cTn>
+                  </p:par>
+                  <p:par>
+                    <p:cTn id="11" fill="hold">
+                      <p:stCondLst>
+                        <p:cond delay="indefinite"/>
+                      </p:stCondLst>
+                      <p:childTnLst>
+                        <p:par>
+                          <p:cTn id="12" fill="hold">
+                            <p:stCondLst>
+                              <p:cond delay="0"/>
+                            </p:stCondLst>
+                            <p:childTnLst>
+                              <p:par>
+                                <p:cTn id="13" presetID="1" presetClass="entr" presetSubtype="0" fill="hold" grpId="0" nodeType="clickEffect">
+                                  <p:stCondLst>
+                                    <p:cond delay="0"/>
+                                  </p:stCondLst>
+                                  <p:childTnLst>
+                                    <p:set>
+                                      <p:cBhvr>
+                                        <p:cTn id="14" dur="1" fill="hold">
+                                          <p:stCondLst>
+                                            <p:cond delay="0"/>
+                                          </p:stCondLst>
+                                        </p:cTn>
+                                        <p:tgtEl>
+                                          <p:spTgt spid="5"/>
+                                        </p:tgtEl>
+                                        <p:attrNameLst>
+                                          <p:attrName>style.visibility</p:attrName>
+                                        </p:attrNameLst>
+                                      </p:cBhvr>
+                                      <p:to>
+                                        <p:strVal val="visible"/>
+                                      </p:to>
+                                    </p:set>
+                                  </p:childTnLst>
+                                </p:cTn>
+                              </p:par>
+                            </p:childTnLst>
+                          </p:cTn>
+                        </p:par>
+                      </p:childTnLst>
+                    </p:cTn>
+                  </p:par>
+                  <p:par>
+                    <p:cTn id="15" fill="hold">
+                      <p:stCondLst>
+                        <p:cond delay="indefinite"/>
+                      </p:stCondLst>
+                      <p:childTnLst>
+                        <p:par>
+                          <p:cTn id="16" fill="hold">
+                            <p:stCondLst>
+                              <p:cond delay="0"/>
+                            </p:stCondLst>
+                            <p:childTnLst>
+                              <p:par>
+                                <p:cTn id="17" presetID="1" presetClass="entr" presetSubtype="0" fill="hold" nodeType="clickEffect">
+                                  <p:stCondLst>
+                                    <p:cond delay="0"/>
+                                  </p:stCondLst>
+                                  <p:childTnLst>
+                                    <p:set>
+                                      <p:cBhvr>
+                                        <p:cTn id="18" dur="1" fill="hold">
+                                          <p:stCondLst>
+                                            <p:cond delay="0"/>
+                                          </p:stCondLst>
+                                        </p:cTn>
+                                        <p:tgtEl>
+                                          <p:spTgt spid="2"/>
+                                        </p:tgtEl>
+                                        <p:attrNameLst>
+                                          <p:attrName>style.visibility</p:attrName>
+                                        </p:attrNameLst>
+                                      </p:cBhvr>
+                                      <p:to>
+                                        <p:strVal val="visible"/>
+                                      </p:to>
+                                    </p:set>
+                                  </p:childTnLst>
+                                </p:cTn>
+                              </p:par>
+                            </p:childTnLst>
+                          </p:cTn>
+                        </p:par>
+                      </p:childTnLst>
+                    </p:cTn>
+                  </p:par>
+                  <p:par>
+                    <p:cTn id="19" fill="hold">
+                      <p:stCondLst>
+                        <p:cond delay="indefinite"/>
+                      </p:stCondLst>
+                      <p:childTnLst>
+                        <p:par>
+                          <p:cTn id="20" fill="hold">
+                            <p:stCondLst>
+                              <p:cond delay="0"/>
+                            </p:stCondLst>
+                            <p:childTnLst>
+                              <p:par>
+                                <p:cTn id="21" presetID="1" presetClass="entr" presetSubtype="0" fill="hold" grpId="0" nodeType="clickEffect">
+                                  <p:stCondLst>
+                                    <p:cond delay="0"/>
+                                  </p:stCondLst>
+                                  <p:childTnLst>
+                                    <p:set>
+                                      <p:cBhvr>
+                                        <p:cTn id="22" dur="1" fill="hold">
+                                          <p:stCondLst>
+                                            <p:cond delay="0"/>
+                                          </p:stCondLst>
+                                        </p:cTn>
+                                        <p:tgtEl>
+                                          <p:spTgt spid="6"/>
+                                        </p:tgtEl>
+                                        <p:attrNameLst>
+                                          <p:attrName>style.visibility</p:attrName>
+                                        </p:attrNameLst>
+                                      </p:cBhvr>
+                                      <p:to>
+                                        <p:strVal val="visible"/>
+                                      </p:to>
+                                    </p:set>
+                                  </p:childTnLst>
+                                </p:cTn>
+                              </p:par>
+                            </p:childTnLst>
+                          </p:cTn>
+                        </p:par>
+                      </p:childTnLst>
+                    </p:cTn>
+                  </p:par>
+                </p:childTnLst>
+              </p:cTn>
+              <p:prevCondLst>
+                <p:cond evt="onPrev" delay="0">
+                  <p:tgtEl>
+                    <p:sldTgt/>
+                  </p:tgtEl>
+                </p:cond>
+              </p:prevCondLst>
+              <p:nextCondLst>
+                <p:cond evt="onNext" delay="0">
+                  <p:tgtEl>
+                    <p:sldTgt/>
+                  </p:tgtEl>
+                </p:cond>
+              </p:nextCondLst>
+            </p:seq>
+          </p:childTnLst>
+        </p:cTn>
+      </p:par>
+    </p:tnLst>
+    <p:bldLst>
+      <p:bldP spid="4" grpId="0" animBg="1"/>
+      <p:bldP spid="3" grpId="0"/>
+      <p:bldP spid="5" grpId="0"/>
+      <p:bldP spid="6" grpId="0" animBg="1"/>
+    </p:bldLst>
+  </p:timing>
+</p:sld>
+</file>
+
+<file path=ppt/slides/slide15.xml><?xml version="1.0" encoding="utf-8"?>
+<p:sld xmlns:a="http://schemas.openxmlformats.org/drawingml/2006/main" xmlns:r="http://schemas.openxmlformats.org/officeDocument/2006/relationships" xmlns:p="http://schemas.openxmlformats.org/presentationml/2006/main">
+  <p:cSld>
+    <p:spTree>
+      <p:nvGrpSpPr>
+        <p:cNvPr id="1" name=""/>
+        <p:cNvGrpSpPr/>
+        <p:nvPr/>
+      </p:nvGrpSpPr>
+      <p:grpSpPr>
+        <a:xfrm>
+          <a:off x="0" y="0"/>
+          <a:ext cx="0" cy="0"/>
+          <a:chOff x="0" y="0"/>
+          <a:chExt cx="0" cy="0"/>
+        </a:xfrm>
+      </p:grpSpPr>
+      <p:sp>
+        <p:nvSpPr>
+          <p:cNvPr id="3" name="椭圆 2"/>
+          <p:cNvSpPr/>
+          <p:nvPr/>
+        </p:nvSpPr>
+        <p:spPr>
+          <a:xfrm>
+            <a:off x="983673" y="2424545"/>
+            <a:ext cx="2784763" cy="2854037"/>
+          </a:xfrm>
+          <a:prstGeom prst="ellipse">
+            <a:avLst/>
+          </a:prstGeom>
+          <a:solidFill>
+            <a:schemeClr val="accent2"/>
+          </a:solidFill>
+          <a:ln>
+            <a:noFill/>
+          </a:ln>
+          <a:effectLst>
+            <a:outerShdw blurRad="44450" dist="27940" dir="5400000" algn="ctr">
+              <a:srgbClr val="000000">
+                <a:alpha val="32000"/>
+              </a:srgbClr>
+            </a:outerShdw>
+          </a:effectLst>
+          <a:scene3d>
+            <a:camera prst="orthographicFront">
+              <a:rot lat="0" lon="0" rev="0"/>
+            </a:camera>
+            <a:lightRig rig="balanced" dir="t">
+              <a:rot lat="0" lon="0" rev="8700000"/>
+            </a:lightRig>
+          </a:scene3d>
+          <a:sp3d>
+            <a:bevelT w="190500" h="38100"/>
+          </a:sp3d>
+        </p:spPr>
+        <p:style>
+          <a:lnRef idx="2">
+            <a:schemeClr val="accent1">
+              <a:shade val="50000"/>
+            </a:schemeClr>
+          </a:lnRef>
+          <a:fillRef idx="1">
+            <a:schemeClr val="accent1"/>
+          </a:fillRef>
+          <a:effectRef idx="0">
+            <a:schemeClr val="accent1"/>
+          </a:effectRef>
+          <a:fontRef idx="minor">
+            <a:schemeClr val="lt1"/>
+          </a:fontRef>
+        </p:style>
+        <p:txBody>
+          <a:bodyPr rtlCol="0" anchor="ctr"/>
+          <a:lstStyle/>
+          <a:p>
+            <a:pPr algn="ctr"/>
+            <a:r>
+              <a:rPr lang="zh-CN" altLang="en-US" sz="4400" b="1" dirty="0" smtClean="0">
+                <a:latin typeface="SimSun-ExtB" panose="02010609060101010101" pitchFamily="49" charset="-122"/>
+                <a:ea typeface="SimSun-ExtB" panose="02010609060101010101" pitchFamily="49" charset="-122"/>
+              </a:rPr>
+              <a:t>针对性</a:t>
+            </a:r>
+            <a:endParaRPr lang="zh-CN" altLang="en-US" sz="4400" b="1" dirty="0">
+              <a:latin typeface="SimSun-ExtB" panose="02010609060101010101" pitchFamily="49" charset="-122"/>
+              <a:ea typeface="SimSun-ExtB" panose="02010609060101010101" pitchFamily="49" charset="-122"/>
+            </a:endParaRPr>
+          </a:p>
+        </p:txBody>
+      </p:sp>
+      <p:sp>
+        <p:nvSpPr>
+          <p:cNvPr id="4" name="椭圆 3"/>
+          <p:cNvSpPr/>
+          <p:nvPr/>
+        </p:nvSpPr>
+        <p:spPr>
+          <a:xfrm>
+            <a:off x="4433455" y="2424545"/>
+            <a:ext cx="2784763" cy="2854037"/>
+          </a:xfrm>
+          <a:prstGeom prst="ellipse">
+            <a:avLst/>
+          </a:prstGeom>
+          <a:solidFill>
+            <a:schemeClr val="accent2"/>
+          </a:solidFill>
+          <a:ln>
+            <a:noFill/>
+          </a:ln>
+          <a:effectLst>
+            <a:outerShdw blurRad="44450" dist="27940" dir="5400000" algn="ctr">
+              <a:srgbClr val="000000">
+                <a:alpha val="32000"/>
+              </a:srgbClr>
+            </a:outerShdw>
+          </a:effectLst>
+          <a:scene3d>
+            <a:camera prst="orthographicFront">
+              <a:rot lat="0" lon="0" rev="0"/>
+            </a:camera>
+            <a:lightRig rig="balanced" dir="t">
+              <a:rot lat="0" lon="0" rev="8700000"/>
+            </a:lightRig>
+          </a:scene3d>
+          <a:sp3d>
+            <a:bevelT w="190500" h="38100"/>
+          </a:sp3d>
+        </p:spPr>
+        <p:style>
+          <a:lnRef idx="2">
+            <a:schemeClr val="accent1">
+              <a:shade val="50000"/>
+            </a:schemeClr>
+          </a:lnRef>
+          <a:fillRef idx="1">
+            <a:schemeClr val="accent1"/>
+          </a:fillRef>
+          <a:effectRef idx="0">
+            <a:schemeClr val="accent1"/>
+          </a:effectRef>
+          <a:fontRef idx="minor">
+            <a:schemeClr val="lt1"/>
+          </a:fontRef>
+        </p:style>
+        <p:txBody>
+          <a:bodyPr rtlCol="0" anchor="ctr"/>
+          <a:lstStyle/>
+          <a:p>
+            <a:pPr algn="ctr"/>
+            <a:r>
+              <a:rPr lang="zh-CN" altLang="en-US" sz="4400" b="1" dirty="0" smtClean="0">
+                <a:latin typeface="SimSun-ExtB" panose="02010609060101010101" pitchFamily="49" charset="-122"/>
+                <a:ea typeface="SimSun-ExtB" panose="02010609060101010101" pitchFamily="49" charset="-122"/>
+              </a:rPr>
+              <a:t>时效性</a:t>
+            </a:r>
+            <a:endParaRPr lang="zh-CN" altLang="en-US" sz="4400" b="1" dirty="0">
+              <a:latin typeface="SimSun-ExtB" panose="02010609060101010101" pitchFamily="49" charset="-122"/>
+              <a:ea typeface="SimSun-ExtB" panose="02010609060101010101" pitchFamily="49" charset="-122"/>
+            </a:endParaRPr>
+          </a:p>
+        </p:txBody>
+      </p:sp>
       <p:sp>
         <p:nvSpPr>
           <p:cNvPr id="5" name="椭圆 4"/>
@@ -5890,6 +6122,2945 @@
     </p:spTree>
     <p:extLst>
       <p:ext uri="{BB962C8B-B14F-4D97-AF65-F5344CB8AC3E}">
+        <p14:creationId xmlns:p14="http://schemas.microsoft.com/office/powerpoint/2010/main" val="1623460614"/>
+      </p:ext>
+    </p:extLst>
+  </p:cSld>
+  <p:clrMapOvr>
+    <a:masterClrMapping/>
+  </p:clrMapOvr>
+  <mc:AlternateContent xmlns:mc="http://schemas.openxmlformats.org/markup-compatibility/2006" xmlns:p14="http://schemas.microsoft.com/office/powerpoint/2010/main">
+    <mc:Choice Requires="p14">
+      <p:transition spd="slow" p14:dur="2000"/>
+    </mc:Choice>
+    <mc:Fallback xmlns="">
+      <p:transition spd="slow"/>
+    </mc:Fallback>
+  </mc:AlternateContent>
+  <p:timing>
+    <p:tnLst>
+      <p:par>
+        <p:cTn id="1" dur="indefinite" restart="never" nodeType="tmRoot">
+          <p:childTnLst>
+            <p:seq concurrent="1" nextAc="seek">
+              <p:cTn id="2" dur="indefinite" nodeType="mainSeq">
+                <p:childTnLst>
+                  <p:par>
+                    <p:cTn id="3" fill="hold">
+                      <p:stCondLst>
+                        <p:cond delay="indefinite"/>
+                      </p:stCondLst>
+                      <p:childTnLst>
+                        <p:par>
+                          <p:cTn id="4" fill="hold">
+                            <p:stCondLst>
+                              <p:cond delay="0"/>
+                            </p:stCondLst>
+                            <p:childTnLst>
+                              <p:par>
+                                <p:cTn id="5" presetID="63" presetClass="path" presetSubtype="0" accel="50000" decel="50000" fill="hold" grpId="0" nodeType="clickEffect">
+                                  <p:stCondLst>
+                                    <p:cond delay="0"/>
+                                  </p:stCondLst>
+                                  <p:childTnLst>
+                                    <p:animMotion origin="layout" path="M 0.03294 0.00209 L 0.28294 0.00209 " pathEditMode="relative" rAng="0" ptsTypes="AA">
+                                      <p:cBhvr>
+                                        <p:cTn id="6" dur="500" fill="hold"/>
+                                        <p:tgtEl>
+                                          <p:spTgt spid="3"/>
+                                        </p:tgtEl>
+                                        <p:attrNameLst>
+                                          <p:attrName>ppt_x</p:attrName>
+                                          <p:attrName>ppt_y</p:attrName>
+                                        </p:attrNameLst>
+                                      </p:cBhvr>
+                                      <p:rCtr x="12500" y="0"/>
+                                    </p:animMotion>
+                                  </p:childTnLst>
+                                </p:cTn>
+                              </p:par>
+                            </p:childTnLst>
+                          </p:cTn>
+                        </p:par>
+                      </p:childTnLst>
+                    </p:cTn>
+                  </p:par>
+                  <p:par>
+                    <p:cTn id="7" fill="hold">
+                      <p:stCondLst>
+                        <p:cond delay="indefinite"/>
+                      </p:stCondLst>
+                      <p:childTnLst>
+                        <p:par>
+                          <p:cTn id="8" fill="hold">
+                            <p:stCondLst>
+                              <p:cond delay="0"/>
+                            </p:stCondLst>
+                            <p:childTnLst>
+                              <p:par>
+                                <p:cTn id="9" presetID="35" presetClass="path" presetSubtype="0" accel="50000" decel="50000" fill="hold" grpId="0" nodeType="clickEffect">
+                                  <p:stCondLst>
+                                    <p:cond delay="0"/>
+                                  </p:stCondLst>
+                                  <p:childTnLst>
+                                    <p:animMotion origin="layout" path="M -0.03295 -0.00393 L -0.28295 -0.00393 " pathEditMode="relative" rAng="0" ptsTypes="AA">
+                                      <p:cBhvr>
+                                        <p:cTn id="10" dur="500" fill="hold"/>
+                                        <p:tgtEl>
+                                          <p:spTgt spid="5"/>
+                                        </p:tgtEl>
+                                        <p:attrNameLst>
+                                          <p:attrName>ppt_x</p:attrName>
+                                          <p:attrName>ppt_y</p:attrName>
+                                        </p:attrNameLst>
+                                      </p:cBhvr>
+                                      <p:rCtr x="-12500" y="0"/>
+                                    </p:animMotion>
+                                  </p:childTnLst>
+                                </p:cTn>
+                              </p:par>
+                            </p:childTnLst>
+                          </p:cTn>
+                        </p:par>
+                      </p:childTnLst>
+                    </p:cTn>
+                  </p:par>
+                </p:childTnLst>
+              </p:cTn>
+              <p:prevCondLst>
+                <p:cond evt="onPrev" delay="0">
+                  <p:tgtEl>
+                    <p:sldTgt/>
+                  </p:tgtEl>
+                </p:cond>
+              </p:prevCondLst>
+              <p:nextCondLst>
+                <p:cond evt="onNext" delay="0">
+                  <p:tgtEl>
+                    <p:sldTgt/>
+                  </p:tgtEl>
+                </p:cond>
+              </p:nextCondLst>
+            </p:seq>
+          </p:childTnLst>
+        </p:cTn>
+      </p:par>
+    </p:tnLst>
+    <p:bldLst>
+      <p:bldP spid="3" grpId="0" animBg="1"/>
+      <p:bldP spid="5" grpId="0" animBg="1"/>
+    </p:bldLst>
+  </p:timing>
+</p:sld>
+</file>
+
+<file path=ppt/slides/slide16.xml><?xml version="1.0" encoding="utf-8"?>
+<p:sld xmlns:a="http://schemas.openxmlformats.org/drawingml/2006/main" xmlns:r="http://schemas.openxmlformats.org/officeDocument/2006/relationships" xmlns:p="http://schemas.openxmlformats.org/presentationml/2006/main">
+  <p:cSld>
+    <p:spTree>
+      <p:nvGrpSpPr>
+        <p:cNvPr id="1" name=""/>
+        <p:cNvGrpSpPr/>
+        <p:nvPr/>
+      </p:nvGrpSpPr>
+      <p:grpSpPr>
+        <a:xfrm>
+          <a:off x="0" y="0"/>
+          <a:ext cx="0" cy="0"/>
+          <a:chOff x="0" y="0"/>
+          <a:chExt cx="0" cy="0"/>
+        </a:xfrm>
+      </p:grpSpPr>
+      <p:sp>
+        <p:nvSpPr>
+          <p:cNvPr id="5" name="椭圆 4"/>
+          <p:cNvSpPr/>
+          <p:nvPr/>
+        </p:nvSpPr>
+        <p:spPr>
+          <a:xfrm>
+            <a:off x="4488873" y="2410690"/>
+            <a:ext cx="2784763" cy="2854037"/>
+          </a:xfrm>
+          <a:prstGeom prst="ellipse">
+            <a:avLst/>
+          </a:prstGeom>
+          <a:solidFill>
+            <a:schemeClr val="accent2"/>
+          </a:solidFill>
+          <a:ln>
+            <a:noFill/>
+          </a:ln>
+          <a:effectLst>
+            <a:outerShdw blurRad="44450" dist="27940" dir="5400000" algn="ctr">
+              <a:srgbClr val="000000">
+                <a:alpha val="32000"/>
+              </a:srgbClr>
+            </a:outerShdw>
+          </a:effectLst>
+          <a:scene3d>
+            <a:camera prst="orthographicFront">
+              <a:rot lat="0" lon="0" rev="0"/>
+            </a:camera>
+            <a:lightRig rig="balanced" dir="t">
+              <a:rot lat="0" lon="0" rev="8700000"/>
+            </a:lightRig>
+          </a:scene3d>
+          <a:sp3d>
+            <a:bevelT w="190500" h="38100"/>
+          </a:sp3d>
+        </p:spPr>
+        <p:style>
+          <a:lnRef idx="2">
+            <a:schemeClr val="accent1">
+              <a:shade val="50000"/>
+            </a:schemeClr>
+          </a:lnRef>
+          <a:fillRef idx="1">
+            <a:schemeClr val="accent1"/>
+          </a:fillRef>
+          <a:effectRef idx="0">
+            <a:schemeClr val="accent1"/>
+          </a:effectRef>
+          <a:fontRef idx="minor">
+            <a:schemeClr val="lt1"/>
+          </a:fontRef>
+        </p:style>
+        <p:txBody>
+          <a:bodyPr rtlCol="0" anchor="ctr"/>
+          <a:lstStyle/>
+          <a:p>
+            <a:pPr algn="ctr"/>
+            <a:r>
+              <a:rPr lang="zh-CN" altLang="en-US" sz="4400" b="1" dirty="0">
+                <a:latin typeface="SimSun-ExtB" panose="02010609060101010101" pitchFamily="49" charset="-122"/>
+                <a:ea typeface="SimSun-ExtB" panose="02010609060101010101" pitchFamily="49" charset="-122"/>
+              </a:rPr>
+              <a:t>社交性</a:t>
+            </a:r>
+          </a:p>
+        </p:txBody>
+      </p:sp>
+      <p:sp>
+        <p:nvSpPr>
+          <p:cNvPr id="3" name="矩形 2"/>
+          <p:cNvSpPr/>
+          <p:nvPr/>
+        </p:nvSpPr>
+        <p:spPr>
+          <a:xfrm>
+            <a:off x="7273636" y="1856692"/>
+            <a:ext cx="3703782" cy="1107996"/>
+          </a:xfrm>
+          <a:prstGeom prst="rect">
+            <a:avLst/>
+          </a:prstGeom>
+          <a:noFill/>
+        </p:spPr>
+        <p:txBody>
+          <a:bodyPr wrap="square" lIns="91440" tIns="45720" rIns="91440" bIns="45720">
+            <a:spAutoFit/>
+          </a:bodyPr>
+          <a:lstStyle/>
+          <a:p>
+            <a:pPr algn="ctr"/>
+            <a:r>
+              <a:rPr lang="zh-CN" altLang="en-US" sz="6600" b="1" dirty="0" smtClean="0">
+                <a:ln w="0"/>
+                <a:solidFill>
+                  <a:schemeClr val="bg1"/>
+                </a:solidFill>
+                <a:effectLst>
+                  <a:outerShdw blurRad="38100" dist="19050" dir="2700000" algn="tl" rotWithShape="0">
+                    <a:schemeClr val="dk1">
+                      <a:alpha val="40000"/>
+                    </a:schemeClr>
+                  </a:outerShdw>
+                </a:effectLst>
+                <a:latin typeface="SimSun-ExtB" panose="02010609060101010101" pitchFamily="49" charset="-122"/>
+                <a:ea typeface="SimSun-ExtB" panose="02010609060101010101" pitchFamily="49" charset="-122"/>
+              </a:rPr>
+              <a:t>问题</a:t>
+            </a:r>
+            <a:endParaRPr lang="en-US" altLang="zh-CN" sz="6600" b="1" dirty="0" smtClean="0">
+              <a:ln w="0"/>
+              <a:solidFill>
+                <a:schemeClr val="bg1"/>
+              </a:solidFill>
+              <a:effectLst>
+                <a:outerShdw blurRad="38100" dist="19050" dir="2700000" algn="tl" rotWithShape="0">
+                  <a:schemeClr val="dk1">
+                    <a:alpha val="40000"/>
+                  </a:schemeClr>
+                </a:outerShdw>
+              </a:effectLst>
+              <a:latin typeface="SimSun-ExtB" panose="02010609060101010101" pitchFamily="49" charset="-122"/>
+              <a:ea typeface="SimSun-ExtB" panose="02010609060101010101" pitchFamily="49" charset="-122"/>
+            </a:endParaRPr>
+          </a:p>
+        </p:txBody>
+      </p:sp>
+      <p:sp>
+        <p:nvSpPr>
+          <p:cNvPr id="4" name="矩形 3"/>
+          <p:cNvSpPr/>
+          <p:nvPr/>
+        </p:nvSpPr>
+        <p:spPr>
+          <a:xfrm>
+            <a:off x="7273636" y="4156731"/>
+            <a:ext cx="3703782" cy="1107996"/>
+          </a:xfrm>
+          <a:prstGeom prst="rect">
+            <a:avLst/>
+          </a:prstGeom>
+          <a:noFill/>
+        </p:spPr>
+        <p:txBody>
+          <a:bodyPr wrap="square" lIns="91440" tIns="45720" rIns="91440" bIns="45720">
+            <a:spAutoFit/>
+          </a:bodyPr>
+          <a:lstStyle/>
+          <a:p>
+            <a:pPr algn="ctr"/>
+            <a:r>
+              <a:rPr lang="zh-CN" altLang="en-US" sz="6600" b="1" dirty="0">
+                <a:ln w="0"/>
+                <a:solidFill>
+                  <a:schemeClr val="bg1"/>
+                </a:solidFill>
+                <a:effectLst>
+                  <a:outerShdw blurRad="38100" dist="19050" dir="2700000" algn="tl" rotWithShape="0">
+                    <a:schemeClr val="dk1">
+                      <a:alpha val="40000"/>
+                    </a:schemeClr>
+                  </a:outerShdw>
+                </a:effectLst>
+                <a:latin typeface="SimSun-ExtB" panose="02010609060101010101" pitchFamily="49" charset="-122"/>
+                <a:ea typeface="SimSun-ExtB" panose="02010609060101010101" pitchFamily="49" charset="-122"/>
+              </a:rPr>
+              <a:t>关注</a:t>
+            </a:r>
+            <a:endParaRPr lang="en-US" altLang="zh-CN" sz="6600" b="1" dirty="0" smtClean="0">
+              <a:ln w="0"/>
+              <a:solidFill>
+                <a:schemeClr val="bg1"/>
+              </a:solidFill>
+              <a:effectLst>
+                <a:outerShdw blurRad="38100" dist="19050" dir="2700000" algn="tl" rotWithShape="0">
+                  <a:schemeClr val="dk1">
+                    <a:alpha val="40000"/>
+                  </a:schemeClr>
+                </a:outerShdw>
+              </a:effectLst>
+              <a:latin typeface="SimSun-ExtB" panose="02010609060101010101" pitchFamily="49" charset="-122"/>
+              <a:ea typeface="SimSun-ExtB" panose="02010609060101010101" pitchFamily="49" charset="-122"/>
+            </a:endParaRPr>
+          </a:p>
+        </p:txBody>
+      </p:sp>
+    </p:spTree>
+    <p:extLst>
+      <p:ext uri="{BB962C8B-B14F-4D97-AF65-F5344CB8AC3E}">
+        <p14:creationId xmlns:p14="http://schemas.microsoft.com/office/powerpoint/2010/main" val="1821353424"/>
+      </p:ext>
+    </p:extLst>
+  </p:cSld>
+  <p:clrMapOvr>
+    <a:masterClrMapping/>
+  </p:clrMapOvr>
+  <mc:AlternateContent xmlns:mc="http://schemas.openxmlformats.org/markup-compatibility/2006" xmlns:p14="http://schemas.microsoft.com/office/powerpoint/2010/main">
+    <mc:Choice Requires="p14">
+      <p:transition spd="slow" p14:dur="2000"/>
+    </mc:Choice>
+    <mc:Fallback xmlns="">
+      <p:transition spd="slow"/>
+    </mc:Fallback>
+  </mc:AlternateContent>
+  <p:timing>
+    <p:tnLst>
+      <p:par>
+        <p:cTn id="1" dur="indefinite" restart="never" nodeType="tmRoot">
+          <p:childTnLst>
+            <p:seq concurrent="1" nextAc="seek">
+              <p:cTn id="2" dur="indefinite" nodeType="mainSeq">
+                <p:childTnLst>
+                  <p:par>
+                    <p:cTn id="3" fill="hold">
+                      <p:stCondLst>
+                        <p:cond delay="indefinite"/>
+                      </p:stCondLst>
+                      <p:childTnLst>
+                        <p:par>
+                          <p:cTn id="4" fill="hold">
+                            <p:stCondLst>
+                              <p:cond delay="0"/>
+                            </p:stCondLst>
+                            <p:childTnLst>
+                              <p:par>
+                                <p:cTn id="5" presetID="35" presetClass="path" presetSubtype="0" accel="50000" decel="50000" fill="hold" grpId="0" nodeType="clickEffect">
+                                  <p:stCondLst>
+                                    <p:cond delay="0"/>
+                                  </p:stCondLst>
+                                  <p:childTnLst>
+                                    <p:animMotion origin="layout" path="M 0 0 L -0.25 0 E" pathEditMode="relative" ptsTypes="">
+                                      <p:cBhvr>
+                                        <p:cTn id="6" dur="2000" fill="hold"/>
+                                        <p:tgtEl>
+                                          <p:spTgt spid="5"/>
+                                        </p:tgtEl>
+                                        <p:attrNameLst>
+                                          <p:attrName>ppt_x</p:attrName>
+                                          <p:attrName>ppt_y</p:attrName>
+                                        </p:attrNameLst>
+                                      </p:cBhvr>
+                                    </p:animMotion>
+                                  </p:childTnLst>
+                                </p:cTn>
+                              </p:par>
+                            </p:childTnLst>
+                          </p:cTn>
+                        </p:par>
+                      </p:childTnLst>
+                    </p:cTn>
+                  </p:par>
+                </p:childTnLst>
+              </p:cTn>
+              <p:prevCondLst>
+                <p:cond evt="onPrev" delay="0">
+                  <p:tgtEl>
+                    <p:sldTgt/>
+                  </p:tgtEl>
+                </p:cond>
+              </p:prevCondLst>
+              <p:nextCondLst>
+                <p:cond evt="onNext" delay="0">
+                  <p:tgtEl>
+                    <p:sldTgt/>
+                  </p:tgtEl>
+                </p:cond>
+              </p:nextCondLst>
+            </p:seq>
+          </p:childTnLst>
+        </p:cTn>
+      </p:par>
+    </p:tnLst>
+    <p:bldLst>
+      <p:bldP spid="5" grpId="0" animBg="1"/>
+    </p:bldLst>
+  </p:timing>
+</p:sld>
+</file>
+
+<file path=ppt/slides/slide17.xml><?xml version="1.0" encoding="utf-8"?>
+<p:sld xmlns:a="http://schemas.openxmlformats.org/drawingml/2006/main" xmlns:r="http://schemas.openxmlformats.org/officeDocument/2006/relationships" xmlns:p="http://schemas.openxmlformats.org/presentationml/2006/main">
+  <p:cSld>
+    <p:spTree>
+      <p:nvGrpSpPr>
+        <p:cNvPr id="1" name=""/>
+        <p:cNvGrpSpPr/>
+        <p:nvPr/>
+      </p:nvGrpSpPr>
+      <p:grpSpPr>
+        <a:xfrm>
+          <a:off x="0" y="0"/>
+          <a:ext cx="0" cy="0"/>
+          <a:chOff x="0" y="0"/>
+          <a:chExt cx="0" cy="0"/>
+        </a:xfrm>
+      </p:grpSpPr>
+      <p:sp>
+        <p:nvSpPr>
+          <p:cNvPr id="2" name="矩形 1"/>
+          <p:cNvSpPr/>
+          <p:nvPr/>
+        </p:nvSpPr>
+        <p:spPr>
+          <a:xfrm>
+            <a:off x="1468582" y="2025226"/>
+            <a:ext cx="8382000" cy="3046988"/>
+          </a:xfrm>
+          <a:prstGeom prst="rect">
+            <a:avLst/>
+          </a:prstGeom>
+          <a:noFill/>
+        </p:spPr>
+        <p:txBody>
+          <a:bodyPr wrap="square" lIns="91440" tIns="45720" rIns="91440" bIns="45720">
+            <a:spAutoFit/>
+          </a:bodyPr>
+          <a:lstStyle/>
+          <a:p>
+            <a:pPr algn="ctr"/>
+            <a:r>
+              <a:rPr lang="en-US" altLang="zh-CN" sz="9600" b="1" dirty="0" smtClean="0">
+                <a:ln w="0"/>
+                <a:solidFill>
+                  <a:schemeClr val="bg1"/>
+                </a:solidFill>
+                <a:effectLst>
+                  <a:outerShdw blurRad="38100" dist="19050" dir="2700000" algn="tl" rotWithShape="0">
+                    <a:schemeClr val="dk1">
+                      <a:alpha val="40000"/>
+                    </a:schemeClr>
+                  </a:outerShdw>
+                </a:effectLst>
+                <a:latin typeface="SimSun-ExtB" panose="02010609060101010101" pitchFamily="49" charset="-122"/>
+                <a:ea typeface="SimSun-ExtB" panose="02010609060101010101" pitchFamily="49" charset="-122"/>
+              </a:rPr>
+              <a:t>Thanks</a:t>
+            </a:r>
+          </a:p>
+          <a:p>
+            <a:pPr algn="ctr"/>
+            <a:r>
+              <a:rPr lang="en-US" altLang="zh-CN" sz="9600" b="1" dirty="0" smtClean="0">
+                <a:ln w="0"/>
+                <a:solidFill>
+                  <a:schemeClr val="bg1"/>
+                </a:solidFill>
+                <a:effectLst>
+                  <a:outerShdw blurRad="38100" dist="19050" dir="2700000" algn="tl" rotWithShape="0">
+                    <a:schemeClr val="dk1">
+                      <a:alpha val="40000"/>
+                    </a:schemeClr>
+                  </a:outerShdw>
+                </a:effectLst>
+                <a:latin typeface="SimSun-ExtB" panose="02010609060101010101" pitchFamily="49" charset="-122"/>
+                <a:ea typeface="SimSun-ExtB" panose="02010609060101010101" pitchFamily="49" charset="-122"/>
+              </a:rPr>
+              <a:t>Q&amp;A</a:t>
+            </a:r>
+          </a:p>
+        </p:txBody>
+      </p:sp>
+    </p:spTree>
+    <p:extLst>
+      <p:ext uri="{BB962C8B-B14F-4D97-AF65-F5344CB8AC3E}">
+        <p14:creationId xmlns:p14="http://schemas.microsoft.com/office/powerpoint/2010/main" val="2281719646"/>
+      </p:ext>
+    </p:extLst>
+  </p:cSld>
+  <p:clrMapOvr>
+    <a:masterClrMapping/>
+  </p:clrMapOvr>
+  <mc:AlternateContent xmlns:mc="http://schemas.openxmlformats.org/markup-compatibility/2006" xmlns:p14="http://schemas.microsoft.com/office/powerpoint/2010/main">
+    <mc:Choice Requires="p14">
+      <p:transition spd="slow" p14:dur="2000"/>
+    </mc:Choice>
+    <mc:Fallback xmlns="">
+      <p:transition spd="slow"/>
+    </mc:Fallback>
+  </mc:AlternateContent>
+  <p:timing>
+    <p:tnLst>
+      <p:par>
+        <p:cTn id="1" dur="indefinite" restart="never" nodeType="tmRoot"/>
+      </p:par>
+    </p:tnLst>
+  </p:timing>
+</p:sld>
+</file>
+
+<file path=ppt/slides/slide2.xml><?xml version="1.0" encoding="utf-8"?>
+<p:sld xmlns:a="http://schemas.openxmlformats.org/drawingml/2006/main" xmlns:r="http://schemas.openxmlformats.org/officeDocument/2006/relationships" xmlns:p="http://schemas.openxmlformats.org/presentationml/2006/main">
+  <p:cSld>
+    <p:spTree>
+      <p:nvGrpSpPr>
+        <p:cNvPr id="1" name=""/>
+        <p:cNvGrpSpPr/>
+        <p:nvPr/>
+      </p:nvGrpSpPr>
+      <p:grpSpPr>
+        <a:xfrm>
+          <a:off x="0" y="0"/>
+          <a:ext cx="0" cy="0"/>
+          <a:chOff x="0" y="0"/>
+          <a:chExt cx="0" cy="0"/>
+        </a:xfrm>
+      </p:grpSpPr>
+      <p:sp>
+        <p:nvSpPr>
+          <p:cNvPr id="6" name="矩形 5"/>
+          <p:cNvSpPr/>
+          <p:nvPr/>
+        </p:nvSpPr>
+        <p:spPr>
+          <a:xfrm>
+            <a:off x="3772746" y="1492586"/>
+            <a:ext cx="4507965" cy="1569660"/>
+          </a:xfrm>
+          <a:prstGeom prst="rect">
+            <a:avLst/>
+          </a:prstGeom>
+          <a:noFill/>
+        </p:spPr>
+        <p:txBody>
+          <a:bodyPr wrap="none" lIns="91440" tIns="45720" rIns="91440" bIns="45720">
+            <a:spAutoFit/>
+          </a:bodyPr>
+          <a:lstStyle/>
+          <a:p>
+            <a:pPr algn="ctr"/>
+            <a:r>
+              <a:rPr lang="zh-CN" altLang="en-US" sz="9600" b="1" cap="none" spc="0" dirty="0" smtClean="0">
+                <a:ln w="0"/>
+                <a:solidFill>
+                  <a:schemeClr val="bg1"/>
+                </a:solidFill>
+                <a:effectLst>
+                  <a:outerShdw blurRad="38100" dist="19050" dir="2700000" algn="tl" rotWithShape="0">
+                    <a:schemeClr val="dk1">
+                      <a:alpha val="40000"/>
+                    </a:schemeClr>
+                  </a:outerShdw>
+                </a:effectLst>
+                <a:latin typeface="SimSun-ExtB" panose="02010609060101010101" pitchFamily="49" charset="-122"/>
+                <a:ea typeface="SimSun-ExtB" panose="02010609060101010101" pitchFamily="49" charset="-122"/>
+              </a:rPr>
+              <a:t>校   园</a:t>
+            </a:r>
+            <a:endParaRPr lang="zh-CN" altLang="en-US" sz="9600" b="1" cap="none" spc="0" dirty="0">
+              <a:ln w="0"/>
+              <a:solidFill>
+                <a:schemeClr val="bg1"/>
+              </a:solidFill>
+              <a:effectLst>
+                <a:outerShdw blurRad="38100" dist="19050" dir="2700000" algn="tl" rotWithShape="0">
+                  <a:schemeClr val="dk1">
+                    <a:alpha val="40000"/>
+                  </a:schemeClr>
+                </a:outerShdw>
+              </a:effectLst>
+              <a:latin typeface="SimSun-ExtB" panose="02010609060101010101" pitchFamily="49" charset="-122"/>
+              <a:ea typeface="SimSun-ExtB" panose="02010609060101010101" pitchFamily="49" charset="-122"/>
+            </a:endParaRPr>
+          </a:p>
+        </p:txBody>
+      </p:sp>
+      <p:sp>
+        <p:nvSpPr>
+          <p:cNvPr id="7" name="矩形 6"/>
+          <p:cNvSpPr/>
+          <p:nvPr/>
+        </p:nvSpPr>
+        <p:spPr>
+          <a:xfrm>
+            <a:off x="3772747" y="3845096"/>
+            <a:ext cx="4507965" cy="1569660"/>
+          </a:xfrm>
+          <a:prstGeom prst="rect">
+            <a:avLst/>
+          </a:prstGeom>
+          <a:noFill/>
+        </p:spPr>
+        <p:txBody>
+          <a:bodyPr wrap="none" lIns="91440" tIns="45720" rIns="91440" bIns="45720">
+            <a:spAutoFit/>
+          </a:bodyPr>
+          <a:lstStyle/>
+          <a:p>
+            <a:pPr algn="ctr"/>
+            <a:r>
+              <a:rPr lang="zh-CN" altLang="en-US" sz="9600" b="1" dirty="0" smtClean="0">
+                <a:ln w="0"/>
+                <a:solidFill>
+                  <a:schemeClr val="bg1"/>
+                </a:solidFill>
+                <a:effectLst>
+                  <a:outerShdw blurRad="38100" dist="19050" dir="2700000" algn="tl" rotWithShape="0">
+                    <a:schemeClr val="dk1">
+                      <a:alpha val="40000"/>
+                    </a:schemeClr>
+                  </a:outerShdw>
+                </a:effectLst>
+                <a:latin typeface="SimSun-ExtB" panose="02010609060101010101" pitchFamily="49" charset="-122"/>
+                <a:ea typeface="SimSun-ExtB" panose="02010609060101010101" pitchFamily="49" charset="-122"/>
+              </a:rPr>
+              <a:t>问</a:t>
+            </a:r>
+            <a:r>
+              <a:rPr lang="zh-CN" altLang="en-US" sz="9600" b="1" cap="none" spc="0" dirty="0" smtClean="0">
+                <a:ln w="0"/>
+                <a:solidFill>
+                  <a:schemeClr val="bg1"/>
+                </a:solidFill>
+                <a:effectLst>
+                  <a:outerShdw blurRad="38100" dist="19050" dir="2700000" algn="tl" rotWithShape="0">
+                    <a:schemeClr val="dk1">
+                      <a:alpha val="40000"/>
+                    </a:schemeClr>
+                  </a:outerShdw>
+                </a:effectLst>
+                <a:latin typeface="SimSun-ExtB" panose="02010609060101010101" pitchFamily="49" charset="-122"/>
+                <a:ea typeface="SimSun-ExtB" panose="02010609060101010101" pitchFamily="49" charset="-122"/>
+              </a:rPr>
+              <a:t>   </a:t>
+            </a:r>
+            <a:r>
+              <a:rPr lang="zh-CN" altLang="en-US" sz="9600" b="1" dirty="0">
+                <a:ln w="0"/>
+                <a:solidFill>
+                  <a:schemeClr val="bg1"/>
+                </a:solidFill>
+                <a:effectLst>
+                  <a:outerShdw blurRad="38100" dist="19050" dir="2700000" algn="tl" rotWithShape="0">
+                    <a:schemeClr val="dk1">
+                      <a:alpha val="40000"/>
+                    </a:schemeClr>
+                  </a:outerShdw>
+                </a:effectLst>
+                <a:latin typeface="SimSun-ExtB" panose="02010609060101010101" pitchFamily="49" charset="-122"/>
+                <a:ea typeface="SimSun-ExtB" panose="02010609060101010101" pitchFamily="49" charset="-122"/>
+              </a:rPr>
+              <a:t>答</a:t>
+            </a:r>
+            <a:endParaRPr lang="zh-CN" altLang="en-US" sz="9600" b="1" cap="none" spc="0" dirty="0">
+              <a:ln w="0"/>
+              <a:solidFill>
+                <a:schemeClr val="bg1"/>
+              </a:solidFill>
+              <a:effectLst>
+                <a:outerShdw blurRad="38100" dist="19050" dir="2700000" algn="tl" rotWithShape="0">
+                  <a:schemeClr val="dk1">
+                    <a:alpha val="40000"/>
+                  </a:schemeClr>
+                </a:outerShdw>
+              </a:effectLst>
+              <a:latin typeface="SimSun-ExtB" panose="02010609060101010101" pitchFamily="49" charset="-122"/>
+              <a:ea typeface="SimSun-ExtB" panose="02010609060101010101" pitchFamily="49" charset="-122"/>
+            </a:endParaRPr>
+          </a:p>
+        </p:txBody>
+      </p:sp>
+    </p:spTree>
+    <p:extLst>
+      <p:ext uri="{BB962C8B-B14F-4D97-AF65-F5344CB8AC3E}">
+        <p14:creationId xmlns:p14="http://schemas.microsoft.com/office/powerpoint/2010/main" val="2193470617"/>
+      </p:ext>
+    </p:extLst>
+  </p:cSld>
+  <p:clrMapOvr>
+    <a:masterClrMapping/>
+  </p:clrMapOvr>
+  <p:timing>
+    <p:tnLst>
+      <p:par>
+        <p:cTn id="1" dur="indefinite" restart="never" nodeType="tmRoot">
+          <p:childTnLst>
+            <p:seq concurrent="1" nextAc="seek">
+              <p:cTn id="2" dur="indefinite" nodeType="mainSeq">
+                <p:childTnLst>
+                  <p:par>
+                    <p:cTn id="3" fill="hold">
+                      <p:stCondLst>
+                        <p:cond delay="indefinite"/>
+                      </p:stCondLst>
+                      <p:childTnLst>
+                        <p:par>
+                          <p:cTn id="4" fill="hold">
+                            <p:stCondLst>
+                              <p:cond delay="0"/>
+                            </p:stCondLst>
+                            <p:childTnLst>
+                              <p:par>
+                                <p:cTn id="5" presetID="1" presetClass="entr" presetSubtype="0" fill="hold" grpId="0" nodeType="clickEffect">
+                                  <p:stCondLst>
+                                    <p:cond delay="0"/>
+                                  </p:stCondLst>
+                                  <p:childTnLst>
+                                    <p:set>
+                                      <p:cBhvr>
+                                        <p:cTn id="6" dur="1" fill="hold">
+                                          <p:stCondLst>
+                                            <p:cond delay="0"/>
+                                          </p:stCondLst>
+                                        </p:cTn>
+                                        <p:tgtEl>
+                                          <p:spTgt spid="6"/>
+                                        </p:tgtEl>
+                                        <p:attrNameLst>
+                                          <p:attrName>style.visibility</p:attrName>
+                                        </p:attrNameLst>
+                                      </p:cBhvr>
+                                      <p:to>
+                                        <p:strVal val="visible"/>
+                                      </p:to>
+                                    </p:set>
+                                  </p:childTnLst>
+                                </p:cTn>
+                              </p:par>
+                            </p:childTnLst>
+                          </p:cTn>
+                        </p:par>
+                      </p:childTnLst>
+                    </p:cTn>
+                  </p:par>
+                  <p:par>
+                    <p:cTn id="7" fill="hold">
+                      <p:stCondLst>
+                        <p:cond delay="indefinite"/>
+                      </p:stCondLst>
+                      <p:childTnLst>
+                        <p:par>
+                          <p:cTn id="8" fill="hold">
+                            <p:stCondLst>
+                              <p:cond delay="0"/>
+                            </p:stCondLst>
+                            <p:childTnLst>
+                              <p:par>
+                                <p:cTn id="9" presetID="1" presetClass="entr" presetSubtype="0" fill="hold" grpId="0" nodeType="clickEffect">
+                                  <p:stCondLst>
+                                    <p:cond delay="0"/>
+                                  </p:stCondLst>
+                                  <p:childTnLst>
+                                    <p:set>
+                                      <p:cBhvr>
+                                        <p:cTn id="10" dur="1" fill="hold">
+                                          <p:stCondLst>
+                                            <p:cond delay="0"/>
+                                          </p:stCondLst>
+                                        </p:cTn>
+                                        <p:tgtEl>
+                                          <p:spTgt spid="7"/>
+                                        </p:tgtEl>
+                                        <p:attrNameLst>
+                                          <p:attrName>style.visibility</p:attrName>
+                                        </p:attrNameLst>
+                                      </p:cBhvr>
+                                      <p:to>
+                                        <p:strVal val="visible"/>
+                                      </p:to>
+                                    </p:set>
+                                  </p:childTnLst>
+                                </p:cTn>
+                              </p:par>
+                            </p:childTnLst>
+                          </p:cTn>
+                        </p:par>
+                      </p:childTnLst>
+                    </p:cTn>
+                  </p:par>
+                </p:childTnLst>
+              </p:cTn>
+              <p:prevCondLst>
+                <p:cond evt="onPrev" delay="0">
+                  <p:tgtEl>
+                    <p:sldTgt/>
+                  </p:tgtEl>
+                </p:cond>
+              </p:prevCondLst>
+              <p:nextCondLst>
+                <p:cond evt="onNext" delay="0">
+                  <p:tgtEl>
+                    <p:sldTgt/>
+                  </p:tgtEl>
+                </p:cond>
+              </p:nextCondLst>
+            </p:seq>
+          </p:childTnLst>
+        </p:cTn>
+      </p:par>
+    </p:tnLst>
+    <p:bldLst>
+      <p:bldP spid="6" grpId="0"/>
+      <p:bldP spid="7" grpId="0"/>
+    </p:bldLst>
+  </p:timing>
+</p:sld>
+</file>
+
+<file path=ppt/slides/slide3.xml><?xml version="1.0" encoding="utf-8"?>
+<p:sld xmlns:a="http://schemas.openxmlformats.org/drawingml/2006/main" xmlns:r="http://schemas.openxmlformats.org/officeDocument/2006/relationships" xmlns:p="http://schemas.openxmlformats.org/presentationml/2006/main">
+  <p:cSld>
+    <p:spTree>
+      <p:nvGrpSpPr>
+        <p:cNvPr id="1" name=""/>
+        <p:cNvGrpSpPr/>
+        <p:nvPr/>
+      </p:nvGrpSpPr>
+      <p:grpSpPr>
+        <a:xfrm>
+          <a:off x="0" y="0"/>
+          <a:ext cx="0" cy="0"/>
+          <a:chOff x="0" y="0"/>
+          <a:chExt cx="0" cy="0"/>
+        </a:xfrm>
+      </p:grpSpPr>
+      <p:sp>
+        <p:nvSpPr>
+          <p:cNvPr id="5" name="矩形 4"/>
+          <p:cNvSpPr/>
+          <p:nvPr/>
+        </p:nvSpPr>
+        <p:spPr>
+          <a:xfrm>
+            <a:off x="645855" y="1052945"/>
+            <a:ext cx="3773745" cy="1015663"/>
+          </a:xfrm>
+          <a:prstGeom prst="rect">
+            <a:avLst/>
+          </a:prstGeom>
+          <a:noFill/>
+        </p:spPr>
+        <p:txBody>
+          <a:bodyPr wrap="square" lIns="91440" tIns="45720" rIns="91440" bIns="45720">
+            <a:spAutoFit/>
+          </a:bodyPr>
+          <a:lstStyle/>
+          <a:p>
+            <a:pPr algn="ctr"/>
+            <a:r>
+              <a:rPr lang="zh-CN" altLang="en-US" sz="6000" b="1" dirty="0" smtClean="0">
+                <a:ln w="0"/>
+                <a:solidFill>
+                  <a:schemeClr val="bg1"/>
+                </a:solidFill>
+                <a:effectLst>
+                  <a:outerShdw blurRad="38100" dist="19050" dir="2700000" algn="tl" rotWithShape="0">
+                    <a:schemeClr val="dk1">
+                      <a:alpha val="40000"/>
+                    </a:schemeClr>
+                  </a:outerShdw>
+                </a:effectLst>
+                <a:latin typeface="SimSun-ExtB" panose="02010609060101010101" pitchFamily="49" charset="-122"/>
+                <a:ea typeface="SimSun-ExtB" panose="02010609060101010101" pitchFamily="49" charset="-122"/>
+              </a:rPr>
+              <a:t>学校网站</a:t>
+            </a:r>
+            <a:endParaRPr lang="zh-CN" altLang="en-US" sz="6000" b="1" cap="none" spc="0" dirty="0">
+              <a:ln w="0"/>
+              <a:solidFill>
+                <a:schemeClr val="bg1"/>
+              </a:solidFill>
+              <a:effectLst>
+                <a:outerShdw blurRad="38100" dist="19050" dir="2700000" algn="tl" rotWithShape="0">
+                  <a:schemeClr val="dk1">
+                    <a:alpha val="40000"/>
+                  </a:schemeClr>
+                </a:outerShdw>
+              </a:effectLst>
+              <a:latin typeface="SimSun-ExtB" panose="02010609060101010101" pitchFamily="49" charset="-122"/>
+              <a:ea typeface="SimSun-ExtB" panose="02010609060101010101" pitchFamily="49" charset="-122"/>
+            </a:endParaRPr>
+          </a:p>
+        </p:txBody>
+      </p:sp>
+      <p:sp>
+        <p:nvSpPr>
+          <p:cNvPr id="7" name="矩形 6"/>
+          <p:cNvSpPr/>
+          <p:nvPr/>
+        </p:nvSpPr>
+        <p:spPr>
+          <a:xfrm>
+            <a:off x="3701524" y="1714259"/>
+            <a:ext cx="2045753" cy="1569660"/>
+          </a:xfrm>
+          <a:prstGeom prst="rect">
+            <a:avLst/>
+          </a:prstGeom>
+          <a:noFill/>
+        </p:spPr>
+        <p:txBody>
+          <a:bodyPr wrap="none" lIns="91440" tIns="45720" rIns="91440" bIns="45720">
+            <a:spAutoFit/>
+          </a:bodyPr>
+          <a:lstStyle/>
+          <a:p>
+            <a:pPr algn="ctr"/>
+            <a:r>
+              <a:rPr lang="en-US" altLang="zh-CN" sz="9600" b="1" dirty="0">
+                <a:ln w="0"/>
+                <a:solidFill>
+                  <a:schemeClr val="bg1"/>
+                </a:solidFill>
+                <a:effectLst>
+                  <a:outerShdw blurRad="38100" dist="19050" dir="2700000" algn="tl" rotWithShape="0">
+                    <a:schemeClr val="dk1">
+                      <a:alpha val="40000"/>
+                    </a:schemeClr>
+                  </a:outerShdw>
+                </a:effectLst>
+                <a:latin typeface="SimSun-ExtB" panose="02010609060101010101" pitchFamily="49" charset="-122"/>
+                <a:ea typeface="SimSun-ExtB" panose="02010609060101010101" pitchFamily="49" charset="-122"/>
+              </a:rPr>
+              <a:t>BBS</a:t>
+            </a:r>
+            <a:endParaRPr lang="zh-CN" altLang="en-US" sz="9600" b="1" cap="none" spc="0" dirty="0">
+              <a:ln w="0"/>
+              <a:solidFill>
+                <a:schemeClr val="bg1"/>
+              </a:solidFill>
+              <a:effectLst>
+                <a:outerShdw blurRad="38100" dist="19050" dir="2700000" algn="tl" rotWithShape="0">
+                  <a:schemeClr val="dk1">
+                    <a:alpha val="40000"/>
+                  </a:schemeClr>
+                </a:outerShdw>
+              </a:effectLst>
+              <a:latin typeface="SimSun-ExtB" panose="02010609060101010101" pitchFamily="49" charset="-122"/>
+              <a:ea typeface="SimSun-ExtB" panose="02010609060101010101" pitchFamily="49" charset="-122"/>
+            </a:endParaRPr>
+          </a:p>
+        </p:txBody>
+      </p:sp>
+      <p:sp>
+        <p:nvSpPr>
+          <p:cNvPr id="8" name="矩形 7"/>
+          <p:cNvSpPr/>
+          <p:nvPr/>
+        </p:nvSpPr>
+        <p:spPr>
+          <a:xfrm>
+            <a:off x="366190" y="2282161"/>
+            <a:ext cx="2646879" cy="1569660"/>
+          </a:xfrm>
+          <a:prstGeom prst="rect">
+            <a:avLst/>
+          </a:prstGeom>
+          <a:noFill/>
+        </p:spPr>
+        <p:txBody>
+          <a:bodyPr wrap="none" lIns="91440" tIns="45720" rIns="91440" bIns="45720">
+            <a:spAutoFit/>
+          </a:bodyPr>
+          <a:lstStyle/>
+          <a:p>
+            <a:pPr algn="ctr"/>
+            <a:r>
+              <a:rPr lang="zh-CN" altLang="en-US" sz="9600" b="1" dirty="0">
+                <a:ln w="0"/>
+                <a:solidFill>
+                  <a:schemeClr val="bg1"/>
+                </a:solidFill>
+                <a:effectLst>
+                  <a:outerShdw blurRad="38100" dist="19050" dir="2700000" algn="tl" rotWithShape="0">
+                    <a:schemeClr val="dk1">
+                      <a:alpha val="40000"/>
+                    </a:schemeClr>
+                  </a:outerShdw>
+                </a:effectLst>
+                <a:latin typeface="SimSun-ExtB" panose="02010609060101010101" pitchFamily="49" charset="-122"/>
+                <a:ea typeface="SimSun-ExtB" panose="02010609060101010101" pitchFamily="49" charset="-122"/>
+              </a:rPr>
+              <a:t>人人</a:t>
+            </a:r>
+            <a:endParaRPr lang="zh-CN" altLang="en-US" sz="9600" b="1" cap="none" spc="0" dirty="0">
+              <a:ln w="0"/>
+              <a:solidFill>
+                <a:schemeClr val="bg1"/>
+              </a:solidFill>
+              <a:effectLst>
+                <a:outerShdw blurRad="38100" dist="19050" dir="2700000" algn="tl" rotWithShape="0">
+                  <a:schemeClr val="dk1">
+                    <a:alpha val="40000"/>
+                  </a:schemeClr>
+                </a:outerShdw>
+              </a:effectLst>
+              <a:latin typeface="SimSun-ExtB" panose="02010609060101010101" pitchFamily="49" charset="-122"/>
+              <a:ea typeface="SimSun-ExtB" panose="02010609060101010101" pitchFamily="49" charset="-122"/>
+            </a:endParaRPr>
+          </a:p>
+        </p:txBody>
+      </p:sp>
+      <p:sp>
+        <p:nvSpPr>
+          <p:cNvPr id="11" name="矩形 10"/>
+          <p:cNvSpPr/>
+          <p:nvPr/>
+        </p:nvSpPr>
+        <p:spPr>
+          <a:xfrm>
+            <a:off x="4478039" y="3376505"/>
+            <a:ext cx="3570208" cy="1107996"/>
+          </a:xfrm>
+          <a:prstGeom prst="rect">
+            <a:avLst/>
+          </a:prstGeom>
+          <a:noFill/>
+        </p:spPr>
+        <p:txBody>
+          <a:bodyPr wrap="none" lIns="91440" tIns="45720" rIns="91440" bIns="45720">
+            <a:spAutoFit/>
+          </a:bodyPr>
+          <a:lstStyle/>
+          <a:p>
+            <a:pPr algn="ctr"/>
+            <a:r>
+              <a:rPr lang="zh-CN" altLang="en-US" sz="6600" b="1" cap="none" spc="0" dirty="0" smtClean="0">
+                <a:ln w="0"/>
+                <a:solidFill>
+                  <a:schemeClr val="bg1"/>
+                </a:solidFill>
+                <a:effectLst>
+                  <a:outerShdw blurRad="38100" dist="19050" dir="2700000" algn="tl" rotWithShape="0">
+                    <a:schemeClr val="dk1">
+                      <a:alpha val="40000"/>
+                    </a:schemeClr>
+                  </a:outerShdw>
+                </a:effectLst>
+                <a:latin typeface="SimSun-ExtB" panose="02010609060101010101" pitchFamily="49" charset="-122"/>
+                <a:ea typeface="SimSun-ExtB" panose="02010609060101010101" pitchFamily="49" charset="-122"/>
+              </a:rPr>
+              <a:t>校园司令</a:t>
+            </a:r>
+            <a:endParaRPr lang="zh-CN" altLang="en-US" sz="6600" b="1" cap="none" spc="0" dirty="0">
+              <a:ln w="0"/>
+              <a:solidFill>
+                <a:schemeClr val="bg1"/>
+              </a:solidFill>
+              <a:effectLst>
+                <a:outerShdw blurRad="38100" dist="19050" dir="2700000" algn="tl" rotWithShape="0">
+                  <a:schemeClr val="dk1">
+                    <a:alpha val="40000"/>
+                  </a:schemeClr>
+                </a:outerShdw>
+              </a:effectLst>
+              <a:latin typeface="SimSun-ExtB" panose="02010609060101010101" pitchFamily="49" charset="-122"/>
+              <a:ea typeface="SimSun-ExtB" panose="02010609060101010101" pitchFamily="49" charset="-122"/>
+            </a:endParaRPr>
+          </a:p>
+        </p:txBody>
+      </p:sp>
+      <p:sp>
+        <p:nvSpPr>
+          <p:cNvPr id="12" name="矩形 11"/>
+          <p:cNvSpPr/>
+          <p:nvPr/>
+        </p:nvSpPr>
+        <p:spPr>
+          <a:xfrm>
+            <a:off x="579307" y="3729131"/>
+            <a:ext cx="3906839" cy="1569660"/>
+          </a:xfrm>
+          <a:prstGeom prst="rect">
+            <a:avLst/>
+          </a:prstGeom>
+          <a:noFill/>
+        </p:spPr>
+        <p:txBody>
+          <a:bodyPr wrap="none" lIns="91440" tIns="45720" rIns="91440" bIns="45720">
+            <a:spAutoFit/>
+          </a:bodyPr>
+          <a:lstStyle/>
+          <a:p>
+            <a:pPr algn="ctr"/>
+            <a:r>
+              <a:rPr lang="en-US" altLang="zh-CN" sz="9600" b="1" dirty="0">
+                <a:ln w="0"/>
+                <a:solidFill>
+                  <a:schemeClr val="bg1"/>
+                </a:solidFill>
+                <a:effectLst>
+                  <a:outerShdw blurRad="38100" dist="19050" dir="2700000" algn="tl" rotWithShape="0">
+                    <a:schemeClr val="dk1">
+                      <a:alpha val="40000"/>
+                    </a:schemeClr>
+                  </a:outerShdw>
+                </a:effectLst>
+                <a:latin typeface="SimSun-ExtB" panose="02010609060101010101" pitchFamily="49" charset="-122"/>
+                <a:ea typeface="SimSun-ExtB" panose="02010609060101010101" pitchFamily="49" charset="-122"/>
+              </a:rPr>
+              <a:t>Google</a:t>
+            </a:r>
+            <a:endParaRPr lang="zh-CN" altLang="en-US" sz="9600" b="1" cap="none" spc="0" dirty="0">
+              <a:ln w="0"/>
+              <a:solidFill>
+                <a:schemeClr val="bg1"/>
+              </a:solidFill>
+              <a:effectLst>
+                <a:outerShdw blurRad="38100" dist="19050" dir="2700000" algn="tl" rotWithShape="0">
+                  <a:schemeClr val="dk1">
+                    <a:alpha val="40000"/>
+                  </a:schemeClr>
+                </a:outerShdw>
+              </a:effectLst>
+              <a:latin typeface="SimSun-ExtB" panose="02010609060101010101" pitchFamily="49" charset="-122"/>
+              <a:ea typeface="SimSun-ExtB" panose="02010609060101010101" pitchFamily="49" charset="-122"/>
+            </a:endParaRPr>
+          </a:p>
+        </p:txBody>
+      </p:sp>
+      <p:sp>
+        <p:nvSpPr>
+          <p:cNvPr id="13" name="矩形 12"/>
+          <p:cNvSpPr/>
+          <p:nvPr/>
+        </p:nvSpPr>
+        <p:spPr>
+          <a:xfrm>
+            <a:off x="7833473" y="3945233"/>
+            <a:ext cx="2646879" cy="1569660"/>
+          </a:xfrm>
+          <a:prstGeom prst="rect">
+            <a:avLst/>
+          </a:prstGeom>
+          <a:noFill/>
+        </p:spPr>
+        <p:txBody>
+          <a:bodyPr wrap="none" lIns="91440" tIns="45720" rIns="91440" bIns="45720">
+            <a:spAutoFit/>
+          </a:bodyPr>
+          <a:lstStyle/>
+          <a:p>
+            <a:pPr algn="ctr"/>
+            <a:r>
+              <a:rPr lang="zh-CN" altLang="en-US" sz="9600" b="1" dirty="0">
+                <a:ln w="0"/>
+                <a:solidFill>
+                  <a:schemeClr val="bg1"/>
+                </a:solidFill>
+                <a:effectLst>
+                  <a:outerShdw blurRad="38100" dist="19050" dir="2700000" algn="tl" rotWithShape="0">
+                    <a:schemeClr val="dk1">
+                      <a:alpha val="40000"/>
+                    </a:schemeClr>
+                  </a:outerShdw>
+                </a:effectLst>
+                <a:latin typeface="SimSun-ExtB" panose="02010609060101010101" pitchFamily="49" charset="-122"/>
+                <a:ea typeface="SimSun-ExtB" panose="02010609060101010101" pitchFamily="49" charset="-122"/>
+              </a:rPr>
+              <a:t>百度</a:t>
+            </a:r>
+            <a:endParaRPr lang="zh-CN" altLang="en-US" sz="9600" b="1" cap="none" spc="0" dirty="0">
+              <a:ln w="0"/>
+              <a:solidFill>
+                <a:schemeClr val="bg1"/>
+              </a:solidFill>
+              <a:effectLst>
+                <a:outerShdw blurRad="38100" dist="19050" dir="2700000" algn="tl" rotWithShape="0">
+                  <a:schemeClr val="dk1">
+                    <a:alpha val="40000"/>
+                  </a:schemeClr>
+                </a:outerShdw>
+              </a:effectLst>
+              <a:latin typeface="SimSun-ExtB" panose="02010609060101010101" pitchFamily="49" charset="-122"/>
+              <a:ea typeface="SimSun-ExtB" panose="02010609060101010101" pitchFamily="49" charset="-122"/>
+            </a:endParaRPr>
+          </a:p>
+        </p:txBody>
+      </p:sp>
+      <p:sp>
+        <p:nvSpPr>
+          <p:cNvPr id="14" name="矩形 13"/>
+          <p:cNvSpPr/>
+          <p:nvPr/>
+        </p:nvSpPr>
+        <p:spPr>
+          <a:xfrm>
+            <a:off x="5854949" y="1498157"/>
+            <a:ext cx="2646879" cy="1569660"/>
+          </a:xfrm>
+          <a:prstGeom prst="rect">
+            <a:avLst/>
+          </a:prstGeom>
+          <a:noFill/>
+        </p:spPr>
+        <p:txBody>
+          <a:bodyPr wrap="none" lIns="91440" tIns="45720" rIns="91440" bIns="45720">
+            <a:spAutoFit/>
+          </a:bodyPr>
+          <a:lstStyle/>
+          <a:p>
+            <a:pPr algn="ctr"/>
+            <a:r>
+              <a:rPr lang="zh-CN" altLang="en-US" sz="9600" b="1" dirty="0">
+                <a:ln w="0"/>
+                <a:solidFill>
+                  <a:schemeClr val="bg1"/>
+                </a:solidFill>
+                <a:effectLst>
+                  <a:outerShdw blurRad="38100" dist="19050" dir="2700000" algn="tl" rotWithShape="0">
+                    <a:schemeClr val="dk1">
+                      <a:alpha val="40000"/>
+                    </a:schemeClr>
+                  </a:outerShdw>
+                </a:effectLst>
+                <a:latin typeface="SimSun-ExtB" panose="02010609060101010101" pitchFamily="49" charset="-122"/>
+                <a:ea typeface="SimSun-ExtB" panose="02010609060101010101" pitchFamily="49" charset="-122"/>
+              </a:rPr>
+              <a:t>知乎</a:t>
+            </a:r>
+            <a:endParaRPr lang="zh-CN" altLang="en-US" sz="9600" b="1" cap="none" spc="0" dirty="0">
+              <a:ln w="0"/>
+              <a:solidFill>
+                <a:schemeClr val="bg1"/>
+              </a:solidFill>
+              <a:effectLst>
+                <a:outerShdw blurRad="38100" dist="19050" dir="2700000" algn="tl" rotWithShape="0">
+                  <a:schemeClr val="dk1">
+                    <a:alpha val="40000"/>
+                  </a:schemeClr>
+                </a:outerShdw>
+              </a:effectLst>
+              <a:latin typeface="SimSun-ExtB" panose="02010609060101010101" pitchFamily="49" charset="-122"/>
+              <a:ea typeface="SimSun-ExtB" panose="02010609060101010101" pitchFamily="49" charset="-122"/>
+            </a:endParaRPr>
+          </a:p>
+        </p:txBody>
+      </p:sp>
+      <p:sp>
+        <p:nvSpPr>
+          <p:cNvPr id="15" name="矩形 14"/>
+          <p:cNvSpPr/>
+          <p:nvPr/>
+        </p:nvSpPr>
+        <p:spPr>
+          <a:xfrm>
+            <a:off x="4478039" y="1006373"/>
+            <a:ext cx="2236510" cy="707886"/>
+          </a:xfrm>
+          <a:prstGeom prst="rect">
+            <a:avLst/>
+          </a:prstGeom>
+          <a:noFill/>
+        </p:spPr>
+        <p:txBody>
+          <a:bodyPr wrap="none" lIns="91440" tIns="45720" rIns="91440" bIns="45720">
+            <a:spAutoFit/>
+          </a:bodyPr>
+          <a:lstStyle/>
+          <a:p>
+            <a:pPr algn="ctr"/>
+            <a:r>
+              <a:rPr lang="zh-CN" altLang="en-US" sz="4000" b="1" dirty="0" smtClean="0">
+                <a:ln w="0"/>
+                <a:solidFill>
+                  <a:schemeClr val="bg1"/>
+                </a:solidFill>
+                <a:effectLst>
+                  <a:outerShdw blurRad="38100" dist="19050" dir="2700000" algn="tl" rotWithShape="0">
+                    <a:schemeClr val="dk1">
+                      <a:alpha val="40000"/>
+                    </a:schemeClr>
+                  </a:outerShdw>
+                </a:effectLst>
+                <a:latin typeface="SimSun-ExtB" panose="02010609060101010101" pitchFamily="49" charset="-122"/>
+                <a:ea typeface="SimSun-ExtB" panose="02010609060101010101" pitchFamily="49" charset="-122"/>
+              </a:rPr>
+              <a:t>百度知道</a:t>
+            </a:r>
+            <a:endParaRPr lang="zh-CN" altLang="en-US" sz="4000" b="1" cap="none" spc="0" dirty="0">
+              <a:ln w="0"/>
+              <a:solidFill>
+                <a:schemeClr val="bg1"/>
+              </a:solidFill>
+              <a:effectLst>
+                <a:outerShdw blurRad="38100" dist="19050" dir="2700000" algn="tl" rotWithShape="0">
+                  <a:schemeClr val="dk1">
+                    <a:alpha val="40000"/>
+                  </a:schemeClr>
+                </a:outerShdw>
+              </a:effectLst>
+              <a:latin typeface="SimSun-ExtB" panose="02010609060101010101" pitchFamily="49" charset="-122"/>
+              <a:ea typeface="SimSun-ExtB" panose="02010609060101010101" pitchFamily="49" charset="-122"/>
+            </a:endParaRPr>
+          </a:p>
+        </p:txBody>
+      </p:sp>
+      <p:sp>
+        <p:nvSpPr>
+          <p:cNvPr id="16" name="矩形 15"/>
+          <p:cNvSpPr/>
+          <p:nvPr/>
+        </p:nvSpPr>
+        <p:spPr>
+          <a:xfrm>
+            <a:off x="3751006" y="5053229"/>
+            <a:ext cx="7629012" cy="1569660"/>
+          </a:xfrm>
+          <a:prstGeom prst="rect">
+            <a:avLst/>
+          </a:prstGeom>
+          <a:noFill/>
+        </p:spPr>
+        <p:txBody>
+          <a:bodyPr wrap="none" lIns="91440" tIns="45720" rIns="91440" bIns="45720">
+            <a:spAutoFit/>
+          </a:bodyPr>
+          <a:lstStyle/>
+          <a:p>
+            <a:pPr algn="ctr"/>
+            <a:r>
+              <a:rPr lang="en-US" altLang="zh-CN" sz="9600" b="1" dirty="0" err="1" smtClean="0">
+                <a:ln w="0"/>
+                <a:solidFill>
+                  <a:schemeClr val="bg1"/>
+                </a:solidFill>
+                <a:effectLst>
+                  <a:outerShdw blurRad="38100" dist="19050" dir="2700000" algn="tl" rotWithShape="0">
+                    <a:schemeClr val="dk1">
+                      <a:alpha val="40000"/>
+                    </a:schemeClr>
+                  </a:outerShdw>
+                </a:effectLst>
+                <a:latin typeface="SimSun-ExtB" panose="02010609060101010101" pitchFamily="49" charset="-122"/>
+                <a:ea typeface="SimSun-ExtB" panose="02010609060101010101" pitchFamily="49" charset="-122"/>
+              </a:rPr>
+              <a:t>segmentfault</a:t>
+            </a:r>
+            <a:endParaRPr lang="zh-CN" altLang="en-US" sz="9600" b="1" cap="none" spc="0" dirty="0">
+              <a:ln w="0"/>
+              <a:solidFill>
+                <a:schemeClr val="bg1"/>
+              </a:solidFill>
+              <a:effectLst>
+                <a:outerShdw blurRad="38100" dist="19050" dir="2700000" algn="tl" rotWithShape="0">
+                  <a:schemeClr val="dk1">
+                    <a:alpha val="40000"/>
+                  </a:schemeClr>
+                </a:outerShdw>
+              </a:effectLst>
+              <a:latin typeface="SimSun-ExtB" panose="02010609060101010101" pitchFamily="49" charset="-122"/>
+              <a:ea typeface="SimSun-ExtB" panose="02010609060101010101" pitchFamily="49" charset="-122"/>
+            </a:endParaRPr>
+          </a:p>
+        </p:txBody>
+      </p:sp>
+      <p:sp>
+        <p:nvSpPr>
+          <p:cNvPr id="17" name="矩形 16"/>
+          <p:cNvSpPr/>
+          <p:nvPr/>
+        </p:nvSpPr>
+        <p:spPr>
+          <a:xfrm>
+            <a:off x="0" y="5175919"/>
+            <a:ext cx="2770497" cy="830997"/>
+          </a:xfrm>
+          <a:prstGeom prst="rect">
+            <a:avLst/>
+          </a:prstGeom>
+          <a:noFill/>
+        </p:spPr>
+        <p:txBody>
+          <a:bodyPr wrap="square" lIns="91440" tIns="45720" rIns="91440" bIns="45720">
+            <a:spAutoFit/>
+          </a:bodyPr>
+          <a:lstStyle/>
+          <a:p>
+            <a:pPr algn="ctr"/>
+            <a:r>
+              <a:rPr lang="zh-CN" altLang="en-US" sz="4800" b="1" cap="none" spc="0" dirty="0" smtClean="0">
+                <a:ln w="0"/>
+                <a:solidFill>
+                  <a:schemeClr val="bg1"/>
+                </a:solidFill>
+                <a:effectLst>
+                  <a:outerShdw blurRad="38100" dist="19050" dir="2700000" algn="tl" rotWithShape="0">
+                    <a:schemeClr val="dk1">
+                      <a:alpha val="40000"/>
+                    </a:schemeClr>
+                  </a:outerShdw>
+                </a:effectLst>
+                <a:latin typeface="SimSun-ExtB" panose="02010609060101010101" pitchFamily="49" charset="-122"/>
+                <a:ea typeface="SimSun-ExtB" panose="02010609060101010101" pitchFamily="49" charset="-122"/>
+              </a:rPr>
+              <a:t>校园贴吧</a:t>
+            </a:r>
+            <a:endParaRPr lang="zh-CN" altLang="en-US" sz="4800" b="1" cap="none" spc="0" dirty="0">
+              <a:ln w="0"/>
+              <a:solidFill>
+                <a:schemeClr val="bg1"/>
+              </a:solidFill>
+              <a:effectLst>
+                <a:outerShdw blurRad="38100" dist="19050" dir="2700000" algn="tl" rotWithShape="0">
+                  <a:schemeClr val="dk1">
+                    <a:alpha val="40000"/>
+                  </a:schemeClr>
+                </a:outerShdw>
+              </a:effectLst>
+              <a:latin typeface="SimSun-ExtB" panose="02010609060101010101" pitchFamily="49" charset="-122"/>
+              <a:ea typeface="SimSun-ExtB" panose="02010609060101010101" pitchFamily="49" charset="-122"/>
+            </a:endParaRPr>
+          </a:p>
+        </p:txBody>
+      </p:sp>
+      <p:sp>
+        <p:nvSpPr>
+          <p:cNvPr id="18" name="矩形 17"/>
+          <p:cNvSpPr/>
+          <p:nvPr/>
+        </p:nvSpPr>
+        <p:spPr>
+          <a:xfrm>
+            <a:off x="8660502" y="2282161"/>
+            <a:ext cx="3286477" cy="1569660"/>
+          </a:xfrm>
+          <a:prstGeom prst="rect">
+            <a:avLst/>
+          </a:prstGeom>
+          <a:noFill/>
+        </p:spPr>
+        <p:txBody>
+          <a:bodyPr wrap="none" lIns="91440" tIns="45720" rIns="91440" bIns="45720">
+            <a:spAutoFit/>
+          </a:bodyPr>
+          <a:lstStyle/>
+          <a:p>
+            <a:pPr algn="ctr"/>
+            <a:r>
+              <a:rPr lang="en-US" altLang="zh-CN" sz="9600" b="1" dirty="0" err="1" smtClean="0">
+                <a:ln w="0"/>
+                <a:solidFill>
+                  <a:schemeClr val="bg1"/>
+                </a:solidFill>
+                <a:effectLst>
+                  <a:outerShdw blurRad="38100" dist="19050" dir="2700000" algn="tl" rotWithShape="0">
+                    <a:schemeClr val="dk1">
+                      <a:alpha val="40000"/>
+                    </a:schemeClr>
+                  </a:outerShdw>
+                </a:effectLst>
+                <a:latin typeface="SimSun-ExtB" panose="02010609060101010101" pitchFamily="49" charset="-122"/>
+                <a:ea typeface="SimSun-ExtB" panose="02010609060101010101" pitchFamily="49" charset="-122"/>
+              </a:rPr>
+              <a:t>Quora</a:t>
+            </a:r>
+            <a:endParaRPr lang="zh-CN" altLang="en-US" sz="9600" b="1" cap="none" spc="0" dirty="0">
+              <a:ln w="0"/>
+              <a:solidFill>
+                <a:schemeClr val="bg1"/>
+              </a:solidFill>
+              <a:effectLst>
+                <a:outerShdw blurRad="38100" dist="19050" dir="2700000" algn="tl" rotWithShape="0">
+                  <a:schemeClr val="dk1">
+                    <a:alpha val="40000"/>
+                  </a:schemeClr>
+                </a:outerShdw>
+              </a:effectLst>
+              <a:latin typeface="SimSun-ExtB" panose="02010609060101010101" pitchFamily="49" charset="-122"/>
+              <a:ea typeface="SimSun-ExtB" panose="02010609060101010101" pitchFamily="49" charset="-122"/>
+            </a:endParaRPr>
+          </a:p>
+        </p:txBody>
+      </p:sp>
+    </p:spTree>
+    <p:extLst>
+      <p:ext uri="{BB962C8B-B14F-4D97-AF65-F5344CB8AC3E}">
+        <p14:creationId xmlns:p14="http://schemas.microsoft.com/office/powerpoint/2010/main" val="1314094932"/>
+      </p:ext>
+    </p:extLst>
+  </p:cSld>
+  <p:clrMapOvr>
+    <a:masterClrMapping/>
+  </p:clrMapOvr>
+  <p:timing>
+    <p:tnLst>
+      <p:par>
+        <p:cTn id="1" dur="indefinite" restart="never" nodeType="tmRoot">
+          <p:childTnLst>
+            <p:seq concurrent="1" nextAc="seek">
+              <p:cTn id="2" dur="indefinite" nodeType="mainSeq">
+                <p:childTnLst>
+                  <p:par>
+                    <p:cTn id="3" fill="hold">
+                      <p:stCondLst>
+                        <p:cond delay="indefinite"/>
+                      </p:stCondLst>
+                      <p:childTnLst>
+                        <p:par>
+                          <p:cTn id="4" fill="hold">
+                            <p:stCondLst>
+                              <p:cond delay="0"/>
+                            </p:stCondLst>
+                            <p:childTnLst>
+                              <p:par>
+                                <p:cTn id="5" presetID="1" presetClass="entr" presetSubtype="0" fill="hold" grpId="0" nodeType="clickEffect">
+                                  <p:stCondLst>
+                                    <p:cond delay="0"/>
+                                  </p:stCondLst>
+                                  <p:childTnLst>
+                                    <p:set>
+                                      <p:cBhvr>
+                                        <p:cTn id="6" dur="1" fill="hold">
+                                          <p:stCondLst>
+                                            <p:cond delay="0"/>
+                                          </p:stCondLst>
+                                        </p:cTn>
+                                        <p:tgtEl>
+                                          <p:spTgt spid="5"/>
+                                        </p:tgtEl>
+                                        <p:attrNameLst>
+                                          <p:attrName>style.visibility</p:attrName>
+                                        </p:attrNameLst>
+                                      </p:cBhvr>
+                                      <p:to>
+                                        <p:strVal val="visible"/>
+                                      </p:to>
+                                    </p:set>
+                                  </p:childTnLst>
+                                </p:cTn>
+                              </p:par>
+                            </p:childTnLst>
+                          </p:cTn>
+                        </p:par>
+                      </p:childTnLst>
+                    </p:cTn>
+                  </p:par>
+                  <p:par>
+                    <p:cTn id="7" fill="hold">
+                      <p:stCondLst>
+                        <p:cond delay="indefinite"/>
+                      </p:stCondLst>
+                      <p:childTnLst>
+                        <p:par>
+                          <p:cTn id="8" fill="hold">
+                            <p:stCondLst>
+                              <p:cond delay="0"/>
+                            </p:stCondLst>
+                            <p:childTnLst>
+                              <p:par>
+                                <p:cTn id="9" presetID="1" presetClass="entr" presetSubtype="0" fill="hold" grpId="0" nodeType="clickEffect">
+                                  <p:stCondLst>
+                                    <p:cond delay="0"/>
+                                  </p:stCondLst>
+                                  <p:childTnLst>
+                                    <p:set>
+                                      <p:cBhvr>
+                                        <p:cTn id="10" dur="1" fill="hold">
+                                          <p:stCondLst>
+                                            <p:cond delay="0"/>
+                                          </p:stCondLst>
+                                        </p:cTn>
+                                        <p:tgtEl>
+                                          <p:spTgt spid="7"/>
+                                        </p:tgtEl>
+                                        <p:attrNameLst>
+                                          <p:attrName>style.visibility</p:attrName>
+                                        </p:attrNameLst>
+                                      </p:cBhvr>
+                                      <p:to>
+                                        <p:strVal val="visible"/>
+                                      </p:to>
+                                    </p:set>
+                                  </p:childTnLst>
+                                </p:cTn>
+                              </p:par>
+                            </p:childTnLst>
+                          </p:cTn>
+                        </p:par>
+                      </p:childTnLst>
+                    </p:cTn>
+                  </p:par>
+                  <p:par>
+                    <p:cTn id="11" fill="hold">
+                      <p:stCondLst>
+                        <p:cond delay="indefinite"/>
+                      </p:stCondLst>
+                      <p:childTnLst>
+                        <p:par>
+                          <p:cTn id="12" fill="hold">
+                            <p:stCondLst>
+                              <p:cond delay="0"/>
+                            </p:stCondLst>
+                            <p:childTnLst>
+                              <p:par>
+                                <p:cTn id="13" presetID="1" presetClass="entr" presetSubtype="0" fill="hold" grpId="0" nodeType="clickEffect">
+                                  <p:stCondLst>
+                                    <p:cond delay="0"/>
+                                  </p:stCondLst>
+                                  <p:childTnLst>
+                                    <p:set>
+                                      <p:cBhvr>
+                                        <p:cTn id="14" dur="1" fill="hold">
+                                          <p:stCondLst>
+                                            <p:cond delay="0"/>
+                                          </p:stCondLst>
+                                        </p:cTn>
+                                        <p:tgtEl>
+                                          <p:spTgt spid="17"/>
+                                        </p:tgtEl>
+                                        <p:attrNameLst>
+                                          <p:attrName>style.visibility</p:attrName>
+                                        </p:attrNameLst>
+                                      </p:cBhvr>
+                                      <p:to>
+                                        <p:strVal val="visible"/>
+                                      </p:to>
+                                    </p:set>
+                                  </p:childTnLst>
+                                </p:cTn>
+                              </p:par>
+                            </p:childTnLst>
+                          </p:cTn>
+                        </p:par>
+                      </p:childTnLst>
+                    </p:cTn>
+                  </p:par>
+                  <p:par>
+                    <p:cTn id="15" fill="hold">
+                      <p:stCondLst>
+                        <p:cond delay="indefinite"/>
+                      </p:stCondLst>
+                      <p:childTnLst>
+                        <p:par>
+                          <p:cTn id="16" fill="hold">
+                            <p:stCondLst>
+                              <p:cond delay="0"/>
+                            </p:stCondLst>
+                            <p:childTnLst>
+                              <p:par>
+                                <p:cTn id="17" presetID="1" presetClass="entr" presetSubtype="0" fill="hold" grpId="0" nodeType="clickEffect">
+                                  <p:stCondLst>
+                                    <p:cond delay="0"/>
+                                  </p:stCondLst>
+                                  <p:childTnLst>
+                                    <p:set>
+                                      <p:cBhvr>
+                                        <p:cTn id="18" dur="1" fill="hold">
+                                          <p:stCondLst>
+                                            <p:cond delay="0"/>
+                                          </p:stCondLst>
+                                        </p:cTn>
+                                        <p:tgtEl>
+                                          <p:spTgt spid="8"/>
+                                        </p:tgtEl>
+                                        <p:attrNameLst>
+                                          <p:attrName>style.visibility</p:attrName>
+                                        </p:attrNameLst>
+                                      </p:cBhvr>
+                                      <p:to>
+                                        <p:strVal val="visible"/>
+                                      </p:to>
+                                    </p:set>
+                                  </p:childTnLst>
+                                </p:cTn>
+                              </p:par>
+                            </p:childTnLst>
+                          </p:cTn>
+                        </p:par>
+                      </p:childTnLst>
+                    </p:cTn>
+                  </p:par>
+                  <p:par>
+                    <p:cTn id="19" fill="hold">
+                      <p:stCondLst>
+                        <p:cond delay="indefinite"/>
+                      </p:stCondLst>
+                      <p:childTnLst>
+                        <p:par>
+                          <p:cTn id="20" fill="hold">
+                            <p:stCondLst>
+                              <p:cond delay="0"/>
+                            </p:stCondLst>
+                            <p:childTnLst>
+                              <p:par>
+                                <p:cTn id="21" presetID="1" presetClass="entr" presetSubtype="0" fill="hold" grpId="0" nodeType="clickEffect">
+                                  <p:stCondLst>
+                                    <p:cond delay="0"/>
+                                  </p:stCondLst>
+                                  <p:childTnLst>
+                                    <p:set>
+                                      <p:cBhvr>
+                                        <p:cTn id="22" dur="1" fill="hold">
+                                          <p:stCondLst>
+                                            <p:cond delay="0"/>
+                                          </p:stCondLst>
+                                        </p:cTn>
+                                        <p:tgtEl>
+                                          <p:spTgt spid="11"/>
+                                        </p:tgtEl>
+                                        <p:attrNameLst>
+                                          <p:attrName>style.visibility</p:attrName>
+                                        </p:attrNameLst>
+                                      </p:cBhvr>
+                                      <p:to>
+                                        <p:strVal val="visible"/>
+                                      </p:to>
+                                    </p:set>
+                                  </p:childTnLst>
+                                </p:cTn>
+                              </p:par>
+                            </p:childTnLst>
+                          </p:cTn>
+                        </p:par>
+                      </p:childTnLst>
+                    </p:cTn>
+                  </p:par>
+                  <p:par>
+                    <p:cTn id="23" fill="hold">
+                      <p:stCondLst>
+                        <p:cond delay="indefinite"/>
+                      </p:stCondLst>
+                      <p:childTnLst>
+                        <p:par>
+                          <p:cTn id="24" fill="hold">
+                            <p:stCondLst>
+                              <p:cond delay="0"/>
+                            </p:stCondLst>
+                            <p:childTnLst>
+                              <p:par>
+                                <p:cTn id="25" presetID="1" presetClass="entr" presetSubtype="0" fill="hold" grpId="0" nodeType="clickEffect">
+                                  <p:stCondLst>
+                                    <p:cond delay="0"/>
+                                  </p:stCondLst>
+                                  <p:childTnLst>
+                                    <p:set>
+                                      <p:cBhvr>
+                                        <p:cTn id="26" dur="1" fill="hold">
+                                          <p:stCondLst>
+                                            <p:cond delay="0"/>
+                                          </p:stCondLst>
+                                        </p:cTn>
+                                        <p:tgtEl>
+                                          <p:spTgt spid="12"/>
+                                        </p:tgtEl>
+                                        <p:attrNameLst>
+                                          <p:attrName>style.visibility</p:attrName>
+                                        </p:attrNameLst>
+                                      </p:cBhvr>
+                                      <p:to>
+                                        <p:strVal val="visible"/>
+                                      </p:to>
+                                    </p:set>
+                                  </p:childTnLst>
+                                </p:cTn>
+                              </p:par>
+                            </p:childTnLst>
+                          </p:cTn>
+                        </p:par>
+                      </p:childTnLst>
+                    </p:cTn>
+                  </p:par>
+                  <p:par>
+                    <p:cTn id="27" fill="hold">
+                      <p:stCondLst>
+                        <p:cond delay="indefinite"/>
+                      </p:stCondLst>
+                      <p:childTnLst>
+                        <p:par>
+                          <p:cTn id="28" fill="hold">
+                            <p:stCondLst>
+                              <p:cond delay="0"/>
+                            </p:stCondLst>
+                            <p:childTnLst>
+                              <p:par>
+                                <p:cTn id="29" presetID="1" presetClass="entr" presetSubtype="0" fill="hold" grpId="0" nodeType="clickEffect">
+                                  <p:stCondLst>
+                                    <p:cond delay="0"/>
+                                  </p:stCondLst>
+                                  <p:childTnLst>
+                                    <p:set>
+                                      <p:cBhvr>
+                                        <p:cTn id="30" dur="1" fill="hold">
+                                          <p:stCondLst>
+                                            <p:cond delay="0"/>
+                                          </p:stCondLst>
+                                        </p:cTn>
+                                        <p:tgtEl>
+                                          <p:spTgt spid="13"/>
+                                        </p:tgtEl>
+                                        <p:attrNameLst>
+                                          <p:attrName>style.visibility</p:attrName>
+                                        </p:attrNameLst>
+                                      </p:cBhvr>
+                                      <p:to>
+                                        <p:strVal val="visible"/>
+                                      </p:to>
+                                    </p:set>
+                                  </p:childTnLst>
+                                </p:cTn>
+                              </p:par>
+                            </p:childTnLst>
+                          </p:cTn>
+                        </p:par>
+                      </p:childTnLst>
+                    </p:cTn>
+                  </p:par>
+                  <p:par>
+                    <p:cTn id="31" fill="hold">
+                      <p:stCondLst>
+                        <p:cond delay="indefinite"/>
+                      </p:stCondLst>
+                      <p:childTnLst>
+                        <p:par>
+                          <p:cTn id="32" fill="hold">
+                            <p:stCondLst>
+                              <p:cond delay="0"/>
+                            </p:stCondLst>
+                            <p:childTnLst>
+                              <p:par>
+                                <p:cTn id="33" presetID="1" presetClass="entr" presetSubtype="0" fill="hold" grpId="0" nodeType="clickEffect">
+                                  <p:stCondLst>
+                                    <p:cond delay="0"/>
+                                  </p:stCondLst>
+                                  <p:childTnLst>
+                                    <p:set>
+                                      <p:cBhvr>
+                                        <p:cTn id="34" dur="1" fill="hold">
+                                          <p:stCondLst>
+                                            <p:cond delay="0"/>
+                                          </p:stCondLst>
+                                        </p:cTn>
+                                        <p:tgtEl>
+                                          <p:spTgt spid="15"/>
+                                        </p:tgtEl>
+                                        <p:attrNameLst>
+                                          <p:attrName>style.visibility</p:attrName>
+                                        </p:attrNameLst>
+                                      </p:cBhvr>
+                                      <p:to>
+                                        <p:strVal val="visible"/>
+                                      </p:to>
+                                    </p:set>
+                                  </p:childTnLst>
+                                </p:cTn>
+                              </p:par>
+                            </p:childTnLst>
+                          </p:cTn>
+                        </p:par>
+                      </p:childTnLst>
+                    </p:cTn>
+                  </p:par>
+                  <p:par>
+                    <p:cTn id="35" fill="hold">
+                      <p:stCondLst>
+                        <p:cond delay="indefinite"/>
+                      </p:stCondLst>
+                      <p:childTnLst>
+                        <p:par>
+                          <p:cTn id="36" fill="hold">
+                            <p:stCondLst>
+                              <p:cond delay="0"/>
+                            </p:stCondLst>
+                            <p:childTnLst>
+                              <p:par>
+                                <p:cTn id="37" presetID="1" presetClass="entr" presetSubtype="0" fill="hold" grpId="0" nodeType="clickEffect">
+                                  <p:stCondLst>
+                                    <p:cond delay="0"/>
+                                  </p:stCondLst>
+                                  <p:childTnLst>
+                                    <p:set>
+                                      <p:cBhvr>
+                                        <p:cTn id="38" dur="1" fill="hold">
+                                          <p:stCondLst>
+                                            <p:cond delay="0"/>
+                                          </p:stCondLst>
+                                        </p:cTn>
+                                        <p:tgtEl>
+                                          <p:spTgt spid="14"/>
+                                        </p:tgtEl>
+                                        <p:attrNameLst>
+                                          <p:attrName>style.visibility</p:attrName>
+                                        </p:attrNameLst>
+                                      </p:cBhvr>
+                                      <p:to>
+                                        <p:strVal val="visible"/>
+                                      </p:to>
+                                    </p:set>
+                                  </p:childTnLst>
+                                </p:cTn>
+                              </p:par>
+                            </p:childTnLst>
+                          </p:cTn>
+                        </p:par>
+                      </p:childTnLst>
+                    </p:cTn>
+                  </p:par>
+                  <p:par>
+                    <p:cTn id="39" fill="hold">
+                      <p:stCondLst>
+                        <p:cond delay="indefinite"/>
+                      </p:stCondLst>
+                      <p:childTnLst>
+                        <p:par>
+                          <p:cTn id="40" fill="hold">
+                            <p:stCondLst>
+                              <p:cond delay="0"/>
+                            </p:stCondLst>
+                            <p:childTnLst>
+                              <p:par>
+                                <p:cTn id="41" presetID="1" presetClass="entr" presetSubtype="0" fill="hold" grpId="0" nodeType="clickEffect">
+                                  <p:stCondLst>
+                                    <p:cond delay="0"/>
+                                  </p:stCondLst>
+                                  <p:childTnLst>
+                                    <p:set>
+                                      <p:cBhvr>
+                                        <p:cTn id="42" dur="1" fill="hold">
+                                          <p:stCondLst>
+                                            <p:cond delay="0"/>
+                                          </p:stCondLst>
+                                        </p:cTn>
+                                        <p:tgtEl>
+                                          <p:spTgt spid="16"/>
+                                        </p:tgtEl>
+                                        <p:attrNameLst>
+                                          <p:attrName>style.visibility</p:attrName>
+                                        </p:attrNameLst>
+                                      </p:cBhvr>
+                                      <p:to>
+                                        <p:strVal val="visible"/>
+                                      </p:to>
+                                    </p:set>
+                                  </p:childTnLst>
+                                </p:cTn>
+                              </p:par>
+                            </p:childTnLst>
+                          </p:cTn>
+                        </p:par>
+                      </p:childTnLst>
+                    </p:cTn>
+                  </p:par>
+                  <p:par>
+                    <p:cTn id="43" fill="hold">
+                      <p:stCondLst>
+                        <p:cond delay="indefinite"/>
+                      </p:stCondLst>
+                      <p:childTnLst>
+                        <p:par>
+                          <p:cTn id="44" fill="hold">
+                            <p:stCondLst>
+                              <p:cond delay="0"/>
+                            </p:stCondLst>
+                            <p:childTnLst>
+                              <p:par>
+                                <p:cTn id="45" presetID="1" presetClass="entr" presetSubtype="0" fill="hold" grpId="0" nodeType="clickEffect">
+                                  <p:stCondLst>
+                                    <p:cond delay="0"/>
+                                  </p:stCondLst>
+                                  <p:childTnLst>
+                                    <p:set>
+                                      <p:cBhvr>
+                                        <p:cTn id="46" dur="1" fill="hold">
+                                          <p:stCondLst>
+                                            <p:cond delay="0"/>
+                                          </p:stCondLst>
+                                        </p:cTn>
+                                        <p:tgtEl>
+                                          <p:spTgt spid="18"/>
+                                        </p:tgtEl>
+                                        <p:attrNameLst>
+                                          <p:attrName>style.visibility</p:attrName>
+                                        </p:attrNameLst>
+                                      </p:cBhvr>
+                                      <p:to>
+                                        <p:strVal val="visible"/>
+                                      </p:to>
+                                    </p:set>
+                                  </p:childTnLst>
+                                </p:cTn>
+                              </p:par>
+                            </p:childTnLst>
+                          </p:cTn>
+                        </p:par>
+                      </p:childTnLst>
+                    </p:cTn>
+                  </p:par>
+                </p:childTnLst>
+              </p:cTn>
+              <p:prevCondLst>
+                <p:cond evt="onPrev" delay="0">
+                  <p:tgtEl>
+                    <p:sldTgt/>
+                  </p:tgtEl>
+                </p:cond>
+              </p:prevCondLst>
+              <p:nextCondLst>
+                <p:cond evt="onNext" delay="0">
+                  <p:tgtEl>
+                    <p:sldTgt/>
+                  </p:tgtEl>
+                </p:cond>
+              </p:nextCondLst>
+            </p:seq>
+          </p:childTnLst>
+        </p:cTn>
+      </p:par>
+    </p:tnLst>
+    <p:bldLst>
+      <p:bldP spid="5" grpId="0"/>
+      <p:bldP spid="7" grpId="0"/>
+      <p:bldP spid="8" grpId="0"/>
+      <p:bldP spid="11" grpId="0"/>
+      <p:bldP spid="12" grpId="0"/>
+      <p:bldP spid="13" grpId="0"/>
+      <p:bldP spid="14" grpId="0"/>
+      <p:bldP spid="15" grpId="0"/>
+      <p:bldP spid="16" grpId="0"/>
+      <p:bldP spid="17" grpId="0"/>
+      <p:bldP spid="18" grpId="0"/>
+    </p:bldLst>
+  </p:timing>
+</p:sld>
+</file>
+
+<file path=ppt/slides/slide4.xml><?xml version="1.0" encoding="utf-8"?>
+<p:sld xmlns:a="http://schemas.openxmlformats.org/drawingml/2006/main" xmlns:r="http://schemas.openxmlformats.org/officeDocument/2006/relationships" xmlns:p="http://schemas.openxmlformats.org/presentationml/2006/main">
+  <p:cSld>
+    <p:spTree>
+      <p:nvGrpSpPr>
+        <p:cNvPr id="1" name=""/>
+        <p:cNvGrpSpPr/>
+        <p:nvPr/>
+      </p:nvGrpSpPr>
+      <p:grpSpPr>
+        <a:xfrm>
+          <a:off x="0" y="0"/>
+          <a:ext cx="0" cy="0"/>
+          <a:chOff x="0" y="0"/>
+          <a:chExt cx="0" cy="0"/>
+        </a:xfrm>
+      </p:grpSpPr>
+      <p:sp>
+        <p:nvSpPr>
+          <p:cNvPr id="2" name="矩形 1"/>
+          <p:cNvSpPr/>
+          <p:nvPr/>
+        </p:nvSpPr>
+        <p:spPr>
+          <a:xfrm>
+            <a:off x="1502436" y="2967335"/>
+            <a:ext cx="9187130" cy="923330"/>
+          </a:xfrm>
+          <a:prstGeom prst="rect">
+            <a:avLst/>
+          </a:prstGeom>
+          <a:noFill/>
+        </p:spPr>
+        <p:txBody>
+          <a:bodyPr wrap="none" lIns="91440" tIns="45720" rIns="91440" bIns="45720">
+            <a:spAutoFit/>
+          </a:bodyPr>
+          <a:lstStyle/>
+          <a:p>
+            <a:pPr algn="ctr"/>
+            <a:r>
+              <a:rPr lang="zh-CN" altLang="en-US" sz="5400" dirty="0" smtClean="0">
+                <a:ln w="0"/>
+                <a:solidFill>
+                  <a:schemeClr val="bg1"/>
+                </a:solidFill>
+                <a:effectLst>
+                  <a:outerShdw blurRad="38100" dist="19050" dir="2700000" algn="tl" rotWithShape="0">
+                    <a:schemeClr val="dk1">
+                      <a:alpha val="40000"/>
+                    </a:schemeClr>
+                  </a:outerShdw>
+                </a:effectLst>
+                <a:latin typeface="SimSun-ExtB" panose="02010609060101010101" pitchFamily="49" charset="-122"/>
+                <a:ea typeface="SimSun-ExtB" panose="02010609060101010101" pitchFamily="49" charset="-122"/>
+              </a:rPr>
+              <a:t>复旦谁的数学分析</a:t>
+            </a:r>
+            <a:r>
+              <a:rPr lang="zh-CN" altLang="en-US" sz="5400" dirty="0">
+                <a:ln w="0"/>
+                <a:solidFill>
+                  <a:schemeClr val="bg1"/>
+                </a:solidFill>
+                <a:effectLst>
+                  <a:outerShdw blurRad="38100" dist="19050" dir="2700000" algn="tl" rotWithShape="0">
+                    <a:schemeClr val="dk1">
+                      <a:alpha val="40000"/>
+                    </a:schemeClr>
+                  </a:outerShdw>
+                </a:effectLst>
+                <a:latin typeface="SimSun-ExtB" panose="02010609060101010101" pitchFamily="49" charset="-122"/>
+                <a:ea typeface="SimSun-ExtB" panose="02010609060101010101" pitchFamily="49" charset="-122"/>
+              </a:rPr>
+              <a:t>教</a:t>
+            </a:r>
+            <a:r>
+              <a:rPr lang="zh-CN" altLang="en-US" sz="5400" dirty="0" smtClean="0">
+                <a:ln w="0"/>
+                <a:solidFill>
+                  <a:schemeClr val="bg1"/>
+                </a:solidFill>
+                <a:effectLst>
+                  <a:outerShdw blurRad="38100" dist="19050" dir="2700000" algn="tl" rotWithShape="0">
+                    <a:schemeClr val="dk1">
+                      <a:alpha val="40000"/>
+                    </a:schemeClr>
+                  </a:outerShdw>
+                </a:effectLst>
+                <a:latin typeface="SimSun-ExtB" panose="02010609060101010101" pitchFamily="49" charset="-122"/>
+                <a:ea typeface="SimSun-ExtB" panose="02010609060101010101" pitchFamily="49" charset="-122"/>
+              </a:rPr>
+              <a:t>的</a:t>
+            </a:r>
+            <a:r>
+              <a:rPr lang="zh-CN" altLang="en-US" sz="5400" dirty="0">
+                <a:ln w="0"/>
+                <a:solidFill>
+                  <a:schemeClr val="bg1"/>
+                </a:solidFill>
+                <a:effectLst>
+                  <a:outerShdw blurRad="38100" dist="19050" dir="2700000" algn="tl" rotWithShape="0">
+                    <a:schemeClr val="dk1">
+                      <a:alpha val="40000"/>
+                    </a:schemeClr>
+                  </a:outerShdw>
+                </a:effectLst>
+                <a:latin typeface="SimSun-ExtB" panose="02010609060101010101" pitchFamily="49" charset="-122"/>
+                <a:ea typeface="SimSun-ExtB" panose="02010609060101010101" pitchFamily="49" charset="-122"/>
+              </a:rPr>
+              <a:t>最</a:t>
+            </a:r>
+            <a:r>
+              <a:rPr lang="zh-CN" altLang="en-US" sz="5400" dirty="0" smtClean="0">
+                <a:ln w="0"/>
+                <a:solidFill>
+                  <a:schemeClr val="bg1"/>
+                </a:solidFill>
+                <a:effectLst>
+                  <a:outerShdw blurRad="38100" dist="19050" dir="2700000" algn="tl" rotWithShape="0">
+                    <a:schemeClr val="dk1">
+                      <a:alpha val="40000"/>
+                    </a:schemeClr>
+                  </a:outerShdw>
+                </a:effectLst>
+                <a:latin typeface="SimSun-ExtB" panose="02010609060101010101" pitchFamily="49" charset="-122"/>
+                <a:ea typeface="SimSun-ExtB" panose="02010609060101010101" pitchFamily="49" charset="-122"/>
+              </a:rPr>
+              <a:t>好？</a:t>
+            </a:r>
+            <a:endParaRPr lang="zh-CN" altLang="en-US" sz="5400" b="0" cap="none" spc="0" dirty="0">
+              <a:ln w="0"/>
+              <a:solidFill>
+                <a:schemeClr val="bg1"/>
+              </a:solidFill>
+              <a:effectLst>
+                <a:outerShdw blurRad="38100" dist="19050" dir="2700000" algn="tl" rotWithShape="0">
+                  <a:schemeClr val="dk1">
+                    <a:alpha val="40000"/>
+                  </a:schemeClr>
+                </a:outerShdw>
+              </a:effectLst>
+              <a:latin typeface="SimSun-ExtB" panose="02010609060101010101" pitchFamily="49" charset="-122"/>
+              <a:ea typeface="SimSun-ExtB" panose="02010609060101010101" pitchFamily="49" charset="-122"/>
+            </a:endParaRPr>
+          </a:p>
+        </p:txBody>
+      </p:sp>
+    </p:spTree>
+    <p:extLst>
+      <p:ext uri="{BB962C8B-B14F-4D97-AF65-F5344CB8AC3E}">
+        <p14:creationId xmlns:p14="http://schemas.microsoft.com/office/powerpoint/2010/main" val="574435360"/>
+      </p:ext>
+    </p:extLst>
+  </p:cSld>
+  <p:clrMapOvr>
+    <a:masterClrMapping/>
+  </p:clrMapOvr>
+  <mc:AlternateContent xmlns:mc="http://schemas.openxmlformats.org/markup-compatibility/2006" xmlns:p14="http://schemas.microsoft.com/office/powerpoint/2010/main">
+    <mc:Choice Requires="p14">
+      <p:transition spd="slow" p14:dur="2000"/>
+    </mc:Choice>
+    <mc:Fallback xmlns="">
+      <p:transition spd="slow"/>
+    </mc:Fallback>
+  </mc:AlternateContent>
+  <p:timing>
+    <p:tnLst>
+      <p:par>
+        <p:cTn id="1" dur="indefinite" restart="never" nodeType="tmRoot"/>
+      </p:par>
+    </p:tnLst>
+  </p:timing>
+</p:sld>
+</file>
+
+<file path=ppt/slides/slide5.xml><?xml version="1.0" encoding="utf-8"?>
+<p:sld xmlns:a="http://schemas.openxmlformats.org/drawingml/2006/main" xmlns:r="http://schemas.openxmlformats.org/officeDocument/2006/relationships" xmlns:p="http://schemas.openxmlformats.org/presentationml/2006/main">
+  <p:cSld>
+    <p:spTree>
+      <p:nvGrpSpPr>
+        <p:cNvPr id="1" name=""/>
+        <p:cNvGrpSpPr/>
+        <p:nvPr/>
+      </p:nvGrpSpPr>
+      <p:grpSpPr>
+        <a:xfrm>
+          <a:off x="0" y="0"/>
+          <a:ext cx="0" cy="0"/>
+          <a:chOff x="0" y="0"/>
+          <a:chExt cx="0" cy="0"/>
+        </a:xfrm>
+      </p:grpSpPr>
+      <p:sp>
+        <p:nvSpPr>
+          <p:cNvPr id="2" name="标题 1"/>
+          <p:cNvSpPr>
+            <a:spLocks noGrp="1"/>
+          </p:cNvSpPr>
+          <p:nvPr>
+            <p:ph type="title"/>
+          </p:nvPr>
+        </p:nvSpPr>
+        <p:spPr/>
+        <p:txBody>
+          <a:bodyPr/>
+          <a:lstStyle/>
+          <a:p>
+            <a:endParaRPr lang="zh-CN" altLang="en-US"/>
+          </a:p>
+        </p:txBody>
+      </p:sp>
+      <p:sp>
+        <p:nvSpPr>
+          <p:cNvPr id="3" name="内容占位符 2"/>
+          <p:cNvSpPr>
+            <a:spLocks noGrp="1"/>
+          </p:cNvSpPr>
+          <p:nvPr>
+            <p:ph idx="1"/>
+          </p:nvPr>
+        </p:nvSpPr>
+        <p:spPr/>
+        <p:txBody>
+          <a:bodyPr/>
+          <a:lstStyle/>
+          <a:p>
+            <a:endParaRPr lang="zh-CN" altLang="en-US"/>
+          </a:p>
+        </p:txBody>
+      </p:sp>
+      <p:pic>
+        <p:nvPicPr>
+          <p:cNvPr id="4" name="图片 3"/>
+          <p:cNvPicPr>
+            <a:picLocks noChangeAspect="1"/>
+          </p:cNvPicPr>
+          <p:nvPr/>
+        </p:nvPicPr>
+        <p:blipFill>
+          <a:blip r:embed="rId2"/>
+          <a:stretch>
+            <a:fillRect/>
+          </a:stretch>
+        </p:blipFill>
+        <p:spPr>
+          <a:xfrm>
+            <a:off x="0" y="0"/>
+            <a:ext cx="12614563" cy="6858000"/>
+          </a:xfrm>
+          <a:prstGeom prst="rect">
+            <a:avLst/>
+          </a:prstGeom>
+        </p:spPr>
+      </p:pic>
+    </p:spTree>
+    <p:extLst>
+      <p:ext uri="{BB962C8B-B14F-4D97-AF65-F5344CB8AC3E}">
+        <p14:creationId xmlns:p14="http://schemas.microsoft.com/office/powerpoint/2010/main" val="2682132338"/>
+      </p:ext>
+    </p:extLst>
+  </p:cSld>
+  <p:clrMapOvr>
+    <a:masterClrMapping/>
+  </p:clrMapOvr>
+  <p:timing>
+    <p:tnLst>
+      <p:par>
+        <p:cTn id="1" dur="indefinite" restart="never" nodeType="tmRoot"/>
+      </p:par>
+    </p:tnLst>
+  </p:timing>
+</p:sld>
+</file>
+
+<file path=ppt/slides/slide6.xml><?xml version="1.0" encoding="utf-8"?>
+<p:sld xmlns:a="http://schemas.openxmlformats.org/drawingml/2006/main" xmlns:r="http://schemas.openxmlformats.org/officeDocument/2006/relationships" xmlns:p="http://schemas.openxmlformats.org/presentationml/2006/main">
+  <p:cSld>
+    <p:spTree>
+      <p:nvGrpSpPr>
+        <p:cNvPr id="1" name=""/>
+        <p:cNvGrpSpPr/>
+        <p:nvPr/>
+      </p:nvGrpSpPr>
+      <p:grpSpPr>
+        <a:xfrm>
+          <a:off x="0" y="0"/>
+          <a:ext cx="0" cy="0"/>
+          <a:chOff x="0" y="0"/>
+          <a:chExt cx="0" cy="0"/>
+        </a:xfrm>
+      </p:grpSpPr>
+      <p:sp>
+        <p:nvSpPr>
+          <p:cNvPr id="2" name="标题 1"/>
+          <p:cNvSpPr>
+            <a:spLocks noGrp="1"/>
+          </p:cNvSpPr>
+          <p:nvPr>
+            <p:ph type="title"/>
+          </p:nvPr>
+        </p:nvSpPr>
+        <p:spPr/>
+        <p:txBody>
+          <a:bodyPr/>
+          <a:lstStyle/>
+          <a:p>
+            <a:endParaRPr lang="zh-CN" altLang="en-US"/>
+          </a:p>
+        </p:txBody>
+      </p:sp>
+      <p:sp>
+        <p:nvSpPr>
+          <p:cNvPr id="3" name="内容占位符 2"/>
+          <p:cNvSpPr>
+            <a:spLocks noGrp="1"/>
+          </p:cNvSpPr>
+          <p:nvPr>
+            <p:ph idx="1"/>
+          </p:nvPr>
+        </p:nvSpPr>
+        <p:spPr/>
+        <p:txBody>
+          <a:bodyPr/>
+          <a:lstStyle/>
+          <a:p>
+            <a:endParaRPr lang="zh-CN" altLang="en-US"/>
+          </a:p>
+        </p:txBody>
+      </p:sp>
+      <p:pic>
+        <p:nvPicPr>
+          <p:cNvPr id="4" name="图片 3"/>
+          <p:cNvPicPr>
+            <a:picLocks noChangeAspect="1"/>
+          </p:cNvPicPr>
+          <p:nvPr/>
+        </p:nvPicPr>
+        <p:blipFill>
+          <a:blip r:embed="rId2"/>
+          <a:stretch>
+            <a:fillRect/>
+          </a:stretch>
+        </p:blipFill>
+        <p:spPr>
+          <a:xfrm>
+            <a:off x="0" y="0"/>
+            <a:ext cx="12192000" cy="6858000"/>
+          </a:xfrm>
+          <a:prstGeom prst="rect">
+            <a:avLst/>
+          </a:prstGeom>
+        </p:spPr>
+      </p:pic>
+    </p:spTree>
+    <p:extLst>
+      <p:ext uri="{BB962C8B-B14F-4D97-AF65-F5344CB8AC3E}">
+        <p14:creationId xmlns:p14="http://schemas.microsoft.com/office/powerpoint/2010/main" val="3013953200"/>
+      </p:ext>
+    </p:extLst>
+  </p:cSld>
+  <p:clrMapOvr>
+    <a:masterClrMapping/>
+  </p:clrMapOvr>
+  <p:timing>
+    <p:tnLst>
+      <p:par>
+        <p:cTn id="1" dur="indefinite" restart="never" nodeType="tmRoot"/>
+      </p:par>
+    </p:tnLst>
+  </p:timing>
+</p:sld>
+</file>
+
+<file path=ppt/slides/slide7.xml><?xml version="1.0" encoding="utf-8"?>
+<p:sld xmlns:a="http://schemas.openxmlformats.org/drawingml/2006/main" xmlns:r="http://schemas.openxmlformats.org/officeDocument/2006/relationships" xmlns:p="http://schemas.openxmlformats.org/presentationml/2006/main">
+  <p:cSld>
+    <p:spTree>
+      <p:nvGrpSpPr>
+        <p:cNvPr id="1" name=""/>
+        <p:cNvGrpSpPr/>
+        <p:nvPr/>
+      </p:nvGrpSpPr>
+      <p:grpSpPr>
+        <a:xfrm>
+          <a:off x="0" y="0"/>
+          <a:ext cx="0" cy="0"/>
+          <a:chOff x="0" y="0"/>
+          <a:chExt cx="0" cy="0"/>
+        </a:xfrm>
+      </p:grpSpPr>
+      <p:sp>
+        <p:nvSpPr>
+          <p:cNvPr id="2" name="矩形 1"/>
+          <p:cNvSpPr/>
+          <p:nvPr/>
+        </p:nvSpPr>
+        <p:spPr>
+          <a:xfrm>
+            <a:off x="2194927" y="2967335"/>
+            <a:ext cx="7802136" cy="923330"/>
+          </a:xfrm>
+          <a:prstGeom prst="rect">
+            <a:avLst/>
+          </a:prstGeom>
+          <a:noFill/>
+        </p:spPr>
+        <p:txBody>
+          <a:bodyPr wrap="none" lIns="91440" tIns="45720" rIns="91440" bIns="45720">
+            <a:spAutoFit/>
+          </a:bodyPr>
+          <a:lstStyle/>
+          <a:p>
+            <a:pPr algn="ctr"/>
+            <a:r>
+              <a:rPr lang="zh-CN" altLang="en-US" sz="5400" dirty="0" smtClean="0">
+                <a:ln w="0"/>
+                <a:solidFill>
+                  <a:schemeClr val="bg1"/>
+                </a:solidFill>
+                <a:effectLst>
+                  <a:outerShdw blurRad="38100" dist="19050" dir="2700000" algn="tl" rotWithShape="0">
+                    <a:schemeClr val="dk1">
+                      <a:alpha val="40000"/>
+                    </a:schemeClr>
+                  </a:outerShdw>
+                </a:effectLst>
+                <a:latin typeface="SimSun-ExtB" panose="02010609060101010101" pitchFamily="49" charset="-122"/>
+                <a:ea typeface="SimSun-ExtB" panose="02010609060101010101" pitchFamily="49" charset="-122"/>
+              </a:rPr>
+              <a:t>现在校车排队的人多吗？</a:t>
+            </a:r>
+            <a:endParaRPr lang="zh-CN" altLang="en-US" sz="5400" b="0" cap="none" spc="0" dirty="0">
+              <a:ln w="0"/>
+              <a:solidFill>
+                <a:schemeClr val="bg1"/>
+              </a:solidFill>
+              <a:effectLst>
+                <a:outerShdw blurRad="38100" dist="19050" dir="2700000" algn="tl" rotWithShape="0">
+                  <a:schemeClr val="dk1">
+                    <a:alpha val="40000"/>
+                  </a:schemeClr>
+                </a:outerShdw>
+              </a:effectLst>
+              <a:latin typeface="SimSun-ExtB" panose="02010609060101010101" pitchFamily="49" charset="-122"/>
+              <a:ea typeface="SimSun-ExtB" panose="02010609060101010101" pitchFamily="49" charset="-122"/>
+            </a:endParaRPr>
+          </a:p>
+        </p:txBody>
+      </p:sp>
+    </p:spTree>
+    <p:extLst>
+      <p:ext uri="{BB962C8B-B14F-4D97-AF65-F5344CB8AC3E}">
+        <p14:creationId xmlns:p14="http://schemas.microsoft.com/office/powerpoint/2010/main" val="903503202"/>
+      </p:ext>
+    </p:extLst>
+  </p:cSld>
+  <p:clrMapOvr>
+    <a:masterClrMapping/>
+  </p:clrMapOvr>
+  <mc:AlternateContent xmlns:mc="http://schemas.openxmlformats.org/markup-compatibility/2006" xmlns:p14="http://schemas.microsoft.com/office/powerpoint/2010/main">
+    <mc:Choice Requires="p14">
+      <p:transition spd="slow" p14:dur="2000"/>
+    </mc:Choice>
+    <mc:Fallback xmlns="">
+      <p:transition spd="slow"/>
+    </mc:Fallback>
+  </mc:AlternateContent>
+  <p:timing>
+    <p:tnLst>
+      <p:par>
+        <p:cTn id="1" dur="indefinite" restart="never" nodeType="tmRoot"/>
+      </p:par>
+    </p:tnLst>
+  </p:timing>
+</p:sld>
+</file>
+
+<file path=ppt/slides/slide8.xml><?xml version="1.0" encoding="utf-8"?>
+<p:sld xmlns:a="http://schemas.openxmlformats.org/drawingml/2006/main" xmlns:r="http://schemas.openxmlformats.org/officeDocument/2006/relationships" xmlns:p="http://schemas.openxmlformats.org/presentationml/2006/main">
+  <p:cSld>
+    <p:spTree>
+      <p:nvGrpSpPr>
+        <p:cNvPr id="1" name=""/>
+        <p:cNvGrpSpPr/>
+        <p:nvPr/>
+      </p:nvGrpSpPr>
+      <p:grpSpPr>
+        <a:xfrm>
+          <a:off x="0" y="0"/>
+          <a:ext cx="0" cy="0"/>
+          <a:chOff x="0" y="0"/>
+          <a:chExt cx="0" cy="0"/>
+        </a:xfrm>
+      </p:grpSpPr>
+      <p:sp>
+        <p:nvSpPr>
+          <p:cNvPr id="2" name="矩形 1"/>
+          <p:cNvSpPr/>
+          <p:nvPr/>
+        </p:nvSpPr>
+        <p:spPr>
+          <a:xfrm>
+            <a:off x="1848671" y="2967335"/>
+            <a:ext cx="8494633" cy="923330"/>
+          </a:xfrm>
+          <a:prstGeom prst="rect">
+            <a:avLst/>
+          </a:prstGeom>
+          <a:noFill/>
+        </p:spPr>
+        <p:txBody>
+          <a:bodyPr wrap="none" lIns="91440" tIns="45720" rIns="91440" bIns="45720">
+            <a:spAutoFit/>
+          </a:bodyPr>
+          <a:lstStyle/>
+          <a:p>
+            <a:pPr algn="ctr"/>
+            <a:r>
+              <a:rPr lang="zh-CN" altLang="en-US" sz="5400" dirty="0" smtClean="0">
+                <a:ln w="0"/>
+                <a:solidFill>
+                  <a:schemeClr val="bg1"/>
+                </a:solidFill>
+                <a:effectLst>
+                  <a:outerShdw blurRad="38100" dist="19050" dir="2700000" algn="tl" rotWithShape="0">
+                    <a:schemeClr val="dk1">
+                      <a:alpha val="40000"/>
+                    </a:schemeClr>
+                  </a:outerShdw>
+                </a:effectLst>
+                <a:latin typeface="SimSun-ExtB" panose="02010609060101010101" pitchFamily="49" charset="-122"/>
+                <a:ea typeface="SimSun-ExtB" panose="02010609060101010101" pitchFamily="49" charset="-122"/>
+              </a:rPr>
+              <a:t>在</a:t>
+            </a:r>
+            <a:r>
+              <a:rPr lang="en-US" altLang="zh-CN" sz="5400" dirty="0" smtClean="0">
+                <a:ln w="0"/>
+                <a:solidFill>
+                  <a:schemeClr val="bg1"/>
+                </a:solidFill>
+                <a:effectLst>
+                  <a:outerShdw blurRad="38100" dist="19050" dir="2700000" algn="tl" rotWithShape="0">
+                    <a:schemeClr val="dk1">
+                      <a:alpha val="40000"/>
+                    </a:schemeClr>
+                  </a:outerShdw>
+                </a:effectLst>
+                <a:latin typeface="SimSun-ExtB" panose="02010609060101010101" pitchFamily="49" charset="-122"/>
+                <a:ea typeface="SimSun-ExtB" panose="02010609060101010101" pitchFamily="49" charset="-122"/>
+              </a:rPr>
+              <a:t>XX</a:t>
+            </a:r>
+            <a:r>
+              <a:rPr lang="zh-CN" altLang="en-US" sz="5400" dirty="0" smtClean="0">
+                <a:ln w="0"/>
+                <a:solidFill>
+                  <a:schemeClr val="bg1"/>
+                </a:solidFill>
+                <a:effectLst>
+                  <a:outerShdw blurRad="38100" dist="19050" dir="2700000" algn="tl" rotWithShape="0">
+                    <a:schemeClr val="dk1">
+                      <a:alpha val="40000"/>
+                    </a:schemeClr>
+                  </a:outerShdw>
+                </a:effectLst>
+                <a:latin typeface="SimSun-ExtB" panose="02010609060101010101" pitchFamily="49" charset="-122"/>
+                <a:ea typeface="SimSun-ExtB" panose="02010609060101010101" pitchFamily="49" charset="-122"/>
+              </a:rPr>
+              <a:t>老师的实验室怎么样</a:t>
+            </a:r>
+            <a:r>
+              <a:rPr lang="zh-CN" altLang="en-US" sz="5400" dirty="0" smtClean="0">
+                <a:ln w="0"/>
+                <a:solidFill>
+                  <a:schemeClr val="bg1"/>
+                </a:solidFill>
+                <a:effectLst>
+                  <a:outerShdw blurRad="38100" dist="19050" dir="2700000" algn="tl" rotWithShape="0">
+                    <a:schemeClr val="dk1">
+                      <a:alpha val="40000"/>
+                    </a:schemeClr>
+                  </a:outerShdw>
+                </a:effectLst>
+                <a:latin typeface="SimSun-ExtB" panose="02010609060101010101" pitchFamily="49" charset="-122"/>
+                <a:ea typeface="SimSun-ExtB" panose="02010609060101010101" pitchFamily="49" charset="-122"/>
+              </a:rPr>
+              <a:t>？</a:t>
+            </a:r>
+            <a:endParaRPr lang="zh-CN" altLang="en-US" sz="5400" b="0" cap="none" spc="0" dirty="0">
+              <a:ln w="0"/>
+              <a:solidFill>
+                <a:schemeClr val="bg1"/>
+              </a:solidFill>
+              <a:effectLst>
+                <a:outerShdw blurRad="38100" dist="19050" dir="2700000" algn="tl" rotWithShape="0">
+                  <a:schemeClr val="dk1">
+                    <a:alpha val="40000"/>
+                  </a:schemeClr>
+                </a:outerShdw>
+              </a:effectLst>
+              <a:latin typeface="SimSun-ExtB" panose="02010609060101010101" pitchFamily="49" charset="-122"/>
+              <a:ea typeface="SimSun-ExtB" panose="02010609060101010101" pitchFamily="49" charset="-122"/>
+            </a:endParaRPr>
+          </a:p>
+        </p:txBody>
+      </p:sp>
+    </p:spTree>
+    <p:extLst>
+      <p:ext uri="{BB962C8B-B14F-4D97-AF65-F5344CB8AC3E}">
+        <p14:creationId xmlns:p14="http://schemas.microsoft.com/office/powerpoint/2010/main" val="2917770510"/>
+      </p:ext>
+    </p:extLst>
+  </p:cSld>
+  <p:clrMapOvr>
+    <a:masterClrMapping/>
+  </p:clrMapOvr>
+  <mc:AlternateContent xmlns:mc="http://schemas.openxmlformats.org/markup-compatibility/2006" xmlns:p14="http://schemas.microsoft.com/office/powerpoint/2010/main">
+    <mc:Choice Requires="p14">
+      <p:transition spd="slow" p14:dur="2000"/>
+    </mc:Choice>
+    <mc:Fallback xmlns="">
+      <p:transition spd="slow"/>
+    </mc:Fallback>
+  </mc:AlternateContent>
+  <p:timing>
+    <p:tnLst>
+      <p:par>
+        <p:cTn id="1" dur="indefinite" restart="never" nodeType="tmRoot"/>
+      </p:par>
+    </p:tnLst>
+  </p:timing>
+</p:sld>
+</file>
+
+<file path=ppt/slides/slide9.xml><?xml version="1.0" encoding="utf-8"?>
+<p:sld xmlns:a="http://schemas.openxmlformats.org/drawingml/2006/main" xmlns:r="http://schemas.openxmlformats.org/officeDocument/2006/relationships" xmlns:p="http://schemas.openxmlformats.org/presentationml/2006/main">
+  <p:cSld>
+    <p:spTree>
+      <p:nvGrpSpPr>
+        <p:cNvPr id="1" name=""/>
+        <p:cNvGrpSpPr/>
+        <p:nvPr/>
+      </p:nvGrpSpPr>
+      <p:grpSpPr>
+        <a:xfrm>
+          <a:off x="0" y="0"/>
+          <a:ext cx="0" cy="0"/>
+          <a:chOff x="0" y="0"/>
+          <a:chExt cx="0" cy="0"/>
+        </a:xfrm>
+      </p:grpSpPr>
+      <p:sp>
+        <p:nvSpPr>
+          <p:cNvPr id="3" name="椭圆 2"/>
+          <p:cNvSpPr/>
+          <p:nvPr/>
+        </p:nvSpPr>
+        <p:spPr>
+          <a:xfrm>
+            <a:off x="983673" y="2424545"/>
+            <a:ext cx="2784763" cy="2854037"/>
+          </a:xfrm>
+          <a:prstGeom prst="ellipse">
+            <a:avLst/>
+          </a:prstGeom>
+          <a:solidFill>
+            <a:schemeClr val="accent2"/>
+          </a:solidFill>
+          <a:ln>
+            <a:noFill/>
+          </a:ln>
+          <a:effectLst>
+            <a:outerShdw blurRad="44450" dist="27940" dir="5400000" algn="ctr">
+              <a:srgbClr val="000000">
+                <a:alpha val="32000"/>
+              </a:srgbClr>
+            </a:outerShdw>
+          </a:effectLst>
+          <a:scene3d>
+            <a:camera prst="orthographicFront">
+              <a:rot lat="0" lon="0" rev="0"/>
+            </a:camera>
+            <a:lightRig rig="balanced" dir="t">
+              <a:rot lat="0" lon="0" rev="8700000"/>
+            </a:lightRig>
+          </a:scene3d>
+          <a:sp3d>
+            <a:bevelT w="190500" h="38100"/>
+          </a:sp3d>
+        </p:spPr>
+        <p:style>
+          <a:lnRef idx="2">
+            <a:schemeClr val="accent1">
+              <a:shade val="50000"/>
+            </a:schemeClr>
+          </a:lnRef>
+          <a:fillRef idx="1">
+            <a:schemeClr val="accent1"/>
+          </a:fillRef>
+          <a:effectRef idx="0">
+            <a:schemeClr val="accent1"/>
+          </a:effectRef>
+          <a:fontRef idx="minor">
+            <a:schemeClr val="lt1"/>
+          </a:fontRef>
+        </p:style>
+        <p:txBody>
+          <a:bodyPr rtlCol="0" anchor="ctr"/>
+          <a:lstStyle/>
+          <a:p>
+            <a:pPr algn="ctr"/>
+            <a:r>
+              <a:rPr lang="zh-CN" altLang="en-US" sz="4400" b="1" dirty="0" smtClean="0">
+                <a:latin typeface="SimSun-ExtB" panose="02010609060101010101" pitchFamily="49" charset="-122"/>
+                <a:ea typeface="SimSun-ExtB" panose="02010609060101010101" pitchFamily="49" charset="-122"/>
+              </a:rPr>
+              <a:t>针对性</a:t>
+            </a:r>
+            <a:endParaRPr lang="zh-CN" altLang="en-US" sz="4400" b="1" dirty="0">
+              <a:latin typeface="SimSun-ExtB" panose="02010609060101010101" pitchFamily="49" charset="-122"/>
+              <a:ea typeface="SimSun-ExtB" panose="02010609060101010101" pitchFamily="49" charset="-122"/>
+            </a:endParaRPr>
+          </a:p>
+        </p:txBody>
+      </p:sp>
+      <p:sp>
+        <p:nvSpPr>
+          <p:cNvPr id="4" name="椭圆 3"/>
+          <p:cNvSpPr/>
+          <p:nvPr/>
+        </p:nvSpPr>
+        <p:spPr>
+          <a:xfrm>
+            <a:off x="4433455" y="2424545"/>
+            <a:ext cx="2784763" cy="2854037"/>
+          </a:xfrm>
+          <a:prstGeom prst="ellipse">
+            <a:avLst/>
+          </a:prstGeom>
+          <a:solidFill>
+            <a:schemeClr val="accent2"/>
+          </a:solidFill>
+          <a:ln>
+            <a:noFill/>
+          </a:ln>
+          <a:effectLst>
+            <a:outerShdw blurRad="44450" dist="27940" dir="5400000" algn="ctr">
+              <a:srgbClr val="000000">
+                <a:alpha val="32000"/>
+              </a:srgbClr>
+            </a:outerShdw>
+          </a:effectLst>
+          <a:scene3d>
+            <a:camera prst="orthographicFront">
+              <a:rot lat="0" lon="0" rev="0"/>
+            </a:camera>
+            <a:lightRig rig="balanced" dir="t">
+              <a:rot lat="0" lon="0" rev="8700000"/>
+            </a:lightRig>
+          </a:scene3d>
+          <a:sp3d>
+            <a:bevelT w="190500" h="38100"/>
+          </a:sp3d>
+        </p:spPr>
+        <p:style>
+          <a:lnRef idx="2">
+            <a:schemeClr val="accent1">
+              <a:shade val="50000"/>
+            </a:schemeClr>
+          </a:lnRef>
+          <a:fillRef idx="1">
+            <a:schemeClr val="accent1"/>
+          </a:fillRef>
+          <a:effectRef idx="0">
+            <a:schemeClr val="accent1"/>
+          </a:effectRef>
+          <a:fontRef idx="minor">
+            <a:schemeClr val="lt1"/>
+          </a:fontRef>
+        </p:style>
+        <p:txBody>
+          <a:bodyPr rtlCol="0" anchor="ctr"/>
+          <a:lstStyle/>
+          <a:p>
+            <a:pPr algn="ctr"/>
+            <a:r>
+              <a:rPr lang="zh-CN" altLang="en-US" sz="4400" b="1" dirty="0" smtClean="0">
+                <a:latin typeface="SimSun-ExtB" panose="02010609060101010101" pitchFamily="49" charset="-122"/>
+                <a:ea typeface="SimSun-ExtB" panose="02010609060101010101" pitchFamily="49" charset="-122"/>
+              </a:rPr>
+              <a:t>时效性</a:t>
+            </a:r>
+            <a:endParaRPr lang="zh-CN" altLang="en-US" sz="4400" b="1" dirty="0">
+              <a:latin typeface="SimSun-ExtB" panose="02010609060101010101" pitchFamily="49" charset="-122"/>
+              <a:ea typeface="SimSun-ExtB" panose="02010609060101010101" pitchFamily="49" charset="-122"/>
+            </a:endParaRPr>
+          </a:p>
+        </p:txBody>
+      </p:sp>
+      <p:sp>
+        <p:nvSpPr>
+          <p:cNvPr id="5" name="椭圆 4"/>
+          <p:cNvSpPr/>
+          <p:nvPr/>
+        </p:nvSpPr>
+        <p:spPr>
+          <a:xfrm>
+            <a:off x="7883237" y="2424545"/>
+            <a:ext cx="2784763" cy="2854037"/>
+          </a:xfrm>
+          <a:prstGeom prst="ellipse">
+            <a:avLst/>
+          </a:prstGeom>
+          <a:solidFill>
+            <a:schemeClr val="accent2"/>
+          </a:solidFill>
+          <a:ln>
+            <a:noFill/>
+          </a:ln>
+          <a:effectLst>
+            <a:outerShdw blurRad="44450" dist="27940" dir="5400000" algn="ctr">
+              <a:srgbClr val="000000">
+                <a:alpha val="32000"/>
+              </a:srgbClr>
+            </a:outerShdw>
+          </a:effectLst>
+          <a:scene3d>
+            <a:camera prst="orthographicFront">
+              <a:rot lat="0" lon="0" rev="0"/>
+            </a:camera>
+            <a:lightRig rig="balanced" dir="t">
+              <a:rot lat="0" lon="0" rev="8700000"/>
+            </a:lightRig>
+          </a:scene3d>
+          <a:sp3d>
+            <a:bevelT w="190500" h="38100"/>
+          </a:sp3d>
+        </p:spPr>
+        <p:style>
+          <a:lnRef idx="2">
+            <a:schemeClr val="accent1">
+              <a:shade val="50000"/>
+            </a:schemeClr>
+          </a:lnRef>
+          <a:fillRef idx="1">
+            <a:schemeClr val="accent1"/>
+          </a:fillRef>
+          <a:effectRef idx="0">
+            <a:schemeClr val="accent1"/>
+          </a:effectRef>
+          <a:fontRef idx="minor">
+            <a:schemeClr val="lt1"/>
+          </a:fontRef>
+        </p:style>
+        <p:txBody>
+          <a:bodyPr rtlCol="0" anchor="ctr"/>
+          <a:lstStyle/>
+          <a:p>
+            <a:pPr algn="ctr"/>
+            <a:r>
+              <a:rPr lang="zh-CN" altLang="en-US" sz="4400" b="1" dirty="0">
+                <a:latin typeface="SimSun-ExtB" panose="02010609060101010101" pitchFamily="49" charset="-122"/>
+                <a:ea typeface="SimSun-ExtB" panose="02010609060101010101" pitchFamily="49" charset="-122"/>
+              </a:rPr>
+              <a:t>社交性</a:t>
+            </a:r>
+          </a:p>
+        </p:txBody>
+      </p:sp>
+    </p:spTree>
+    <p:extLst>
+      <p:ext uri="{BB962C8B-B14F-4D97-AF65-F5344CB8AC3E}">
         <p14:creationId xmlns:p14="http://schemas.microsoft.com/office/powerpoint/2010/main" val="4235727273"/>
       </p:ext>
     </p:extLst>
@@ -5897,11 +9068,11 @@
   <p:clrMapOvr>
     <a:masterClrMapping/>
   </p:clrMapOvr>
-  <mc:AlternateContent xmlns:mc="http://schemas.openxmlformats.org/markup-compatibility/2006">
-    <mc:Choice xmlns:p14="http://schemas.microsoft.com/office/powerpoint/2010/main" Requires="p14">
+  <mc:AlternateContent xmlns:mc="http://schemas.openxmlformats.org/markup-compatibility/2006" xmlns:p14="http://schemas.microsoft.com/office/powerpoint/2010/main">
+    <mc:Choice Requires="p14">
       <p:transition spd="slow" p14:dur="2000"/>
     </mc:Choice>
-    <mc:Fallback>
+    <mc:Fallback xmlns="">
       <p:transition spd="slow"/>
     </mc:Fallback>
   </mc:AlternateContent>
@@ -6073,376 +9244,6 @@
       <p:bldP spid="3" grpId="0" animBg="1"/>
       <p:bldP spid="4" grpId="0" animBg="1"/>
       <p:bldP spid="5" grpId="0" animBg="1"/>
-    </p:bldLst>
-  </p:timing>
-</p:sld>
-</file>
-
-<file path=ppt/slides/slide9.xml><?xml version="1.0" encoding="utf-8"?>
-<p:sld xmlns:a="http://schemas.openxmlformats.org/drawingml/2006/main" xmlns:r="http://schemas.openxmlformats.org/officeDocument/2006/relationships" xmlns:p="http://schemas.openxmlformats.org/presentationml/2006/main">
-  <p:cSld>
-    <p:spTree>
-      <p:nvGrpSpPr>
-        <p:cNvPr id="1" name=""/>
-        <p:cNvGrpSpPr/>
-        <p:nvPr/>
-      </p:nvGrpSpPr>
-      <p:grpSpPr>
-        <a:xfrm>
-          <a:off x="0" y="0"/>
-          <a:ext cx="0" cy="0"/>
-          <a:chOff x="0" y="0"/>
-          <a:chExt cx="0" cy="0"/>
-        </a:xfrm>
-      </p:grpSpPr>
-      <p:sp>
-        <p:nvSpPr>
-          <p:cNvPr id="4" name="椭圆 3"/>
-          <p:cNvSpPr/>
-          <p:nvPr/>
-        </p:nvSpPr>
-        <p:spPr>
-          <a:xfrm>
-            <a:off x="4433455" y="2424545"/>
-            <a:ext cx="2784763" cy="2854037"/>
-          </a:xfrm>
-          <a:prstGeom prst="ellipse">
-            <a:avLst/>
-          </a:prstGeom>
-          <a:solidFill>
-            <a:schemeClr val="accent2"/>
-          </a:solidFill>
-          <a:ln>
-            <a:noFill/>
-          </a:ln>
-          <a:effectLst>
-            <a:outerShdw blurRad="44450" dist="27940" dir="5400000" algn="ctr">
-              <a:srgbClr val="000000">
-                <a:alpha val="32000"/>
-              </a:srgbClr>
-            </a:outerShdw>
-          </a:effectLst>
-          <a:scene3d>
-            <a:camera prst="orthographicFront">
-              <a:rot lat="0" lon="0" rev="0"/>
-            </a:camera>
-            <a:lightRig rig="balanced" dir="t">
-              <a:rot lat="0" lon="0" rev="8700000"/>
-            </a:lightRig>
-          </a:scene3d>
-          <a:sp3d>
-            <a:bevelT w="190500" h="38100"/>
-          </a:sp3d>
-        </p:spPr>
-        <p:style>
-          <a:lnRef idx="2">
-            <a:schemeClr val="accent1">
-              <a:shade val="50000"/>
-            </a:schemeClr>
-          </a:lnRef>
-          <a:fillRef idx="1">
-            <a:schemeClr val="accent1"/>
-          </a:fillRef>
-          <a:effectRef idx="0">
-            <a:schemeClr val="accent1"/>
-          </a:effectRef>
-          <a:fontRef idx="minor">
-            <a:schemeClr val="lt1"/>
-          </a:fontRef>
-        </p:style>
-        <p:txBody>
-          <a:bodyPr rtlCol="0" anchor="ctr"/>
-          <a:lstStyle/>
-          <a:p>
-            <a:pPr algn="ctr"/>
-            <a:r>
-              <a:rPr lang="zh-CN" altLang="en-US" sz="4400" b="1" dirty="0" smtClean="0">
-                <a:latin typeface="SimSun-ExtB" panose="02010609060101010101" pitchFamily="49" charset="-122"/>
-                <a:ea typeface="SimSun-ExtB" panose="02010609060101010101" pitchFamily="49" charset="-122"/>
-              </a:rPr>
-              <a:t>时效性</a:t>
-            </a:r>
-            <a:endParaRPr lang="zh-CN" altLang="en-US" sz="4400" b="1" dirty="0">
-              <a:latin typeface="SimSun-ExtB" panose="02010609060101010101" pitchFamily="49" charset="-122"/>
-              <a:ea typeface="SimSun-ExtB" panose="02010609060101010101" pitchFamily="49" charset="-122"/>
-            </a:endParaRPr>
-          </a:p>
-        </p:txBody>
-      </p:sp>
-      <p:sp>
-        <p:nvSpPr>
-          <p:cNvPr id="5" name="椭圆 4"/>
-          <p:cNvSpPr/>
-          <p:nvPr/>
-        </p:nvSpPr>
-        <p:spPr>
-          <a:xfrm>
-            <a:off x="7883237" y="2424545"/>
-            <a:ext cx="2784763" cy="2854037"/>
-          </a:xfrm>
-          <a:prstGeom prst="ellipse">
-            <a:avLst/>
-          </a:prstGeom>
-          <a:solidFill>
-            <a:schemeClr val="accent2"/>
-          </a:solidFill>
-          <a:ln>
-            <a:noFill/>
-          </a:ln>
-          <a:effectLst>
-            <a:outerShdw blurRad="44450" dist="27940" dir="5400000" algn="ctr">
-              <a:srgbClr val="000000">
-                <a:alpha val="32000"/>
-              </a:srgbClr>
-            </a:outerShdw>
-          </a:effectLst>
-          <a:scene3d>
-            <a:camera prst="orthographicFront">
-              <a:rot lat="0" lon="0" rev="0"/>
-            </a:camera>
-            <a:lightRig rig="balanced" dir="t">
-              <a:rot lat="0" lon="0" rev="8700000"/>
-            </a:lightRig>
-          </a:scene3d>
-          <a:sp3d>
-            <a:bevelT w="190500" h="38100"/>
-          </a:sp3d>
-        </p:spPr>
-        <p:style>
-          <a:lnRef idx="2">
-            <a:schemeClr val="accent1">
-              <a:shade val="50000"/>
-            </a:schemeClr>
-          </a:lnRef>
-          <a:fillRef idx="1">
-            <a:schemeClr val="accent1"/>
-          </a:fillRef>
-          <a:effectRef idx="0">
-            <a:schemeClr val="accent1"/>
-          </a:effectRef>
-          <a:fontRef idx="minor">
-            <a:schemeClr val="lt1"/>
-          </a:fontRef>
-        </p:style>
-        <p:txBody>
-          <a:bodyPr rtlCol="0" anchor="ctr"/>
-          <a:lstStyle/>
-          <a:p>
-            <a:pPr algn="ctr"/>
-            <a:r>
-              <a:rPr lang="zh-CN" altLang="en-US" sz="4400" b="1" dirty="0">
-                <a:latin typeface="SimSun-ExtB" panose="02010609060101010101" pitchFamily="49" charset="-122"/>
-                <a:ea typeface="SimSun-ExtB" panose="02010609060101010101" pitchFamily="49" charset="-122"/>
-              </a:rPr>
-              <a:t>社交性</a:t>
-            </a:r>
-          </a:p>
-        </p:txBody>
-      </p:sp>
-      <p:sp>
-        <p:nvSpPr>
-          <p:cNvPr id="3" name="椭圆 2"/>
-          <p:cNvSpPr/>
-          <p:nvPr/>
-        </p:nvSpPr>
-        <p:spPr>
-          <a:xfrm>
-            <a:off x="983673" y="2424545"/>
-            <a:ext cx="2784763" cy="2854037"/>
-          </a:xfrm>
-          <a:prstGeom prst="ellipse">
-            <a:avLst/>
-          </a:prstGeom>
-          <a:solidFill>
-            <a:schemeClr val="accent2"/>
-          </a:solidFill>
-          <a:ln>
-            <a:noFill/>
-          </a:ln>
-          <a:effectLst>
-            <a:outerShdw blurRad="44450" dist="27940" dir="5400000" algn="ctr">
-              <a:srgbClr val="000000">
-                <a:alpha val="32000"/>
-              </a:srgbClr>
-            </a:outerShdw>
-          </a:effectLst>
-          <a:scene3d>
-            <a:camera prst="orthographicFront">
-              <a:rot lat="0" lon="0" rev="0"/>
-            </a:camera>
-            <a:lightRig rig="balanced" dir="t">
-              <a:rot lat="0" lon="0" rev="8700000"/>
-            </a:lightRig>
-          </a:scene3d>
-          <a:sp3d>
-            <a:bevelT w="190500" h="38100"/>
-          </a:sp3d>
-        </p:spPr>
-        <p:style>
-          <a:lnRef idx="2">
-            <a:schemeClr val="accent1">
-              <a:shade val="50000"/>
-            </a:schemeClr>
-          </a:lnRef>
-          <a:fillRef idx="1">
-            <a:schemeClr val="accent1"/>
-          </a:fillRef>
-          <a:effectRef idx="0">
-            <a:schemeClr val="accent1"/>
-          </a:effectRef>
-          <a:fontRef idx="minor">
-            <a:schemeClr val="lt1"/>
-          </a:fontRef>
-        </p:style>
-        <p:txBody>
-          <a:bodyPr rtlCol="0" anchor="ctr"/>
-          <a:lstStyle/>
-          <a:p>
-            <a:pPr algn="ctr"/>
-            <a:r>
-              <a:rPr lang="zh-CN" altLang="en-US" sz="4400" b="1" dirty="0" smtClean="0">
-                <a:latin typeface="SimSun-ExtB" panose="02010609060101010101" pitchFamily="49" charset="-122"/>
-                <a:ea typeface="SimSun-ExtB" panose="02010609060101010101" pitchFamily="49" charset="-122"/>
-              </a:rPr>
-              <a:t>针对性</a:t>
-            </a:r>
-            <a:endParaRPr lang="zh-CN" altLang="en-US" sz="4400" b="1" dirty="0">
-              <a:latin typeface="SimSun-ExtB" panose="02010609060101010101" pitchFamily="49" charset="-122"/>
-              <a:ea typeface="SimSun-ExtB" panose="02010609060101010101" pitchFamily="49" charset="-122"/>
-            </a:endParaRPr>
-          </a:p>
-        </p:txBody>
-      </p:sp>
-    </p:spTree>
-    <p:extLst>
-      <p:ext uri="{BB962C8B-B14F-4D97-AF65-F5344CB8AC3E}">
-        <p14:creationId xmlns:p14="http://schemas.microsoft.com/office/powerpoint/2010/main" val="3227861306"/>
-      </p:ext>
-    </p:extLst>
-  </p:cSld>
-  <p:clrMapOvr>
-    <a:masterClrMapping/>
-  </p:clrMapOvr>
-  <mc:AlternateContent xmlns:mc="http://schemas.openxmlformats.org/markup-compatibility/2006">
-    <mc:Choice xmlns:p14="http://schemas.microsoft.com/office/powerpoint/2010/main" Requires="p14">
-      <p:transition spd="slow" p14:dur="2000"/>
-    </mc:Choice>
-    <mc:Fallback>
-      <p:transition spd="slow"/>
-    </mc:Fallback>
-  </mc:AlternateContent>
-  <p:timing>
-    <p:tnLst>
-      <p:par>
-        <p:cTn id="1" dur="indefinite" restart="never" nodeType="tmRoot">
-          <p:childTnLst>
-            <p:seq concurrent="1" nextAc="seek">
-              <p:cTn id="2" dur="indefinite" nodeType="mainSeq">
-                <p:childTnLst>
-                  <p:par>
-                    <p:cTn id="3" fill="hold">
-                      <p:stCondLst>
-                        <p:cond delay="indefinite"/>
-                      </p:stCondLst>
-                      <p:childTnLst>
-                        <p:par>
-                          <p:cTn id="4" fill="hold">
-                            <p:stCondLst>
-                              <p:cond delay="0"/>
-                            </p:stCondLst>
-                            <p:childTnLst>
-                              <p:par>
-                                <p:cTn id="5" presetID="35" presetClass="path" presetSubtype="0" accel="50000" decel="50000" fill="hold" grpId="0" nodeType="clickEffect">
-                                  <p:stCondLst>
-                                    <p:cond delay="0"/>
-                                  </p:stCondLst>
-                                  <p:childTnLst>
-                                    <p:animMotion origin="layout" path="M -0.03295 -0.00393 L -0.28295 -0.00393 " pathEditMode="relative" rAng="0" ptsTypes="AA">
-                                      <p:cBhvr>
-                                        <p:cTn id="6" dur="500" fill="hold"/>
-                                        <p:tgtEl>
-                                          <p:spTgt spid="5"/>
-                                        </p:tgtEl>
-                                        <p:attrNameLst>
-                                          <p:attrName>ppt_x</p:attrName>
-                                          <p:attrName>ppt_y</p:attrName>
-                                        </p:attrNameLst>
-                                      </p:cBhvr>
-                                      <p:rCtr x="-12500" y="0"/>
-                                    </p:animMotion>
-                                  </p:childTnLst>
-                                </p:cTn>
-                              </p:par>
-                            </p:childTnLst>
-                          </p:cTn>
-                        </p:par>
-                      </p:childTnLst>
-                    </p:cTn>
-                  </p:par>
-                  <p:par>
-                    <p:cTn id="7" fill="hold">
-                      <p:stCondLst>
-                        <p:cond delay="indefinite"/>
-                      </p:stCondLst>
-                      <p:childTnLst>
-                        <p:par>
-                          <p:cTn id="8" fill="hold">
-                            <p:stCondLst>
-                              <p:cond delay="0"/>
-                            </p:stCondLst>
-                            <p:childTnLst>
-                              <p:par>
-                                <p:cTn id="9" presetID="63" presetClass="path" presetSubtype="0" accel="50000" decel="50000" fill="hold" grpId="0" nodeType="clickEffect">
-                                  <p:stCondLst>
-                                    <p:cond delay="0"/>
-                                  </p:stCondLst>
-                                  <p:childTnLst>
-                                    <p:animMotion origin="layout" path="M 0.03294 0.00209 L 0.28294 0.00209 " pathEditMode="relative" rAng="0" ptsTypes="AA">
-                                      <p:cBhvr>
-                                        <p:cTn id="10" dur="500" fill="hold"/>
-                                        <p:tgtEl>
-                                          <p:spTgt spid="3"/>
-                                        </p:tgtEl>
-                                        <p:attrNameLst>
-                                          <p:attrName>ppt_x</p:attrName>
-                                          <p:attrName>ppt_y</p:attrName>
-                                        </p:attrNameLst>
-                                      </p:cBhvr>
-                                      <p:rCtr x="12500" y="0"/>
-                                    </p:animMotion>
-                                  </p:childTnLst>
-                                </p:cTn>
-                              </p:par>
-                            </p:childTnLst>
-                          </p:cTn>
-                        </p:par>
-                      </p:childTnLst>
-                    </p:cTn>
-                  </p:par>
-                </p:childTnLst>
-              </p:cTn>
-              <p:prevCondLst>
-                <p:cond evt="onPrev" delay="0">
-                  <p:tgtEl>
-                    <p:sldTgt/>
-                  </p:tgtEl>
-                </p:cond>
-              </p:prevCondLst>
-              <p:nextCondLst>
-                <p:cond evt="onNext" delay="0">
-                  <p:tgtEl>
-                    <p:sldTgt/>
-                  </p:tgtEl>
-                </p:cond>
-              </p:nextCondLst>
-            </p:seq>
-          </p:childTnLst>
-        </p:cTn>
-      </p:par>
-    </p:tnLst>
-    <p:bldLst>
-      <p:bldP spid="5" grpId="0" animBg="1"/>
-      <p:bldP spid="3" grpId="0" animBg="1"/>
     </p:bldLst>
   </p:timing>
 </p:sld>
@@ -6707,4 +9508,265 @@
     </a:ext>
   </a:extLst>
 </a:theme>
+</file>
+
+<file path=ppt/theme/theme2.xml><?xml version="1.0" encoding="utf-8"?>
+<a:theme xmlns:a="http://schemas.openxmlformats.org/drawingml/2006/main" name="Office 主题">
+  <a:themeElements>
+    <a:clrScheme name="Office">
+      <a:dk1>
+        <a:sysClr val="windowText" lastClr="000000"/>
+      </a:dk1>
+      <a:lt1>
+        <a:sysClr val="window" lastClr="FFFFFF"/>
+      </a:lt1>
+      <a:dk2>
+        <a:srgbClr val="44546A"/>
+      </a:dk2>
+      <a:lt2>
+        <a:srgbClr val="E7E6E6"/>
+      </a:lt2>
+      <a:accent1>
+        <a:srgbClr val="5B9BD5"/>
+      </a:accent1>
+      <a:accent2>
+        <a:srgbClr val="ED7D31"/>
+      </a:accent2>
+      <a:accent3>
+        <a:srgbClr val="A5A5A5"/>
+      </a:accent3>
+      <a:accent4>
+        <a:srgbClr val="FFC000"/>
+      </a:accent4>
+      <a:accent5>
+        <a:srgbClr val="4472C4"/>
+      </a:accent5>
+      <a:accent6>
+        <a:srgbClr val="70AD47"/>
+      </a:accent6>
+      <a:hlink>
+        <a:srgbClr val="0563C1"/>
+      </a:hlink>
+      <a:folHlink>
+        <a:srgbClr val="954F72"/>
+      </a:folHlink>
+    </a:clrScheme>
+    <a:fontScheme name="Office">
+      <a:majorFont>
+        <a:latin typeface="Calibri Light" panose="020F0302020204030204"/>
+        <a:ea typeface=""/>
+        <a:cs typeface=""/>
+        <a:font script="Jpan" typeface="ＭＳ Ｐゴシック"/>
+        <a:font script="Hang" typeface="맑은 고딕"/>
+        <a:font script="Hans" typeface="宋体"/>
+        <a:font script="Hant" typeface="新細明體"/>
+        <a:font script="Arab" typeface="Times New Roman"/>
+        <a:font script="Hebr" typeface="Times New Roman"/>
+        <a:font script="Thai" typeface="Angsana New"/>
+        <a:font script="Ethi" typeface="Nyala"/>
+        <a:font script="Beng" typeface="Vrinda"/>
+        <a:font script="Gujr" typeface="Shruti"/>
+        <a:font script="Khmr" typeface="MoolBoran"/>
+        <a:font script="Knda" typeface="Tunga"/>
+        <a:font script="Guru" typeface="Raavi"/>
+        <a:font script="Cans" typeface="Euphemia"/>
+        <a:font script="Cher" typeface="Plantagenet Cherokee"/>
+        <a:font script="Yiii" typeface="Microsoft Yi Baiti"/>
+        <a:font script="Tibt" typeface="Microsoft Himalaya"/>
+        <a:font script="Thaa" typeface="MV Boli"/>
+        <a:font script="Deva" typeface="Mangal"/>
+        <a:font script="Telu" typeface="Gautami"/>
+        <a:font script="Taml" typeface="Latha"/>
+        <a:font script="Syrc" typeface="Estrangelo Edessa"/>
+        <a:font script="Orya" typeface="Kalinga"/>
+        <a:font script="Mlym" typeface="Kartika"/>
+        <a:font script="Laoo" typeface="DokChampa"/>
+        <a:font script="Sinh" typeface="Iskoola Pota"/>
+        <a:font script="Mong" typeface="Mongolian Baiti"/>
+        <a:font script="Viet" typeface="Times New Roman"/>
+        <a:font script="Uigh" typeface="Microsoft Uighur"/>
+        <a:font script="Geor" typeface="Sylfaen"/>
+      </a:majorFont>
+      <a:minorFont>
+        <a:latin typeface="Calibri" panose="020F0502020204030204"/>
+        <a:ea typeface=""/>
+        <a:cs typeface=""/>
+        <a:font script="Jpan" typeface="ＭＳ Ｐゴシック"/>
+        <a:font script="Hang" typeface="맑은 고딕"/>
+        <a:font script="Hans" typeface="宋体"/>
+        <a:font script="Hant" typeface="新細明體"/>
+        <a:font script="Arab" typeface="Arial"/>
+        <a:font script="Hebr" typeface="Arial"/>
+        <a:font script="Thai" typeface="Cordia New"/>
+        <a:font script="Ethi" typeface="Nyala"/>
+        <a:font script="Beng" typeface="Vrinda"/>
+        <a:font script="Gujr" typeface="Shruti"/>
+        <a:font script="Khmr" typeface="DaunPenh"/>
+        <a:font script="Knda" typeface="Tunga"/>
+        <a:font script="Guru" typeface="Raavi"/>
+        <a:font script="Cans" typeface="Euphemia"/>
+        <a:font script="Cher" typeface="Plantagenet Cherokee"/>
+        <a:font script="Yiii" typeface="Microsoft Yi Baiti"/>
+        <a:font script="Tibt" typeface="Microsoft Himalaya"/>
+        <a:font script="Thaa" typeface="MV Boli"/>
+        <a:font script="Deva" typeface="Mangal"/>
+        <a:font script="Telu" typeface="Gautami"/>
+        <a:font script="Taml" typeface="Latha"/>
+        <a:font script="Syrc" typeface="Estrangelo Edessa"/>
+        <a:font script="Orya" typeface="Kalinga"/>
+        <a:font script="Mlym" typeface="Kartika"/>
+        <a:font script="Laoo" typeface="DokChampa"/>
+        <a:font script="Sinh" typeface="Iskoola Pota"/>
+        <a:font script="Mong" typeface="Mongolian Baiti"/>
+        <a:font script="Viet" typeface="Arial"/>
+        <a:font script="Uigh" typeface="Microsoft Uighur"/>
+        <a:font script="Geor" typeface="Sylfaen"/>
+      </a:minorFont>
+    </a:fontScheme>
+    <a:fmtScheme name="Office">
+      <a:fillStyleLst>
+        <a:solidFill>
+          <a:schemeClr val="phClr"/>
+        </a:solidFill>
+        <a:gradFill rotWithShape="1">
+          <a:gsLst>
+            <a:gs pos="0">
+              <a:schemeClr val="phClr">
+                <a:lumMod val="110000"/>
+                <a:satMod val="105000"/>
+                <a:tint val="67000"/>
+              </a:schemeClr>
+            </a:gs>
+            <a:gs pos="50000">
+              <a:schemeClr val="phClr">
+                <a:lumMod val="105000"/>
+                <a:satMod val="103000"/>
+                <a:tint val="73000"/>
+              </a:schemeClr>
+            </a:gs>
+            <a:gs pos="100000">
+              <a:schemeClr val="phClr">
+                <a:lumMod val="105000"/>
+                <a:satMod val="109000"/>
+                <a:tint val="81000"/>
+              </a:schemeClr>
+            </a:gs>
+          </a:gsLst>
+          <a:lin ang="5400000" scaled="0"/>
+        </a:gradFill>
+        <a:gradFill rotWithShape="1">
+          <a:gsLst>
+            <a:gs pos="0">
+              <a:schemeClr val="phClr">
+                <a:satMod val="103000"/>
+                <a:lumMod val="102000"/>
+                <a:tint val="94000"/>
+              </a:schemeClr>
+            </a:gs>
+            <a:gs pos="50000">
+              <a:schemeClr val="phClr">
+                <a:satMod val="110000"/>
+                <a:lumMod val="100000"/>
+                <a:shade val="100000"/>
+              </a:schemeClr>
+            </a:gs>
+            <a:gs pos="100000">
+              <a:schemeClr val="phClr">
+                <a:lumMod val="99000"/>
+                <a:satMod val="120000"/>
+                <a:shade val="78000"/>
+              </a:schemeClr>
+            </a:gs>
+          </a:gsLst>
+          <a:lin ang="5400000" scaled="0"/>
+        </a:gradFill>
+      </a:fillStyleLst>
+      <a:lnStyleLst>
+        <a:ln w="6350" cap="flat" cmpd="sng" algn="ctr">
+          <a:solidFill>
+            <a:schemeClr val="phClr"/>
+          </a:solidFill>
+          <a:prstDash val="solid"/>
+          <a:miter lim="800000"/>
+        </a:ln>
+        <a:ln w="12700" cap="flat" cmpd="sng" algn="ctr">
+          <a:solidFill>
+            <a:schemeClr val="phClr"/>
+          </a:solidFill>
+          <a:prstDash val="solid"/>
+          <a:miter lim="800000"/>
+        </a:ln>
+        <a:ln w="19050" cap="flat" cmpd="sng" algn="ctr">
+          <a:solidFill>
+            <a:schemeClr val="phClr"/>
+          </a:solidFill>
+          <a:prstDash val="solid"/>
+          <a:miter lim="800000"/>
+        </a:ln>
+      </a:lnStyleLst>
+      <a:effectStyleLst>
+        <a:effectStyle>
+          <a:effectLst/>
+        </a:effectStyle>
+        <a:effectStyle>
+          <a:effectLst/>
+        </a:effectStyle>
+        <a:effectStyle>
+          <a:effectLst>
+            <a:outerShdw blurRad="57150" dist="19050" dir="5400000" algn="ctr" rotWithShape="0">
+              <a:srgbClr val="000000">
+                <a:alpha val="63000"/>
+              </a:srgbClr>
+            </a:outerShdw>
+          </a:effectLst>
+        </a:effectStyle>
+      </a:effectStyleLst>
+      <a:bgFillStyleLst>
+        <a:solidFill>
+          <a:schemeClr val="phClr"/>
+        </a:solidFill>
+        <a:solidFill>
+          <a:schemeClr val="phClr">
+            <a:tint val="95000"/>
+            <a:satMod val="170000"/>
+          </a:schemeClr>
+        </a:solidFill>
+        <a:gradFill rotWithShape="1">
+          <a:gsLst>
+            <a:gs pos="0">
+              <a:schemeClr val="phClr">
+                <a:tint val="93000"/>
+                <a:satMod val="150000"/>
+                <a:shade val="98000"/>
+                <a:lumMod val="102000"/>
+              </a:schemeClr>
+            </a:gs>
+            <a:gs pos="50000">
+              <a:schemeClr val="phClr">
+                <a:tint val="98000"/>
+                <a:satMod val="130000"/>
+                <a:shade val="90000"/>
+                <a:lumMod val="103000"/>
+              </a:schemeClr>
+            </a:gs>
+            <a:gs pos="100000">
+              <a:schemeClr val="phClr">
+                <a:shade val="63000"/>
+                <a:satMod val="120000"/>
+              </a:schemeClr>
+            </a:gs>
+          </a:gsLst>
+          <a:lin ang="5400000" scaled="0"/>
+        </a:gradFill>
+      </a:bgFillStyleLst>
+    </a:fmtScheme>
+  </a:themeElements>
+  <a:objectDefaults/>
+  <a:extraClrSchemeLst/>
+  <a:extLst>
+    <a:ext uri="{05A4C25C-085E-4340-85A3-A5531E510DB2}">
+      <thm15:themeFamily xmlns:thm15="http://schemas.microsoft.com/office/thememl/2012/main" name="Office Theme" id="{62F939B6-93AF-4DB8-9C6B-D6C7DFDC589F}" vid="{4A3C46E8-61CC-4603-A589-7422A47A8E4A}"/>
+    </a:ext>
+  </a:extLst>
+</a:theme>
 </file>